--- a/presentation/GROUP 13.pptx
+++ b/presentation/GROUP 13.pptx
@@ -8252,12 +8252,18 @@
           </a:xfrm>
         </p:spPr>
         <p:txBody>
-          <a:bodyPr/>
+          <a:bodyPr>
+            <a:normAutofit fontScale="90000"/>
+          </a:bodyPr>
           <a:lstStyle/>
           <a:p>
             <a:r>
               <a:rPr lang="en-US" dirty="0" smtClean="0"/>
-              <a:t>Current System</a:t>
+              <a:t>Current </a:t>
+            </a:r>
+            <a:r>
+              <a:rPr lang="en-US" dirty="0" smtClean="0"/>
+              <a:t>Process</a:t>
             </a:r>
             <a:endParaRPr lang="en-US" dirty="0"/>
           </a:p>
@@ -9703,15 +9709,6 @@
 </file>
 
 <file path=customXml/item1.xml><?xml version="1.0" encoding="utf-8"?>
-<?mso-contentType ?>
-<FormTemplates xmlns="http://schemas.microsoft.com/sharepoint/v3/contenttype/forms">
-  <Display>DocumentLibraryForm</Display>
-  <Edit>DocumentLibraryForm</Edit>
-  <New>DocumentLibraryForm</New>
-</FormTemplates>
-</file>
-
-<file path=customXml/item2.xml><?xml version="1.0" encoding="utf-8"?>
 <p:properties xmlns:p="http://schemas.microsoft.com/office/2006/metadata/properties" xmlns:xsi="http://www.w3.org/2001/XMLSchema-instance" xmlns:pc="http://schemas.microsoft.com/office/infopath/2007/PartnerControls">
   <documentManagement>
     <VSO_x0020_item_x0020_id xmlns="40262f94-9f35-4ac3-9a90-690165a166b7" xsi:nil="true"/>
@@ -9720,6 +9717,15 @@
     <Template_x0020_details xmlns="40262f94-9f35-4ac3-9a90-690165a166b7" xsi:nil="true"/>
   </documentManagement>
 </p:properties>
+</file>
+
+<file path=customXml/item2.xml><?xml version="1.0" encoding="utf-8"?>
+<?mso-contentType ?>
+<FormTemplates xmlns="http://schemas.microsoft.com/sharepoint/v3/contenttype/forms">
+  <Display>DocumentLibraryForm</Display>
+  <Edit>DocumentLibraryForm</Edit>
+  <New>DocumentLibraryForm</New>
+</FormTemplates>
 </file>
 
 <file path=customXml/item3.xml><?xml version="1.0" encoding="utf-8"?>
@@ -9904,14 +9910,6 @@
 </file>
 
 <file path=customXml/itemProps1.xml><?xml version="1.0" encoding="utf-8"?>
-<ds:datastoreItem xmlns:ds="http://schemas.openxmlformats.org/officeDocument/2006/customXml" ds:itemID="{653E1689-1E09-4ADC-A5E7-6718BF79A8A6}">
-  <ds:schemaRefs>
-    <ds:schemaRef ds:uri="http://schemas.microsoft.com/sharepoint/v3/contenttype/forms"/>
-  </ds:schemaRefs>
-</ds:datastoreItem>
-</file>
-
-<file path=customXml/itemProps2.xml><?xml version="1.0" encoding="utf-8"?>
 <ds:datastoreItem xmlns:ds="http://schemas.openxmlformats.org/officeDocument/2006/customXml" ds:itemID="{3FFF1070-8794-47AC-90B7-1F2E078096FF}">
   <ds:schemaRefs>
     <ds:schemaRef ds:uri="40262f94-9f35-4ac3-9a90-690165a166b7"/>
@@ -9924,6 +9922,14 @@
     <ds:schemaRef ds:uri="http://purl.org/dc/terms/"/>
     <ds:schemaRef ds:uri="http://schemas.microsoft.com/office/infopath/2007/PartnerControls"/>
     <ds:schemaRef ds:uri="http://schemas.openxmlformats.org/package/2006/metadata/core-properties"/>
+  </ds:schemaRefs>
+</ds:datastoreItem>
+</file>
+
+<file path=customXml/itemProps2.xml><?xml version="1.0" encoding="utf-8"?>
+<ds:datastoreItem xmlns:ds="http://schemas.openxmlformats.org/officeDocument/2006/customXml" ds:itemID="{653E1689-1E09-4ADC-A5E7-6718BF79A8A6}">
+  <ds:schemaRefs>
+    <ds:schemaRef ds:uri="http://schemas.microsoft.com/sharepoint/v3/contenttype/forms"/>
   </ds:schemaRefs>
 </ds:datastoreItem>
 </file>

--- a/presentation/GROUP 13.pptx
+++ b/presentation/GROUP 13.pptx
@@ -4160,7 +4160,7 @@
         </p:spPr>
         <p:txBody>
           <a:bodyPr>
-            <a:normAutofit/>
+            <a:normAutofit fontScale="92500"/>
           </a:bodyPr>
           <a:lstStyle/>
           <a:p>
@@ -4756,11 +4756,7 @@
               <a:buChar char="q"/>
             </a:pPr>
             <a:r>
-              <a:rPr lang="en-GB" sz="2400" dirty="0">
-                <a:solidFill>
-                  <a:srgbClr val="0070C0"/>
-                </a:solidFill>
-              </a:rPr>
+              <a:rPr lang="en-GB" sz="2400" dirty="0"/>
               <a:t>Web Application</a:t>
             </a:r>
           </a:p>
@@ -4771,11 +4767,7 @@
               </a:buClr>
             </a:pPr>
             <a:r>
-              <a:rPr lang="en-GB" dirty="0">
-                <a:solidFill>
-                  <a:srgbClr val="0070C0"/>
-                </a:solidFill>
-              </a:rPr>
+              <a:rPr lang="en-GB" dirty="0"/>
               <a:t>When media station receives a news, admin will input it to the system and update the mobile app</a:t>
             </a:r>
           </a:p>
@@ -4786,11 +4778,7 @@
               </a:buClr>
             </a:pPr>
             <a:r>
-              <a:rPr lang="en-GB" dirty="0">
-                <a:solidFill>
-                  <a:srgbClr val="0070C0"/>
-                </a:solidFill>
-              </a:rPr>
+              <a:rPr lang="en-GB" dirty="0"/>
               <a:t>Ask the provincial reporters do coverage in their area and inform the other reporters after someone confirms their participation.</a:t>
             </a:r>
           </a:p>
@@ -4801,11 +4789,7 @@
               </a:buClr>
             </a:pPr>
             <a:r>
-              <a:rPr lang="en-GB" dirty="0">
-                <a:solidFill>
-                  <a:srgbClr val="0070C0"/>
-                </a:solidFill>
-              </a:rPr>
+              <a:rPr lang="en-GB" dirty="0"/>
               <a:t>Sends notifications and remind the relevant news to the provincial reporters </a:t>
             </a:r>
           </a:p>
@@ -4816,11 +4800,7 @@
               </a:buClr>
             </a:pPr>
             <a:r>
-              <a:rPr lang="en-GB" dirty="0">
-                <a:solidFill>
-                  <a:srgbClr val="0070C0"/>
-                </a:solidFill>
-              </a:rPr>
+              <a:rPr lang="en-GB" dirty="0"/>
               <a:t>Check whether the news was telecasted. if telecasted, prepare the salaries according to the number of news.</a:t>
             </a:r>
           </a:p>
@@ -4831,11 +4811,7 @@
               </a:buClr>
             </a:pPr>
             <a:r>
-              <a:rPr lang="en-GB" dirty="0">
-                <a:solidFill>
-                  <a:srgbClr val="0070C0"/>
-                </a:solidFill>
-              </a:rPr>
+              <a:rPr lang="en-GB" dirty="0"/>
               <a:t>Keep all the reports and records about news, news reporters  and payments.</a:t>
             </a:r>
           </a:p>
@@ -8259,11 +8235,7 @@
           <a:p>
             <a:r>
               <a:rPr lang="en-US" dirty="0" smtClean="0"/>
-              <a:t>Current </a:t>
-            </a:r>
-            <a:r>
-              <a:rPr lang="en-US" dirty="0" smtClean="0"/>
-              <a:t>Process</a:t>
+              <a:t>Current Process</a:t>
             </a:r>
             <a:endParaRPr lang="en-US" dirty="0"/>
           </a:p>
@@ -9709,6 +9681,15 @@
 </file>
 
 <file path=customXml/item1.xml><?xml version="1.0" encoding="utf-8"?>
+<?mso-contentType ?>
+<FormTemplates xmlns="http://schemas.microsoft.com/sharepoint/v3/contenttype/forms">
+  <Display>DocumentLibraryForm</Display>
+  <Edit>DocumentLibraryForm</Edit>
+  <New>DocumentLibraryForm</New>
+</FormTemplates>
+</file>
+
+<file path=customXml/item2.xml><?xml version="1.0" encoding="utf-8"?>
 <p:properties xmlns:p="http://schemas.microsoft.com/office/2006/metadata/properties" xmlns:xsi="http://www.w3.org/2001/XMLSchema-instance" xmlns:pc="http://schemas.microsoft.com/office/infopath/2007/PartnerControls">
   <documentManagement>
     <VSO_x0020_item_x0020_id xmlns="40262f94-9f35-4ac3-9a90-690165a166b7" xsi:nil="true"/>
@@ -9717,15 +9698,6 @@
     <Template_x0020_details xmlns="40262f94-9f35-4ac3-9a90-690165a166b7" xsi:nil="true"/>
   </documentManagement>
 </p:properties>
-</file>
-
-<file path=customXml/item2.xml><?xml version="1.0" encoding="utf-8"?>
-<?mso-contentType ?>
-<FormTemplates xmlns="http://schemas.microsoft.com/sharepoint/v3/contenttype/forms">
-  <Display>DocumentLibraryForm</Display>
-  <Edit>DocumentLibraryForm</Edit>
-  <New>DocumentLibraryForm</New>
-</FormTemplates>
 </file>
 
 <file path=customXml/item3.xml><?xml version="1.0" encoding="utf-8"?>
@@ -9910,6 +9882,14 @@
 </file>
 
 <file path=customXml/itemProps1.xml><?xml version="1.0" encoding="utf-8"?>
+<ds:datastoreItem xmlns:ds="http://schemas.openxmlformats.org/officeDocument/2006/customXml" ds:itemID="{653E1689-1E09-4ADC-A5E7-6718BF79A8A6}">
+  <ds:schemaRefs>
+    <ds:schemaRef ds:uri="http://schemas.microsoft.com/sharepoint/v3/contenttype/forms"/>
+  </ds:schemaRefs>
+</ds:datastoreItem>
+</file>
+
+<file path=customXml/itemProps2.xml><?xml version="1.0" encoding="utf-8"?>
 <ds:datastoreItem xmlns:ds="http://schemas.openxmlformats.org/officeDocument/2006/customXml" ds:itemID="{3FFF1070-8794-47AC-90B7-1F2E078096FF}">
   <ds:schemaRefs>
     <ds:schemaRef ds:uri="40262f94-9f35-4ac3-9a90-690165a166b7"/>
@@ -9922,14 +9902,6 @@
     <ds:schemaRef ds:uri="http://purl.org/dc/terms/"/>
     <ds:schemaRef ds:uri="http://schemas.microsoft.com/office/infopath/2007/PartnerControls"/>
     <ds:schemaRef ds:uri="http://schemas.openxmlformats.org/package/2006/metadata/core-properties"/>
-  </ds:schemaRefs>
-</ds:datastoreItem>
-</file>
-
-<file path=customXml/itemProps2.xml><?xml version="1.0" encoding="utf-8"?>
-<ds:datastoreItem xmlns:ds="http://schemas.openxmlformats.org/officeDocument/2006/customXml" ds:itemID="{653E1689-1E09-4ADC-A5E7-6718BF79A8A6}">
-  <ds:schemaRefs>
-    <ds:schemaRef ds:uri="http://schemas.microsoft.com/sharepoint/v3/contenttype/forms"/>
   </ds:schemaRefs>
 </ds:datastoreItem>
 </file>

--- a/presentation/GROUP 13.pptx
+++ b/presentation/GROUP 13.pptx
@@ -7563,7 +7563,7 @@
           <a:bodyPr/>
           <a:lstStyle/>
           <a:p>
-            <a:endParaRPr lang="en-US"/>
+            <a:endParaRPr lang="en-US" dirty="0"/>
           </a:p>
         </p:txBody>
       </p:sp>
@@ -7582,7 +7582,7 @@
           <a:bodyPr/>
           <a:lstStyle/>
           <a:p>
-            <a:endParaRPr lang="en-US"/>
+            <a:endParaRPr lang="en-US" dirty="0"/>
           </a:p>
         </p:txBody>
       </p:sp>
@@ -7936,8 +7936,8 @@
         </p:nvSpPr>
         <p:spPr>
           <a:xfrm>
-            <a:off x="1370012" y="1447800"/>
-            <a:ext cx="8077200" cy="4191000"/>
+            <a:off x="1370012" y="1239982"/>
+            <a:ext cx="9448800" cy="4191000"/>
           </a:xfrm>
         </p:spPr>
         <p:txBody>
@@ -7946,54 +7946,81 @@
           </a:bodyPr>
           <a:lstStyle/>
           <a:p>
-            <a:pPr algn="just">
+            <a:pPr>
+              <a:lnSpc>
+                <a:spcPct val="200000"/>
+              </a:lnSpc>
               <a:buFont typeface="Wingdings" panose="05000000000000000000" pitchFamily="2" charset="2"/>
               <a:buChar char="v"/>
             </a:pPr>
             <a:r>
+              <a:rPr lang="en-US" sz="2400" b="1" dirty="0"/>
+              <a:t> </a:t>
+            </a:r>
+            <a:r>
               <a:rPr lang="en-US" sz="2400" b="1" dirty="0" smtClean="0"/>
-              <a:t>We had to study the process of a news company to get a basic idea.</a:t>
-            </a:r>
-            <a:endParaRPr lang="en-US" sz="2400" b="1" dirty="0"/>
-          </a:p>
-          <a:p>
-            <a:pPr algn="just">
+              <a:t>We </a:t>
+            </a:r>
+            <a:r>
+              <a:rPr lang="en-US" sz="2400" b="1" dirty="0" smtClean="0"/>
+              <a:t>visited few companies to study various types of systems.</a:t>
+            </a:r>
+          </a:p>
+          <a:p>
+            <a:pPr>
+              <a:lnSpc>
+                <a:spcPct val="200000"/>
+              </a:lnSpc>
               <a:buFont typeface="Wingdings" panose="05000000000000000000" pitchFamily="2" charset="2"/>
               <a:buChar char="v"/>
             </a:pPr>
             <a:r>
               <a:rPr lang="en-US" sz="2400" b="1" dirty="0" smtClean="0"/>
-              <a:t>We visited few companies to study various types of systems.</a:t>
-            </a:r>
-          </a:p>
-          <a:p>
-            <a:pPr algn="just">
+              <a:t>Various companies use various type of technology.</a:t>
+            </a:r>
+            <a:endParaRPr lang="en-US" sz="2400" b="1" dirty="0" smtClean="0"/>
+          </a:p>
+          <a:p>
+            <a:pPr>
+              <a:lnSpc>
+                <a:spcPct val="200000"/>
+              </a:lnSpc>
               <a:buFont typeface="Wingdings" panose="05000000000000000000" pitchFamily="2" charset="2"/>
               <a:buChar char="v"/>
             </a:pPr>
             <a:r>
               <a:rPr lang="en-US" sz="2400" b="1" dirty="0" smtClean="0"/>
-              <a:t>We choose to visit companies which are using a minimum technology facilities and which are using  very modern technology for their process. </a:t>
-            </a:r>
-          </a:p>
-          <a:p>
-            <a:pPr algn="just">
+              <a:t>That helped </a:t>
+            </a:r>
+            <a:r>
+              <a:rPr lang="en-US" sz="2400" b="1" dirty="0" smtClean="0"/>
+              <a:t>to </a:t>
+            </a:r>
+            <a:r>
+              <a:rPr lang="en-US" sz="2400" b="1" dirty="0" smtClean="0"/>
+              <a:t>get an idea about </a:t>
+            </a:r>
+            <a:r>
+              <a:rPr lang="en-US" sz="2400" b="1" dirty="0" smtClean="0"/>
+              <a:t>technology.</a:t>
+            </a:r>
+            <a:endParaRPr lang="en-US" sz="2400" b="1" dirty="0" smtClean="0"/>
+          </a:p>
+          <a:p>
+            <a:pPr>
+              <a:lnSpc>
+                <a:spcPct val="200000"/>
+              </a:lnSpc>
               <a:buFont typeface="Wingdings" panose="05000000000000000000" pitchFamily="2" charset="2"/>
               <a:buChar char="v"/>
             </a:pPr>
             <a:r>
               <a:rPr lang="en-US" sz="2400" b="1" dirty="0" smtClean="0"/>
-              <a:t>That helped us to get an idea about the range of technology facilities that are using by Sri Lankan News companies.</a:t>
-            </a:r>
-          </a:p>
-          <a:p>
-            <a:pPr algn="just">
-              <a:buFont typeface="Wingdings" panose="05000000000000000000" pitchFamily="2" charset="2"/>
-              <a:buChar char="v"/>
-            </a:pPr>
+              <a:t>Understood the common </a:t>
+            </a:r>
             <a:r>
               <a:rPr lang="en-US" sz="2400" b="1" dirty="0" smtClean="0"/>
-              <a:t>Understood the common Issues all of them are facing in their current Systems.</a:t>
+              <a:t>Issues of that process.</a:t>
             </a:r>
             <a:endParaRPr lang="en-US" sz="2400" b="1" dirty="0"/>
           </a:p>
@@ -8011,7 +8038,7 @@
         </p:nvSpPr>
         <p:spPr>
           <a:xfrm>
-            <a:off x="1065212" y="152400"/>
+            <a:off x="1065212" y="0"/>
             <a:ext cx="9067800" cy="1066800"/>
           </a:xfrm>
         </p:spPr>
@@ -8109,7 +8136,7 @@
         </p:nvSpPr>
         <p:spPr>
           <a:xfrm>
-            <a:off x="398462" y="1143000"/>
+            <a:off x="398462" y="609600"/>
             <a:ext cx="10363200" cy="4572000"/>
           </a:xfrm>
         </p:spPr>
@@ -8120,74 +8147,161 @@
           <a:lstStyle/>
           <a:p>
             <a:pPr>
+              <a:lnSpc>
+                <a:spcPct val="200000"/>
+              </a:lnSpc>
               <a:buFont typeface="Wingdings" panose="05000000000000000000" pitchFamily="2" charset="2"/>
               <a:buChar char="v"/>
             </a:pPr>
             <a:r>
               <a:rPr lang="en-US" sz="2400" b="1" dirty="0" smtClean="0"/>
-              <a:t>There is a considerable probability of misunderstanding the communication between news room and the reporter </a:t>
+              <a:t>Miscommunication </a:t>
+            </a:r>
+            <a:r>
+              <a:rPr lang="en-US" sz="2400" b="1" dirty="0" smtClean="0"/>
+              <a:t>between </a:t>
+            </a:r>
+            <a:r>
+              <a:rPr lang="en-US" sz="2400" b="1" dirty="0" smtClean="0"/>
+              <a:t>coordinator</a:t>
+            </a:r>
+            <a:r>
+              <a:rPr lang="en-US" sz="2400" b="1" dirty="0" smtClean="0"/>
+              <a:t> </a:t>
+            </a:r>
+            <a:r>
+              <a:rPr lang="en-US" sz="2400" b="1" dirty="0" smtClean="0"/>
+              <a:t>and the reporter </a:t>
             </a:r>
           </a:p>
           <a:p>
             <a:pPr>
+              <a:lnSpc>
+                <a:spcPct val="200000"/>
+              </a:lnSpc>
               <a:buFont typeface="Wingdings" panose="05000000000000000000" pitchFamily="2" charset="2"/>
               <a:buChar char="v"/>
             </a:pPr>
             <a:r>
-              <a:rPr lang="en-US" sz="2400" b="1" dirty="0"/>
-              <a:t> </a:t>
-            </a:r>
-            <a:r>
               <a:rPr lang="en-US" sz="2400" b="1" dirty="0" smtClean="0"/>
-              <a:t>Advising provincial Reporters to cover an incident is a fully manual process through a call.</a:t>
+              <a:t>Allocating a news is fully </a:t>
+            </a:r>
+            <a:r>
+              <a:rPr lang="en-US" sz="2400" b="1" dirty="0" smtClean="0"/>
+              <a:t>manual process through </a:t>
+            </a:r>
+            <a:r>
+              <a:rPr lang="en-US" sz="2400" b="1" dirty="0" smtClean="0"/>
+              <a:t>  a </a:t>
+            </a:r>
+            <a:r>
+              <a:rPr lang="en-US" sz="2400" b="1" dirty="0" smtClean="0"/>
+              <a:t>call.</a:t>
             </a:r>
           </a:p>
           <a:p>
             <a:pPr>
+              <a:lnSpc>
+                <a:spcPct val="200000"/>
+              </a:lnSpc>
               <a:buFont typeface="Wingdings" panose="05000000000000000000" pitchFamily="2" charset="2"/>
               <a:buChar char="v"/>
             </a:pPr>
             <a:r>
               <a:rPr lang="en-US" sz="2400" b="1" dirty="0" smtClean="0"/>
-              <a:t>Its hard to view each reporters activity for a one person at one time</a:t>
+              <a:t>Its </a:t>
+            </a:r>
+            <a:r>
+              <a:rPr lang="en-US" sz="2400" b="1" dirty="0" smtClean="0"/>
+              <a:t>hard to view each reporters activity for a one person at one time</a:t>
             </a:r>
           </a:p>
           <a:p>
             <a:pPr>
+              <a:lnSpc>
+                <a:spcPct val="200000"/>
+              </a:lnSpc>
               <a:buFont typeface="Wingdings" panose="05000000000000000000" pitchFamily="2" charset="2"/>
               <a:buChar char="v"/>
             </a:pPr>
             <a:r>
+              <a:rPr lang="en-US" sz="2400" b="1" dirty="0"/>
+              <a:t>T</a:t>
+            </a:r>
+            <a:r>
               <a:rPr lang="en-US" sz="2400" b="1" dirty="0" smtClean="0"/>
-              <a:t>There are some valuable time wasting when finalizing the monthly payment for a reporter. Need to check many written papers</a:t>
-            </a:r>
+              <a:t>ime </a:t>
+            </a:r>
+            <a:r>
+              <a:rPr lang="en-US" sz="2400" b="1" dirty="0" smtClean="0"/>
+              <a:t>wasting </a:t>
+            </a:r>
+            <a:r>
+              <a:rPr lang="en-US" sz="2400" b="1" dirty="0" smtClean="0"/>
+              <a:t>in</a:t>
+            </a:r>
+            <a:r>
+              <a:rPr lang="en-US" sz="2400" b="1" dirty="0" smtClean="0"/>
+              <a:t> </a:t>
+            </a:r>
+            <a:r>
+              <a:rPr lang="en-US" sz="2400" b="1" dirty="0" smtClean="0"/>
+              <a:t>finalizing the monthly </a:t>
+            </a:r>
+            <a:r>
+              <a:rPr lang="en-US" sz="2400" b="1" dirty="0" smtClean="0"/>
+              <a:t> payment </a:t>
+            </a:r>
+            <a:r>
+              <a:rPr lang="en-US" sz="2400" b="1" dirty="0" smtClean="0"/>
+              <a:t>of a </a:t>
+            </a:r>
+            <a:r>
+              <a:rPr lang="en-US" sz="2400" b="1" dirty="0" smtClean="0"/>
+              <a:t>reporter.</a:t>
+            </a:r>
+            <a:endParaRPr lang="en-US" sz="2400" b="1" dirty="0" smtClean="0"/>
           </a:p>
           <a:p>
             <a:pPr>
+              <a:lnSpc>
+                <a:spcPct val="200000"/>
+              </a:lnSpc>
               <a:buFont typeface="Wingdings" panose="05000000000000000000" pitchFamily="2" charset="2"/>
               <a:buChar char="v"/>
             </a:pPr>
             <a:r>
               <a:rPr lang="en-US" sz="2400" b="1" dirty="0" smtClean="0"/>
-              <a:t>Some middle important news can be missing</a:t>
+              <a:t>Some important </a:t>
+            </a:r>
+            <a:r>
+              <a:rPr lang="en-US" sz="2400" b="1" dirty="0" smtClean="0"/>
+              <a:t>news can be missing</a:t>
             </a:r>
           </a:p>
           <a:p>
             <a:pPr>
+              <a:lnSpc>
+                <a:spcPct val="200000"/>
+              </a:lnSpc>
               <a:buFont typeface="Wingdings" panose="05000000000000000000" pitchFamily="2" charset="2"/>
               <a:buChar char="v"/>
             </a:pPr>
             <a:r>
               <a:rPr lang="en-US" sz="2400" b="1" dirty="0" smtClean="0"/>
-              <a:t>Its very complicate to handle this process for a one or few people, There is a requirement of more people to handle each group of reporters from each area. </a:t>
-            </a:r>
-            <a:r>
-              <a:rPr lang="en-US" sz="2400" b="1" dirty="0"/>
-              <a:t>I</a:t>
+              <a:t>Its too </a:t>
             </a:r>
             <a:r>
               <a:rPr lang="en-US" sz="2400" b="1" dirty="0" smtClean="0"/>
-              <a:t>t is an extra cost. </a:t>
+              <a:t>complicate to handle this process for a one or few </a:t>
+            </a:r>
+            <a:r>
+              <a:rPr lang="en-US" sz="2400" b="1" dirty="0" smtClean="0"/>
+              <a:t>people</a:t>
+            </a:r>
+            <a:r>
+              <a:rPr lang="en-US" sz="2400" b="1" dirty="0" smtClean="0"/>
+              <a:t>.</a:t>
             </a:r>
             <a:endParaRPr lang="en-US" sz="2400" b="1" dirty="0"/>
           </a:p>
@@ -8259,11 +8373,7 @@
           <a:p>
             <a:r>
               <a:rPr lang="en-US" dirty="0" smtClean="0"/>
-              <a:t>Current </a:t>
-            </a:r>
-            <a:r>
-              <a:rPr lang="en-US" dirty="0" smtClean="0"/>
-              <a:t>Process</a:t>
+              <a:t>Current Process</a:t>
             </a:r>
             <a:endParaRPr lang="en-US" dirty="0"/>
           </a:p>
@@ -9709,6 +9819,15 @@
 </file>
 
 <file path=customXml/item1.xml><?xml version="1.0" encoding="utf-8"?>
+<?mso-contentType ?>
+<FormTemplates xmlns="http://schemas.microsoft.com/sharepoint/v3/contenttype/forms">
+  <Display>DocumentLibraryForm</Display>
+  <Edit>DocumentLibraryForm</Edit>
+  <New>DocumentLibraryForm</New>
+</FormTemplates>
+</file>
+
+<file path=customXml/item2.xml><?xml version="1.0" encoding="utf-8"?>
 <p:properties xmlns:p="http://schemas.microsoft.com/office/2006/metadata/properties" xmlns:xsi="http://www.w3.org/2001/XMLSchema-instance" xmlns:pc="http://schemas.microsoft.com/office/infopath/2007/PartnerControls">
   <documentManagement>
     <VSO_x0020_item_x0020_id xmlns="40262f94-9f35-4ac3-9a90-690165a166b7" xsi:nil="true"/>
@@ -9717,15 +9836,6 @@
     <Template_x0020_details xmlns="40262f94-9f35-4ac3-9a90-690165a166b7" xsi:nil="true"/>
   </documentManagement>
 </p:properties>
-</file>
-
-<file path=customXml/item2.xml><?xml version="1.0" encoding="utf-8"?>
-<?mso-contentType ?>
-<FormTemplates xmlns="http://schemas.microsoft.com/sharepoint/v3/contenttype/forms">
-  <Display>DocumentLibraryForm</Display>
-  <Edit>DocumentLibraryForm</Edit>
-  <New>DocumentLibraryForm</New>
-</FormTemplates>
 </file>
 
 <file path=customXml/item3.xml><?xml version="1.0" encoding="utf-8"?>
@@ -9910,6 +10020,14 @@
 </file>
 
 <file path=customXml/itemProps1.xml><?xml version="1.0" encoding="utf-8"?>
+<ds:datastoreItem xmlns:ds="http://schemas.openxmlformats.org/officeDocument/2006/customXml" ds:itemID="{653E1689-1E09-4ADC-A5E7-6718BF79A8A6}">
+  <ds:schemaRefs>
+    <ds:schemaRef ds:uri="http://schemas.microsoft.com/sharepoint/v3/contenttype/forms"/>
+  </ds:schemaRefs>
+</ds:datastoreItem>
+</file>
+
+<file path=customXml/itemProps2.xml><?xml version="1.0" encoding="utf-8"?>
 <ds:datastoreItem xmlns:ds="http://schemas.openxmlformats.org/officeDocument/2006/customXml" ds:itemID="{3FFF1070-8794-47AC-90B7-1F2E078096FF}">
   <ds:schemaRefs>
     <ds:schemaRef ds:uri="40262f94-9f35-4ac3-9a90-690165a166b7"/>
@@ -9922,14 +10040,6 @@
     <ds:schemaRef ds:uri="http://purl.org/dc/terms/"/>
     <ds:schemaRef ds:uri="http://schemas.microsoft.com/office/infopath/2007/PartnerControls"/>
     <ds:schemaRef ds:uri="http://schemas.openxmlformats.org/package/2006/metadata/core-properties"/>
-  </ds:schemaRefs>
-</ds:datastoreItem>
-</file>
-
-<file path=customXml/itemProps2.xml><?xml version="1.0" encoding="utf-8"?>
-<ds:datastoreItem xmlns:ds="http://schemas.openxmlformats.org/officeDocument/2006/customXml" ds:itemID="{653E1689-1E09-4ADC-A5E7-6718BF79A8A6}">
-  <ds:schemaRefs>
-    <ds:schemaRef ds:uri="http://schemas.microsoft.com/sharepoint/v3/contenttype/forms"/>
   </ds:schemaRefs>
 </ds:datastoreItem>
 </file>

--- a/presentation/GROUP 13.pptx
+++ b/presentation/GROUP 13.pptx
@@ -5922,9 +5922,6 @@
             </a:endParaRPr>
           </a:p>
           <a:p>
-            <a:pPr marL="45720" lvl="0" indent="0">
-              <a:buNone/>
-            </a:pPr>
             <a:r>
               <a:rPr lang="en-GB" sz="2800" dirty="0" smtClean="0">
                 <a:solidFill>
@@ -5935,10 +5932,12 @@
                 <a:latin typeface="Adobe Fan Heiti Std B" panose="020B0700000000000000" pitchFamily="34" charset="-128"/>
                 <a:ea typeface="Adobe Fan Heiti Std B" panose="020B0700000000000000" pitchFamily="34" charset="-128"/>
               </a:rPr>
-              <a:t>Agile </a:t>
-            </a:r>
-            <a:r>
-              <a:rPr lang="en-GB" sz="2800" dirty="0">
+              <a:t>Long life time</a:t>
+            </a:r>
+          </a:p>
+          <a:p>
+            <a:r>
+              <a:rPr lang="en-GB" sz="2800" dirty="0" smtClean="0">
                 <a:solidFill>
                   <a:schemeClr val="bg2">
                     <a:lumMod val="50000"/>
@@ -5947,8 +5946,80 @@
                 <a:latin typeface="Adobe Fan Heiti Std B" panose="020B0700000000000000" pitchFamily="34" charset="-128"/>
                 <a:ea typeface="Adobe Fan Heiti Std B" panose="020B0700000000000000" pitchFamily="34" charset="-128"/>
               </a:rPr>
-              <a:t>Methodology – SCRUM</a:t>
-            </a:r>
+              <a:t>unstable </a:t>
+            </a:r>
+            <a:r>
+              <a:rPr lang="en-GB" sz="2800" dirty="0" smtClean="0">
+                <a:solidFill>
+                  <a:schemeClr val="bg2">
+                    <a:lumMod val="50000"/>
+                  </a:schemeClr>
+                </a:solidFill>
+                <a:latin typeface="Adobe Fan Heiti Std B" panose="020B0700000000000000" pitchFamily="34" charset="-128"/>
+                <a:ea typeface="Adobe Fan Heiti Std B" panose="020B0700000000000000" pitchFamily="34" charset="-128"/>
+              </a:rPr>
+              <a:t>requirements</a:t>
+            </a:r>
+          </a:p>
+          <a:p>
+            <a:endParaRPr lang="en-GB" sz="2800" dirty="0">
+              <a:solidFill>
+                <a:schemeClr val="bg2">
+                  <a:lumMod val="50000"/>
+                </a:schemeClr>
+              </a:solidFill>
+              <a:latin typeface="Adobe Fan Heiti Std B" panose="020B0700000000000000" pitchFamily="34" charset="-128"/>
+              <a:ea typeface="Adobe Fan Heiti Std B" panose="020B0700000000000000" pitchFamily="34" charset="-128"/>
+            </a:endParaRPr>
+          </a:p>
+          <a:p>
+            <a:pPr marL="45720" indent="0">
+              <a:buNone/>
+            </a:pPr>
+            <a:r>
+              <a:rPr lang="en-GB" sz="2800" dirty="0" smtClean="0">
+                <a:solidFill>
+                  <a:schemeClr val="bg2">
+                    <a:lumMod val="50000"/>
+                  </a:schemeClr>
+                </a:solidFill>
+                <a:latin typeface="Adobe Fan Heiti Std B" panose="020B0700000000000000" pitchFamily="34" charset="-128"/>
+                <a:ea typeface="Adobe Fan Heiti Std B" panose="020B0700000000000000" pitchFamily="34" charset="-128"/>
+              </a:rPr>
+              <a:t>Therefore we use </a:t>
+            </a:r>
+            <a:r>
+              <a:rPr lang="en-GB" sz="2800" smtClean="0">
+                <a:solidFill>
+                  <a:schemeClr val="bg2">
+                    <a:lumMod val="50000"/>
+                  </a:schemeClr>
+                </a:solidFill>
+                <a:latin typeface="Adobe Fan Heiti Std B" panose="020B0700000000000000" pitchFamily="34" charset="-128"/>
+                <a:ea typeface="Adobe Fan Heiti Std B" panose="020B0700000000000000" pitchFamily="34" charset="-128"/>
+              </a:rPr>
+              <a:t>modified waterfall</a:t>
+            </a:r>
+            <a:endParaRPr lang="en-GB" sz="2800" dirty="0" smtClean="0">
+              <a:solidFill>
+                <a:schemeClr val="bg2">
+                  <a:lumMod val="50000"/>
+                </a:schemeClr>
+              </a:solidFill>
+              <a:latin typeface="Adobe Fan Heiti Std B" panose="020B0700000000000000" pitchFamily="34" charset="-128"/>
+              <a:ea typeface="Adobe Fan Heiti Std B" panose="020B0700000000000000" pitchFamily="34" charset="-128"/>
+            </a:endParaRPr>
+          </a:p>
+          <a:p>
+            <a:endParaRPr lang="en-GB" sz="2800" dirty="0">
+              <a:solidFill>
+                <a:schemeClr val="bg2">
+                  <a:lumMod val="50000"/>
+                </a:schemeClr>
+              </a:solidFill>
+              <a:latin typeface="Adobe Fan Heiti Std B" panose="020B0700000000000000" pitchFamily="34" charset="-128"/>
+              <a:ea typeface="Adobe Fan Heiti Std B" panose="020B0700000000000000" pitchFamily="34" charset="-128"/>
+            </a:endParaRPr>
           </a:p>
           <a:p>
             <a:pPr marL="45720" lvl="0" indent="0">
@@ -5969,46 +6040,19 @@
               <a:buFontTx/>
               <a:buChar char="-"/>
             </a:pPr>
-            <a:r>
-              <a:rPr lang="en-GB" sz="2800" dirty="0">
-                <a:solidFill>
-                  <a:schemeClr val="bg2">
-                    <a:lumMod val="50000"/>
-                  </a:schemeClr>
-                </a:solidFill>
-                <a:ea typeface="Adobe Fan Heiti Std B" panose="020B0700000000000000" pitchFamily="34" charset="-128"/>
-              </a:rPr>
-              <a:t>A faster development methodology</a:t>
-            </a:r>
-          </a:p>
-          <a:p>
-            <a:pPr lvl="0">
-              <a:buFontTx/>
-              <a:buChar char="-"/>
+            <a:endParaRPr lang="en-GB" sz="2800" dirty="0">
+              <a:solidFill>
+                <a:schemeClr val="bg2">
+                  <a:lumMod val="50000"/>
+                </a:schemeClr>
+              </a:solidFill>
+              <a:ea typeface="Adobe Fan Heiti Std B" panose="020B0700000000000000" pitchFamily="34" charset="-128"/>
+            </a:endParaRPr>
+          </a:p>
+          <a:p>
+            <a:pPr marL="45720" lvl="0" indent="0">
+              <a:buNone/>
             </a:pPr>
-            <a:r>
-              <a:rPr lang="en-GB" sz="2800" dirty="0">
-                <a:solidFill>
-                  <a:schemeClr val="bg2">
-                    <a:lumMod val="50000"/>
-                  </a:schemeClr>
-                </a:solidFill>
-                <a:latin typeface="Adobe Fan Heiti Std B" panose="020B0700000000000000" pitchFamily="34" charset="-128"/>
-                <a:ea typeface="Adobe Fan Heiti Std B" panose="020B0700000000000000" pitchFamily="34" charset="-128"/>
-              </a:rPr>
-              <a:t> </a:t>
-            </a:r>
-            <a:r>
-              <a:rPr lang="en-GB" sz="2800" dirty="0">
-                <a:solidFill>
-                  <a:schemeClr val="bg2">
-                    <a:lumMod val="50000"/>
-                  </a:schemeClr>
-                </a:solidFill>
-                <a:ea typeface="Adobe Fan Heiti Std B" panose="020B0700000000000000" pitchFamily="34" charset="-128"/>
-              </a:rPr>
-              <a:t>Can conduct SCRUM sessions which would resolve the issues which the team members would meet</a:t>
-            </a:r>
             <a:endParaRPr lang="en-GB" sz="2800" dirty="0">
               <a:solidFill>
                 <a:schemeClr val="bg2">
@@ -9681,26 +9725,6 @@
 </file>
 
 <file path=customXml/item1.xml><?xml version="1.0" encoding="utf-8"?>
-<?mso-contentType ?>
-<FormTemplates xmlns="http://schemas.microsoft.com/sharepoint/v3/contenttype/forms">
-  <Display>DocumentLibraryForm</Display>
-  <Edit>DocumentLibraryForm</Edit>
-  <New>DocumentLibraryForm</New>
-</FormTemplates>
-</file>
-
-<file path=customXml/item2.xml><?xml version="1.0" encoding="utf-8"?>
-<p:properties xmlns:p="http://schemas.microsoft.com/office/2006/metadata/properties" xmlns:xsi="http://www.w3.org/2001/XMLSchema-instance" xmlns:pc="http://schemas.microsoft.com/office/infopath/2007/PartnerControls">
-  <documentManagement>
-    <VSO_x0020_item_x0020_id xmlns="40262f94-9f35-4ac3-9a90-690165a166b7" xsi:nil="true"/>
-    <Assetid_x0020_ xmlns="40262f94-9f35-4ac3-9a90-690165a166b7" xsi:nil="true"/>
-    <Item_x0020_Details xmlns="40262f94-9f35-4ac3-9a90-690165a166b7" xsi:nil="true"/>
-    <Template_x0020_details xmlns="40262f94-9f35-4ac3-9a90-690165a166b7" xsi:nil="true"/>
-  </documentManagement>
-</p:properties>
-</file>
-
-<file path=customXml/item3.xml><?xml version="1.0" encoding="utf-8"?>
 <ct:contentTypeSchema xmlns:ct="http://schemas.microsoft.com/office/2006/metadata/contentType" xmlns:ma="http://schemas.microsoft.com/office/2006/metadata/properties/metaAttributes" ct:_="" ma:_="" ma:contentTypeName="Document" ma:contentTypeID="0x010100AA3F7D94069FF64A86F7DFF56D60E3BE" ma:contentTypeVersion="6" ma:contentTypeDescription="Create a new document." ma:contentTypeScope="" ma:versionID="c32302c77d4085ecf495bdddb7f5e889">
   <xsd:schema xmlns:xsd="http://www.w3.org/2001/XMLSchema" xmlns:xs="http://www.w3.org/2001/XMLSchema" xmlns:p="http://schemas.microsoft.com/office/2006/metadata/properties" xmlns:ns2="a4f35948-e619-41b3-aa29-22878b09cfd2" xmlns:ns3="40262f94-9f35-4ac3-9a90-690165a166b7" targetNamespace="http://schemas.microsoft.com/office/2006/metadata/properties" ma:root="true" ma:fieldsID="4ab5ae46be95f9d0be6107e8200be7a2" ns2:_="" ns3:_="">
     <xsd:import namespace="a4f35948-e619-41b3-aa29-22878b09cfd2"/>
@@ -9881,32 +9905,27 @@
 </ct:contentTypeSchema>
 </file>
 
-<file path=customXml/itemProps1.xml><?xml version="1.0" encoding="utf-8"?>
-<ds:datastoreItem xmlns:ds="http://schemas.openxmlformats.org/officeDocument/2006/customXml" ds:itemID="{653E1689-1E09-4ADC-A5E7-6718BF79A8A6}">
-  <ds:schemaRefs>
-    <ds:schemaRef ds:uri="http://schemas.microsoft.com/sharepoint/v3/contenttype/forms"/>
-  </ds:schemaRefs>
-</ds:datastoreItem>
+<file path=customXml/item2.xml><?xml version="1.0" encoding="utf-8"?>
+<?mso-contentType ?>
+<FormTemplates xmlns="http://schemas.microsoft.com/sharepoint/v3/contenttype/forms">
+  <Display>DocumentLibraryForm</Display>
+  <Edit>DocumentLibraryForm</Edit>
+  <New>DocumentLibraryForm</New>
+</FormTemplates>
 </file>
 
-<file path=customXml/itemProps2.xml><?xml version="1.0" encoding="utf-8"?>
-<ds:datastoreItem xmlns:ds="http://schemas.openxmlformats.org/officeDocument/2006/customXml" ds:itemID="{3FFF1070-8794-47AC-90B7-1F2E078096FF}">
-  <ds:schemaRefs>
-    <ds:schemaRef ds:uri="40262f94-9f35-4ac3-9a90-690165a166b7"/>
-    <ds:schemaRef ds:uri="a4f35948-e619-41b3-aa29-22878b09cfd2"/>
-    <ds:schemaRef ds:uri="http://www.w3.org/XML/1998/namespace"/>
-    <ds:schemaRef ds:uri="http://purl.org/dc/elements/1.1/"/>
-    <ds:schemaRef ds:uri="http://schemas.microsoft.com/office/2006/documentManagement/types"/>
-    <ds:schemaRef ds:uri="http://schemas.microsoft.com/office/2006/metadata/properties"/>
-    <ds:schemaRef ds:uri="http://purl.org/dc/dcmitype/"/>
-    <ds:schemaRef ds:uri="http://purl.org/dc/terms/"/>
-    <ds:schemaRef ds:uri="http://schemas.microsoft.com/office/infopath/2007/PartnerControls"/>
-    <ds:schemaRef ds:uri="http://schemas.openxmlformats.org/package/2006/metadata/core-properties"/>
-  </ds:schemaRefs>
-</ds:datastoreItem>
+<file path=customXml/item3.xml><?xml version="1.0" encoding="utf-8"?>
+<p:properties xmlns:p="http://schemas.microsoft.com/office/2006/metadata/properties" xmlns:xsi="http://www.w3.org/2001/XMLSchema-instance" xmlns:pc="http://schemas.microsoft.com/office/infopath/2007/PartnerControls">
+  <documentManagement>
+    <VSO_x0020_item_x0020_id xmlns="40262f94-9f35-4ac3-9a90-690165a166b7" xsi:nil="true"/>
+    <Assetid_x0020_ xmlns="40262f94-9f35-4ac3-9a90-690165a166b7" xsi:nil="true"/>
+    <Item_x0020_Details xmlns="40262f94-9f35-4ac3-9a90-690165a166b7" xsi:nil="true"/>
+    <Template_x0020_details xmlns="40262f94-9f35-4ac3-9a90-690165a166b7" xsi:nil="true"/>
+  </documentManagement>
+</p:properties>
 </file>
 
-<file path=customXml/itemProps3.xml><?xml version="1.0" encoding="utf-8"?>
+<file path=customXml/itemProps1.xml><?xml version="1.0" encoding="utf-8"?>
 <ds:datastoreItem xmlns:ds="http://schemas.openxmlformats.org/officeDocument/2006/customXml" ds:itemID="{7CB30B94-6D3B-4C91-947C-5EB8E8EFFE4F}">
   <ds:schemaRefs>
     <ds:schemaRef ds:uri="http://schemas.microsoft.com/office/2006/metadata/contentType"/>
@@ -9923,4 +9942,29 @@
     <ds:schemaRef ds:uri="http://schemas.microsoft.com/internal/obd"/>
   </ds:schemaRefs>
 </ds:datastoreItem>
+</file>
+
+<file path=customXml/itemProps2.xml><?xml version="1.0" encoding="utf-8"?>
+<ds:datastoreItem xmlns:ds="http://schemas.openxmlformats.org/officeDocument/2006/customXml" ds:itemID="{653E1689-1E09-4ADC-A5E7-6718BF79A8A6}">
+  <ds:schemaRefs>
+    <ds:schemaRef ds:uri="http://schemas.microsoft.com/sharepoint/v3/contenttype/forms"/>
+  </ds:schemaRefs>
+</ds:datastoreItem>
+</file>
+
+<file path=customXml/itemProps3.xml><?xml version="1.0" encoding="utf-8"?>
+<ds:datastoreItem xmlns:ds="http://schemas.openxmlformats.org/officeDocument/2006/customXml" ds:itemID="{3FFF1070-8794-47AC-90B7-1F2E078096FF}">
+  <ds:schemaRefs>
+    <ds:schemaRef ds:uri="40262f94-9f35-4ac3-9a90-690165a166b7"/>
+    <ds:schemaRef ds:uri="a4f35948-e619-41b3-aa29-22878b09cfd2"/>
+    <ds:schemaRef ds:uri="http://www.w3.org/XML/1998/namespace"/>
+    <ds:schemaRef ds:uri="http://purl.org/dc/elements/1.1/"/>
+    <ds:schemaRef ds:uri="http://schemas.microsoft.com/office/2006/documentManagement/types"/>
+    <ds:schemaRef ds:uri="http://schemas.microsoft.com/office/2006/metadata/properties"/>
+    <ds:schemaRef ds:uri="http://purl.org/dc/dcmitype/"/>
+    <ds:schemaRef ds:uri="http://purl.org/dc/terms/"/>
+    <ds:schemaRef ds:uri="http://schemas.microsoft.com/office/infopath/2007/PartnerControls"/>
+    <ds:schemaRef ds:uri="http://schemas.openxmlformats.org/package/2006/metadata/core-properties"/>
+  </ds:schemaRefs>
+</ds:datastoreItem>
 </file>
--- a/presentation/GROUP 13.pptx
+++ b/presentation/GROUP 13.pptx
@@ -5,10 +5,10 @@
     <p:sldMasterId id="2147483660" r:id="rId4"/>
   </p:sldMasterIdLst>
   <p:notesMasterIdLst>
-    <p:notesMasterId r:id="rId31"/>
+    <p:notesMasterId r:id="rId32"/>
   </p:notesMasterIdLst>
   <p:handoutMasterIdLst>
-    <p:handoutMasterId r:id="rId32"/>
+    <p:handoutMasterId r:id="rId33"/>
   </p:handoutMasterIdLst>
   <p:sldIdLst>
     <p:sldId id="257" r:id="rId5"/>
@@ -37,6 +37,7 @@
     <p:sldId id="282" r:id="rId28"/>
     <p:sldId id="283" r:id="rId29"/>
     <p:sldId id="284" r:id="rId30"/>
+    <p:sldId id="285" r:id="rId31"/>
   </p:sldIdLst>
   <p:sldSz cx="12188825" cy="6858000"/>
   <p:notesSz cx="6858000" cy="9144000"/>
@@ -4673,6 +4674,13 @@
       </p:transition>
     </mc:Fallback>
   </mc:AlternateContent>
+  <p:timing>
+    <p:tnLst>
+      <p:par>
+        <p:cTn id="1" dur="indefinite" restart="never" nodeType="tmRoot"/>
+      </p:par>
+    </p:tnLst>
+  </p:timing>
 </p:sld>
 </file>
 
@@ -4703,7 +4711,12 @@
             <p:ph type="title"/>
           </p:nvPr>
         </p:nvSpPr>
-        <p:spPr/>
+        <p:spPr>
+          <a:xfrm>
+            <a:off x="1141412" y="0"/>
+            <a:ext cx="8686801" cy="1066800"/>
+          </a:xfrm>
+        </p:spPr>
         <p:txBody>
           <a:bodyPr/>
           <a:lstStyle/>
@@ -4735,17 +4748,17 @@
         </p:nvSpPr>
         <p:spPr>
           <a:xfrm>
-            <a:off x="1293812" y="1828800"/>
-            <a:ext cx="8686801" cy="4191000"/>
+            <a:off x="912812" y="1295400"/>
+            <a:ext cx="9829800" cy="4648200"/>
           </a:xfrm>
         </p:spPr>
         <p:txBody>
           <a:bodyPr>
-            <a:normAutofit lnSpcReduction="10000"/>
+            <a:normAutofit/>
           </a:bodyPr>
           <a:lstStyle/>
           <a:p>
-            <a:pPr marL="285750" lvl="0" indent="-285750">
+            <a:pPr marL="342900" lvl="0" indent="-342900">
               <a:spcBef>
                 <a:spcPts val="0"/>
               </a:spcBef>
@@ -4753,94 +4766,112 @@
                 <a:srgbClr val="7030A0"/>
               </a:buClr>
               <a:buFont typeface="Wingdings" panose="05000000000000000000" pitchFamily="2" charset="2"/>
-              <a:buChar char="q"/>
+              <a:buChar char="Ø"/>
             </a:pPr>
             <a:r>
-              <a:rPr lang="en-GB" sz="2400" dirty="0">
+              <a:rPr lang="en-US" sz="2400" dirty="0" smtClean="0">
                 <a:solidFill>
                   <a:srgbClr val="0070C0"/>
                 </a:solidFill>
               </a:rPr>
-              <a:t>Web Application</a:t>
-            </a:r>
-          </a:p>
-          <a:p>
-            <a:pPr marL="285750" indent="-285750">
-              <a:buClr>
-                <a:srgbClr val="7030A0"/>
-              </a:buClr>
-            </a:pPr>
-            <a:r>
-              <a:rPr lang="en-GB" dirty="0">
+              <a:t>Coordinator  </a:t>
+            </a:r>
+            <a:r>
+              <a:rPr lang="en-US" sz="2400" dirty="0">
                 <a:solidFill>
                   <a:srgbClr val="0070C0"/>
                 </a:solidFill>
               </a:rPr>
-              <a:t>When media station receives a news, admin will input it to the system and update the mobile app</a:t>
-            </a:r>
-          </a:p>
-          <a:p>
-            <a:pPr marL="285750" indent="-285750">
-              <a:buClr>
-                <a:srgbClr val="7030A0"/>
-              </a:buClr>
-            </a:pPr>
-            <a:r>
-              <a:rPr lang="en-GB" dirty="0">
+              <a:t>- Web Based </a:t>
+            </a:r>
+            <a:r>
+              <a:rPr lang="en-US" sz="2400" dirty="0" smtClean="0">
                 <a:solidFill>
                   <a:srgbClr val="0070C0"/>
                 </a:solidFill>
               </a:rPr>
-              <a:t>Ask the provincial reporters do coverage in their area and inform the other reporters after someone confirms their participation.</a:t>
-            </a:r>
-          </a:p>
-          <a:p>
-            <a:pPr marL="285750" indent="-285750">
+              <a:t>System</a:t>
+            </a:r>
+          </a:p>
+          <a:p>
+            <a:pPr marL="0" lvl="0" indent="0">
+              <a:spcBef>
+                <a:spcPts val="0"/>
+              </a:spcBef>
               <a:buClr>
                 <a:srgbClr val="7030A0"/>
               </a:buClr>
+              <a:buNone/>
             </a:pPr>
-            <a:r>
-              <a:rPr lang="en-GB" dirty="0">
-                <a:solidFill>
-                  <a:srgbClr val="0070C0"/>
-                </a:solidFill>
-              </a:rPr>
-              <a:t>Sends notifications and remind the relevant news to the provincial reporters </a:t>
-            </a:r>
-          </a:p>
-          <a:p>
-            <a:pPr marL="285750" indent="-285750">
-              <a:buClr>
-                <a:srgbClr val="7030A0"/>
-              </a:buClr>
+            <a:endParaRPr lang="en-GB" sz="2400" dirty="0" smtClean="0">
+              <a:solidFill>
+                <a:srgbClr val="0070C0"/>
+              </a:solidFill>
+            </a:endParaRPr>
+          </a:p>
+          <a:p>
+            <a:pPr>
+              <a:lnSpc>
+                <a:spcPct val="150000"/>
+              </a:lnSpc>
             </a:pPr>
             <a:r>
-              <a:rPr lang="en-GB" dirty="0">
-                <a:solidFill>
-                  <a:srgbClr val="0070C0"/>
-                </a:solidFill>
-              </a:rPr>
-              <a:t>Check whether the news was telecasted. if telecasted, prepare the salaries according to the number of news.</a:t>
-            </a:r>
-          </a:p>
-          <a:p>
-            <a:pPr marL="285750" indent="-285750">
-              <a:buClr>
-                <a:srgbClr val="7030A0"/>
-              </a:buClr>
+              <a:rPr lang="en-US" dirty="0" smtClean="0"/>
+              <a:t>1.	Log in to the system</a:t>
+            </a:r>
+          </a:p>
+          <a:p>
+            <a:pPr>
+              <a:lnSpc>
+                <a:spcPct val="150000"/>
+              </a:lnSpc>
             </a:pPr>
             <a:r>
-              <a:rPr lang="en-GB" dirty="0">
-                <a:solidFill>
-                  <a:srgbClr val="0070C0"/>
-                </a:solidFill>
-              </a:rPr>
-              <a:t>Keep all the reports and records about news, news reporters  and payments.</a:t>
-            </a:r>
-          </a:p>
-          <a:p>
-            <a:endParaRPr lang="en-GB" dirty="0"/>
+              <a:rPr lang="en-US" dirty="0" smtClean="0"/>
+              <a:t>2</a:t>
+            </a:r>
+            <a:r>
+              <a:rPr lang="en-US" dirty="0"/>
+              <a:t>.	Send new news items to reporters</a:t>
+            </a:r>
+          </a:p>
+          <a:p>
+            <a:pPr>
+              <a:lnSpc>
+                <a:spcPct val="150000"/>
+              </a:lnSpc>
+            </a:pPr>
+            <a:r>
+              <a:rPr lang="en-US" dirty="0"/>
+              <a:t>3.	Receive news items from reporters</a:t>
+            </a:r>
+          </a:p>
+          <a:p>
+            <a:pPr>
+              <a:lnSpc>
+                <a:spcPct val="150000"/>
+              </a:lnSpc>
+            </a:pPr>
+            <a:r>
+              <a:rPr lang="en-US" dirty="0"/>
+              <a:t>4.	View pending news, scheduled news, monthly summary and reporter details</a:t>
+            </a:r>
+          </a:p>
+          <a:p>
+            <a:pPr>
+              <a:lnSpc>
+                <a:spcPct val="150000"/>
+              </a:lnSpc>
+            </a:pPr>
+            <a:r>
+              <a:rPr lang="en-US" dirty="0"/>
+              <a:t>5.	Send messages to </a:t>
+            </a:r>
+            <a:r>
+              <a:rPr lang="en-US" dirty="0" smtClean="0"/>
+              <a:t>reports</a:t>
+            </a:r>
+            <a:endParaRPr lang="en-GB" dirty="0" smtClean="0"/>
           </a:p>
           <a:p>
             <a:endParaRPr lang="en-US" dirty="0"/>
@@ -4869,6 +4900,13 @@
       </p:transition>
     </mc:Fallback>
   </mc:AlternateContent>
+  <p:timing>
+    <p:tnLst>
+      <p:par>
+        <p:cTn id="1" dur="indefinite" restart="never" nodeType="tmRoot"/>
+      </p:par>
+    </p:tnLst>
+  </p:timing>
 </p:sld>
 </file>
 
@@ -4901,7 +4939,7 @@
         </p:nvSpPr>
         <p:spPr>
           <a:xfrm>
-            <a:off x="1141412" y="990600"/>
+            <a:off x="1141412" y="381000"/>
             <a:ext cx="8686801" cy="1066800"/>
           </a:xfrm>
         </p:spPr>
@@ -4943,8 +4981,8 @@
         </p:nvSpPr>
         <p:spPr>
           <a:xfrm>
-            <a:off x="1293812" y="1828800"/>
-            <a:ext cx="8686801" cy="4191000"/>
+            <a:off x="989012" y="1295400"/>
+            <a:ext cx="9220200" cy="4191000"/>
           </a:xfrm>
         </p:spPr>
         <p:txBody>
@@ -4953,7 +4991,7 @@
           </a:bodyPr>
           <a:lstStyle/>
           <a:p>
-            <a:pPr marL="285750" lvl="0" indent="-285750">
+            <a:pPr marL="342900" lvl="0" indent="-342900">
               <a:spcBef>
                 <a:spcPts val="0"/>
               </a:spcBef>
@@ -4961,7 +4999,7 @@
                 <a:srgbClr val="7030A0"/>
               </a:buClr>
               <a:buFont typeface="Wingdings" panose="05000000000000000000" pitchFamily="2" charset="2"/>
-              <a:buChar char="q"/>
+              <a:buChar char="Ø"/>
             </a:pPr>
             <a:r>
               <a:rPr lang="en-GB" sz="2400" dirty="0" smtClean="0">
@@ -4969,8 +5007,36 @@
                   <a:srgbClr val="0070C0"/>
                 </a:solidFill>
               </a:rPr>
-              <a:t>Mobile App</a:t>
-            </a:r>
+              <a:t>Reporter </a:t>
+            </a:r>
+            <a:r>
+              <a:rPr lang="en-GB" sz="2400" dirty="0">
+                <a:solidFill>
+                  <a:srgbClr val="0070C0"/>
+                </a:solidFill>
+              </a:rPr>
+              <a:t>– Mobile </a:t>
+            </a:r>
+            <a:r>
+              <a:rPr lang="en-GB" sz="2400" dirty="0" smtClean="0">
+                <a:solidFill>
+                  <a:srgbClr val="0070C0"/>
+                </a:solidFill>
+              </a:rPr>
+              <a:t>App</a:t>
+            </a:r>
+          </a:p>
+          <a:p>
+            <a:pPr marL="342900" lvl="0" indent="-342900">
+              <a:spcBef>
+                <a:spcPts val="0"/>
+              </a:spcBef>
+              <a:buClr>
+                <a:srgbClr val="7030A0"/>
+              </a:buClr>
+              <a:buFont typeface="Wingdings" panose="05000000000000000000" pitchFamily="2" charset="2"/>
+              <a:buChar char="Ø"/>
+            </a:pPr>
             <a:endParaRPr lang="en-GB" sz="2400" dirty="0">
               <a:solidFill>
                 <a:srgbClr val="0070C0"/>
@@ -4978,93 +5044,58 @@
             </a:endParaRPr>
           </a:p>
           <a:p>
-            <a:pPr marL="285750" indent="-285750">
-              <a:buClr>
-                <a:srgbClr val="7030A0"/>
-              </a:buClr>
+            <a:pPr marL="45720" indent="0">
+              <a:lnSpc>
+                <a:spcPct val="200000"/>
+              </a:lnSpc>
+              <a:buNone/>
             </a:pPr>
             <a:r>
-              <a:rPr lang="en-US" dirty="0">
-                <a:solidFill>
-                  <a:srgbClr val="0070C0"/>
-                </a:solidFill>
-              </a:rPr>
-              <a:t>Confirm the participation to a particular coverage.</a:t>
-            </a:r>
-          </a:p>
-          <a:p>
-            <a:pPr marL="285750" indent="-285750">
-              <a:buClr>
-                <a:srgbClr val="7030A0"/>
-              </a:buClr>
+              <a:rPr lang="en-US" dirty="0" smtClean="0"/>
+              <a:t>1. Log </a:t>
+            </a:r>
+            <a:r>
+              <a:rPr lang="en-US" dirty="0"/>
+              <a:t>in to the system</a:t>
+            </a:r>
+          </a:p>
+          <a:p>
+            <a:pPr marL="45720" indent="0">
+              <a:lnSpc>
+                <a:spcPct val="200000"/>
+              </a:lnSpc>
+              <a:buNone/>
             </a:pPr>
             <a:r>
-              <a:rPr lang="en-US" dirty="0">
-                <a:solidFill>
-                  <a:srgbClr val="0070C0"/>
-                </a:solidFill>
-              </a:rPr>
-              <a:t>See the event calendar and the choose news which weren’t taken by another reporter.</a:t>
-            </a:r>
-          </a:p>
-          <a:p>
-            <a:pPr marL="285750" indent="-285750">
-              <a:buClr>
-                <a:srgbClr val="7030A0"/>
-              </a:buClr>
+              <a:rPr lang="en-US" dirty="0" smtClean="0"/>
+              <a:t>2. Send </a:t>
+            </a:r>
+            <a:r>
+              <a:rPr lang="en-US" dirty="0"/>
+              <a:t>news to the media corporation</a:t>
+            </a:r>
+          </a:p>
+          <a:p>
+            <a:pPr marL="45720" indent="0">
+              <a:lnSpc>
+                <a:spcPct val="200000"/>
+              </a:lnSpc>
+              <a:buNone/>
             </a:pPr>
             <a:r>
-              <a:rPr lang="en-US" dirty="0">
-                <a:solidFill>
-                  <a:srgbClr val="0070C0"/>
-                </a:solidFill>
-              </a:rPr>
-              <a:t>Check the monthly salary.</a:t>
-            </a:r>
-          </a:p>
-          <a:p>
-            <a:pPr marL="285750" indent="-285750">
-              <a:buClr>
-                <a:srgbClr val="7030A0"/>
-              </a:buClr>
-            </a:pPr>
-            <a:r>
-              <a:rPr lang="en-US" dirty="0">
-                <a:solidFill>
-                  <a:srgbClr val="0070C0"/>
-                </a:solidFill>
-              </a:rPr>
-              <a:t>Inform the media station when the provincial reporter found a new news</a:t>
-            </a:r>
-            <a:r>
-              <a:rPr lang="en-US" dirty="0" smtClean="0">
-                <a:solidFill>
-                  <a:srgbClr val="0070C0"/>
-                </a:solidFill>
-              </a:rPr>
-              <a:t>.</a:t>
-            </a:r>
-          </a:p>
-          <a:p>
-            <a:pPr marL="285750" indent="-285750">
-              <a:buClr>
-                <a:srgbClr val="7030A0"/>
-              </a:buClr>
-            </a:pPr>
-            <a:r>
-              <a:rPr lang="en-US" dirty="0">
-                <a:solidFill>
-                  <a:srgbClr val="0070C0"/>
-                </a:solidFill>
-              </a:rPr>
-              <a:t>View inbox </a:t>
+              <a:rPr lang="en-US" dirty="0" smtClean="0"/>
+              <a:t>3. View </a:t>
+            </a:r>
+            <a:r>
+              <a:rPr lang="en-US" dirty="0"/>
+              <a:t>upcoming news, monthly news summary, inbox and monthly salary</a:t>
             </a:r>
           </a:p>
           <a:p>
             <a:pPr marL="45720" indent="0">
               <a:buNone/>
             </a:pPr>
-            <a:endParaRPr lang="en-GB" dirty="0"/>
+            <a:endParaRPr lang="en-GB" dirty="0" smtClean="0"/>
           </a:p>
           <a:p>
             <a:endParaRPr lang="en-US" dirty="0"/>
@@ -5093,6 +5124,13 @@
       </p:transition>
     </mc:Fallback>
   </mc:AlternateContent>
+  <p:timing>
+    <p:tnLst>
+      <p:par>
+        <p:cTn id="1" dur="indefinite" restart="never" nodeType="tmRoot"/>
+      </p:par>
+    </p:tnLst>
+  </p:timing>
 </p:sld>
 </file>
 
@@ -5233,6 +5271,13 @@
       </p:transition>
     </mc:Fallback>
   </mc:AlternateContent>
+  <p:timing>
+    <p:tnLst>
+      <p:par>
+        <p:cTn id="1" dur="indefinite" restart="never" nodeType="tmRoot"/>
+      </p:par>
+    </p:tnLst>
+  </p:timing>
 </p:sld>
 </file>
 
@@ -5364,6 +5409,13 @@
       </p:transition>
     </mc:Fallback>
   </mc:AlternateContent>
+  <p:timing>
+    <p:tnLst>
+      <p:par>
+        <p:cTn id="1" dur="indefinite" restart="never" nodeType="tmRoot"/>
+      </p:par>
+    </p:tnLst>
+  </p:timing>
 </p:sld>
 </file>
 
@@ -5467,6 +5519,13 @@
       </p:transition>
     </mc:Fallback>
   </mc:AlternateContent>
+  <p:timing>
+    <p:tnLst>
+      <p:par>
+        <p:cTn id="1" dur="indefinite" restart="never" nodeType="tmRoot"/>
+      </p:par>
+    </p:tnLst>
+  </p:timing>
 </p:sld>
 </file>
 
@@ -5606,6 +5665,13 @@
       </p:transition>
     </mc:Fallback>
   </mc:AlternateContent>
+  <p:timing>
+    <p:tnLst>
+      <p:par>
+        <p:cTn id="1" dur="indefinite" restart="never" nodeType="tmRoot"/>
+      </p:par>
+    </p:tnLst>
+  </p:timing>
 </p:sld>
 </file>
 
@@ -5717,6 +5783,13 @@
       </p:transition>
     </mc:Fallback>
   </mc:AlternateContent>
+  <p:timing>
+    <p:tnLst>
+      <p:par>
+        <p:cTn id="1" dur="indefinite" restart="never" nodeType="tmRoot"/>
+      </p:par>
+    </p:tnLst>
+  </p:timing>
 </p:sld>
 </file>
 
@@ -5868,6 +5941,13 @@
       </p:transition>
     </mc:Fallback>
   </mc:AlternateContent>
+  <p:timing>
+    <p:tnLst>
+      <p:par>
+        <p:cTn id="1" dur="indefinite" restart="never" nodeType="tmRoot"/>
+      </p:par>
+    </p:tnLst>
+  </p:timing>
 </p:sld>
 </file>
 
@@ -6070,6 +6150,13 @@
       </p:transition>
     </mc:Fallback>
   </mc:AlternateContent>
+  <p:timing>
+    <p:tnLst>
+      <p:par>
+        <p:cTn id="1" dur="indefinite" restart="never" nodeType="tmRoot"/>
+      </p:par>
+    </p:tnLst>
+  </p:timing>
 </p:sld>
 </file>
 
@@ -6735,6 +6822,13 @@
       </p:transition>
     </mc:Fallback>
   </mc:AlternateContent>
+  <p:timing>
+    <p:tnLst>
+      <p:par>
+        <p:cTn id="1" dur="indefinite" restart="never" nodeType="tmRoot"/>
+      </p:par>
+    </p:tnLst>
+  </p:timing>
 </p:sld>
 </file>
 
@@ -6757,7 +6851,7 @@
       </p:grpSpPr>
       <p:pic>
         <p:nvPicPr>
-          <p:cNvPr id="4" name="Content Placeholder 3"/>
+          <p:cNvPr id="3" name="Content Placeholder 2"/>
           <p:cNvPicPr>
             <a:picLocks noGrp="1" noChangeAspect="1"/>
           </p:cNvPicPr>
@@ -6779,8 +6873,8 @@
         </p:blipFill>
         <p:spPr>
           <a:xfrm>
-            <a:off x="912812" y="167066"/>
-            <a:ext cx="9448800" cy="6960776"/>
+            <a:off x="989012" y="152399"/>
+            <a:ext cx="7848600" cy="6444379"/>
           </a:xfrm>
         </p:spPr>
       </p:pic>
@@ -6806,6 +6900,13 @@
       </p:transition>
     </mc:Fallback>
   </mc:AlternateContent>
+  <p:timing>
+    <p:tnLst>
+      <p:par>
+        <p:cTn id="1" dur="indefinite" restart="never" nodeType="tmRoot"/>
+      </p:par>
+    </p:tnLst>
+  </p:timing>
 </p:sld>
 </file>
 
@@ -6828,7 +6929,7 @@
       </p:grpSpPr>
       <p:pic>
         <p:nvPicPr>
-          <p:cNvPr id="4" name="Content Placeholder 3"/>
+          <p:cNvPr id="3" name="Content Placeholder 2"/>
           <p:cNvPicPr>
             <a:picLocks noGrp="1" noChangeAspect="1"/>
           </p:cNvPicPr>
@@ -6850,8 +6951,8 @@
         </p:blipFill>
         <p:spPr>
           <a:xfrm>
-            <a:off x="1598612" y="228600"/>
-            <a:ext cx="6858000" cy="5876884"/>
+            <a:off x="1065212" y="152400"/>
+            <a:ext cx="8153399" cy="6399980"/>
           </a:xfrm>
         </p:spPr>
       </p:pic>
@@ -6877,6 +6978,13 @@
       </p:transition>
     </mc:Fallback>
   </mc:AlternateContent>
+  <p:timing>
+    <p:tnLst>
+      <p:par>
+        <p:cTn id="1" dur="indefinite" restart="never" nodeType="tmRoot"/>
+      </p:par>
+    </p:tnLst>
+  </p:timing>
 </p:sld>
 </file>
 
@@ -7038,6 +7146,13 @@
       </p:transition>
     </mc:Fallback>
   </mc:AlternateContent>
+  <p:timing>
+    <p:tnLst>
+      <p:par>
+        <p:cTn id="1" dur="indefinite" restart="never" nodeType="tmRoot"/>
+      </p:par>
+    </p:tnLst>
+  </p:timing>
 </p:sld>
 </file>
 
@@ -7068,7 +7183,12 @@
             <p:ph type="title"/>
           </p:nvPr>
         </p:nvSpPr>
-        <p:spPr/>
+        <p:spPr>
+          <a:xfrm>
+            <a:off x="2360612" y="0"/>
+            <a:ext cx="8686801" cy="1066800"/>
+          </a:xfrm>
+        </p:spPr>
         <p:txBody>
           <a:bodyPr>
             <a:normAutofit/>
@@ -7077,16 +7197,21 @@
           <a:p>
             <a:r>
               <a:rPr lang="en-US" dirty="0"/>
-              <a:t>HIGH LEVEL ARCHITECTURE DIAGRAM</a:t>
-            </a:r>
+              <a:t>HIGH LEVEL </a:t>
+            </a:r>
+            <a:r>
+              <a:rPr lang="en-US" dirty="0" smtClean="0"/>
+              <a:t>ARCHITECTURE</a:t>
+            </a:r>
+            <a:endParaRPr lang="en-US" dirty="0"/>
           </a:p>
         </p:txBody>
       </p:sp>
       <p:pic>
         <p:nvPicPr>
-          <p:cNvPr id="3074" name="Picture 2" descr="Untitled.png"/>
+          <p:cNvPr id="4" name="Content Placeholder 3"/>
           <p:cNvPicPr>
-            <a:picLocks noGrp="1" noChangeAspect="1" noChangeArrowheads="1"/>
+            <a:picLocks noGrp="1" noChangeAspect="1"/>
           </p:cNvPicPr>
           <p:nvPr>
             <p:ph idx="1"/>
@@ -7100,29 +7225,15 @@
               </a:ext>
             </a:extLst>
           </a:blip>
-          <a:srcRect/>
           <a:stretch>
             <a:fillRect/>
           </a:stretch>
         </p:blipFill>
-        <p:spPr bwMode="auto">
+        <p:spPr>
           <a:xfrm>
-            <a:off x="1547788" y="1752600"/>
-            <a:ext cx="7721647" cy="4577035"/>
+            <a:off x="1242609" y="1828800"/>
+            <a:ext cx="8332007" cy="4191000"/>
           </a:xfrm>
-          <a:prstGeom prst="rect">
-            <a:avLst/>
-          </a:prstGeom>
-          <a:noFill/>
-          <a:extLst>
-            <a:ext uri="{909E8E84-426E-40DD-AFC4-6F175D3DCCD1}">
-              <a14:hiddenFill xmlns:a14="http://schemas.microsoft.com/office/drawing/2010/main">
-                <a:solidFill>
-                  <a:srgbClr val="FFFFFF"/>
-                </a:solidFill>
-              </a14:hiddenFill>
-            </a:ext>
-          </a:extLst>
         </p:spPr>
       </p:pic>
     </p:spTree>
@@ -7147,6 +7258,13 @@
       </p:transition>
     </mc:Fallback>
   </mc:AlternateContent>
+  <p:timing>
+    <p:tnLst>
+      <p:par>
+        <p:cTn id="1" dur="indefinite" restart="never" nodeType="tmRoot"/>
+      </p:par>
+    </p:tnLst>
+  </p:timing>
 </p:sld>
 </file>
 
@@ -7528,6 +7646,13 @@
       </p:transition>
     </mc:Fallback>
   </mc:AlternateContent>
+  <p:timing>
+    <p:tnLst>
+      <p:par>
+        <p:cTn id="1" dur="indefinite" restart="never" nodeType="tmRoot"/>
+      </p:par>
+    </p:tnLst>
+  </p:timing>
 </p:sld>
 </file>
 
@@ -7548,6 +7673,35 @@
           <a:chExt cx="0" cy="0"/>
         </a:xfrm>
       </p:grpSpPr>
+      <p:pic>
+        <p:nvPicPr>
+          <p:cNvPr id="4" name="Content Placeholder 3"/>
+          <p:cNvPicPr>
+            <a:picLocks noGrp="1" noChangeAspect="1"/>
+          </p:cNvPicPr>
+          <p:nvPr>
+            <p:ph idx="1"/>
+          </p:nvPr>
+        </p:nvPicPr>
+        <p:blipFill>
+          <a:blip r:embed="rId2" cstate="print">
+            <a:extLst>
+              <a:ext uri="{28A0092B-C50C-407E-A947-70E740481C1C}">
+                <a14:useLocalDpi xmlns:a14="http://schemas.microsoft.com/office/drawing/2010/main" val="0"/>
+              </a:ext>
+            </a:extLst>
+          </a:blip>
+          <a:stretch>
+            <a:fillRect/>
+          </a:stretch>
+        </p:blipFill>
+        <p:spPr>
+          <a:xfrm rot="20422603">
+            <a:off x="1598612" y="419100"/>
+            <a:ext cx="4191000" cy="4191000"/>
+          </a:xfrm>
+        </p:spPr>
+      </p:pic>
       <p:sp>
         <p:nvSpPr>
           <p:cNvPr id="2" name="Title 1"/>
@@ -7558,31 +7712,23 @@
             <p:ph type="title"/>
           </p:nvPr>
         </p:nvSpPr>
-        <p:spPr/>
-        <p:txBody>
-          <a:bodyPr/>
+        <p:spPr>
+          <a:xfrm>
+            <a:off x="3247449" y="3886200"/>
+            <a:ext cx="6248400" cy="1066800"/>
+          </a:xfrm>
+        </p:spPr>
+        <p:txBody>
+          <a:bodyPr>
+            <a:normAutofit/>
+          </a:bodyPr>
           <a:lstStyle/>
           <a:p>
-            <a:endParaRPr lang="en-US" dirty="0"/>
-          </a:p>
-        </p:txBody>
-      </p:sp>
-      <p:sp>
-        <p:nvSpPr>
-          <p:cNvPr id="3" name="Content Placeholder 2"/>
-          <p:cNvSpPr>
-            <a:spLocks noGrp="1"/>
-          </p:cNvSpPr>
-          <p:nvPr>
-            <p:ph idx="1"/>
-          </p:nvPr>
-        </p:nvSpPr>
-        <p:spPr/>
-        <p:txBody>
-          <a:bodyPr/>
-          <a:lstStyle/>
-          <a:p>
-            <a:endParaRPr lang="en-US" dirty="0"/>
+            <a:r>
+              <a:rPr lang="en-US" sz="6600" i="1" dirty="0" smtClean="0"/>
+              <a:t>Delivery Plan</a:t>
+            </a:r>
+            <a:endParaRPr lang="en-US" sz="6600" i="1" dirty="0"/>
           </a:p>
         </p:txBody>
       </p:sp>
@@ -7608,6 +7754,119 @@
       </p:transition>
     </mc:Fallback>
   </mc:AlternateContent>
+  <p:timing>
+    <p:tnLst>
+      <p:par>
+        <p:cTn id="1" dur="indefinite" restart="never" nodeType="tmRoot"/>
+      </p:par>
+    </p:tnLst>
+  </p:timing>
+</p:sld>
+</file>
+
+<file path=ppt/slides/slide27.xml><?xml version="1.0" encoding="utf-8"?>
+<p:sld xmlns:a="http://schemas.openxmlformats.org/drawingml/2006/main" xmlns:r="http://schemas.openxmlformats.org/officeDocument/2006/relationships" xmlns:p="http://schemas.openxmlformats.org/presentationml/2006/main">
+  <p:cSld>
+    <p:spTree>
+      <p:nvGrpSpPr>
+        <p:cNvPr id="1" name=""/>
+        <p:cNvGrpSpPr/>
+        <p:nvPr/>
+      </p:nvGrpSpPr>
+      <p:grpSpPr>
+        <a:xfrm>
+          <a:off x="0" y="0"/>
+          <a:ext cx="0" cy="0"/>
+          <a:chOff x="0" y="0"/>
+          <a:chExt cx="0" cy="0"/>
+        </a:xfrm>
+      </p:grpSpPr>
+      <p:sp>
+        <p:nvSpPr>
+          <p:cNvPr id="2" name="Title 1"/>
+          <p:cNvSpPr>
+            <a:spLocks noGrp="1"/>
+          </p:cNvSpPr>
+          <p:nvPr>
+            <p:ph type="title"/>
+          </p:nvPr>
+        </p:nvSpPr>
+        <p:spPr>
+          <a:xfrm>
+            <a:off x="0" y="4948"/>
+            <a:ext cx="2971800" cy="609600"/>
+          </a:xfrm>
+        </p:spPr>
+        <p:txBody>
+          <a:bodyPr/>
+          <a:lstStyle/>
+          <a:p>
+            <a:r>
+              <a:rPr lang="en-US" dirty="0" smtClean="0"/>
+              <a:t>Gantt Chart</a:t>
+            </a:r>
+            <a:endParaRPr lang="en-US" dirty="0"/>
+          </a:p>
+        </p:txBody>
+      </p:sp>
+      <p:pic>
+        <p:nvPicPr>
+          <p:cNvPr id="4" name="Content Placeholder 3"/>
+          <p:cNvPicPr>
+            <a:picLocks noGrp="1" noChangeAspect="1"/>
+          </p:cNvPicPr>
+          <p:nvPr>
+            <p:ph idx="1"/>
+          </p:nvPr>
+        </p:nvPicPr>
+        <p:blipFill>
+          <a:blip r:embed="rId2">
+            <a:extLst>
+              <a:ext uri="{28A0092B-C50C-407E-A947-70E740481C1C}">
+                <a14:useLocalDpi xmlns:a14="http://schemas.microsoft.com/office/drawing/2010/main" val="0"/>
+              </a:ext>
+            </a:extLst>
+          </a:blip>
+          <a:stretch>
+            <a:fillRect/>
+          </a:stretch>
+        </p:blipFill>
+        <p:spPr>
+          <a:xfrm>
+            <a:off x="-34245" y="533400"/>
+            <a:ext cx="12223070" cy="4674885"/>
+          </a:xfrm>
+        </p:spPr>
+      </p:pic>
+    </p:spTree>
+    <p:extLst>
+      <p:ext uri="{BB962C8B-B14F-4D97-AF65-F5344CB8AC3E}">
+        <p14:creationId xmlns:p14="http://schemas.microsoft.com/office/powerpoint/2010/main" val="2119461352"/>
+      </p:ext>
+    </p:extLst>
+  </p:cSld>
+  <p:clrMapOvr>
+    <a:masterClrMapping/>
+  </p:clrMapOvr>
+  <mc:AlternateContent xmlns:mc="http://schemas.openxmlformats.org/markup-compatibility/2006">
+    <mc:Choice xmlns:p14="http://schemas.microsoft.com/office/powerpoint/2010/main" Requires="p14">
+      <p:transition spd="med" p14:dur="700">
+        <p:fade/>
+      </p:transition>
+    </mc:Choice>
+    <mc:Fallback>
+      <p:transition spd="med">
+        <p:fade/>
+      </p:transition>
+    </mc:Fallback>
+  </mc:AlternateContent>
+  <p:timing>
+    <p:tnLst>
+      <p:par>
+        <p:cTn id="1" dur="indefinite" restart="never" nodeType="tmRoot"/>
+      </p:par>
+    </p:tnLst>
+  </p:timing>
 </p:sld>
 </file>
 
@@ -7904,6 +8163,13 @@
       </p:transition>
     </mc:Fallback>
   </mc:AlternateContent>
+  <p:timing>
+    <p:tnLst>
+      <p:par>
+        <p:cTn id="1" dur="indefinite" restart="never" nodeType="tmRoot"/>
+      </p:par>
+    </p:tnLst>
+  </p:timing>
 </p:sld>
 </file>
 
@@ -7959,11 +8225,7 @@
             </a:r>
             <a:r>
               <a:rPr lang="en-US" sz="2400" b="1" dirty="0" smtClean="0"/>
-              <a:t>We </a:t>
-            </a:r>
-            <a:r>
-              <a:rPr lang="en-US" sz="2400" b="1" dirty="0" smtClean="0"/>
-              <a:t>visited few companies to study various types of systems.</a:t>
+              <a:t>We visited few companies to study various types of systems.</a:t>
             </a:r>
           </a:p>
           <a:p>
@@ -7978,7 +8240,6 @@
               <a:rPr lang="en-US" sz="2400" b="1" dirty="0" smtClean="0"/>
               <a:t>Various companies use various type of technology.</a:t>
             </a:r>
-            <a:endParaRPr lang="en-US" sz="2400" b="1" dirty="0" smtClean="0"/>
           </a:p>
           <a:p>
             <a:pPr>
@@ -7990,21 +8251,8 @@
             </a:pPr>
             <a:r>
               <a:rPr lang="en-US" sz="2400" b="1" dirty="0" smtClean="0"/>
-              <a:t>That helped </a:t>
-            </a:r>
-            <a:r>
-              <a:rPr lang="en-US" sz="2400" b="1" dirty="0" smtClean="0"/>
-              <a:t>to </a:t>
-            </a:r>
-            <a:r>
-              <a:rPr lang="en-US" sz="2400" b="1" dirty="0" smtClean="0"/>
-              <a:t>get an idea about </a:t>
-            </a:r>
-            <a:r>
-              <a:rPr lang="en-US" sz="2400" b="1" dirty="0" smtClean="0"/>
-              <a:t>technology.</a:t>
-            </a:r>
-            <a:endParaRPr lang="en-US" sz="2400" b="1" dirty="0" smtClean="0"/>
+              <a:t>That helped to get an idea about technology.</a:t>
+            </a:r>
           </a:p>
           <a:p>
             <a:pPr>
@@ -8016,11 +8264,7 @@
             </a:pPr>
             <a:r>
               <a:rPr lang="en-US" sz="2400" b="1" dirty="0" smtClean="0"/>
-              <a:t>Understood the common </a:t>
-            </a:r>
-            <a:r>
-              <a:rPr lang="en-US" sz="2400" b="1" dirty="0" smtClean="0"/>
-              <a:t>Issues of that process.</a:t>
+              <a:t>Understood the common Issues of that process.</a:t>
             </a:r>
             <a:endParaRPr lang="en-US" sz="2400" b="1" dirty="0"/>
           </a:p>
@@ -8076,6 +8320,13 @@
       </p:transition>
     </mc:Fallback>
   </mc:AlternateContent>
+  <p:timing>
+    <p:tnLst>
+      <p:par>
+        <p:cTn id="1" dur="indefinite" restart="never" nodeType="tmRoot"/>
+      </p:par>
+    </p:tnLst>
+  </p:timing>
 </p:sld>
 </file>
 
@@ -8155,23 +8406,7 @@
             </a:pPr>
             <a:r>
               <a:rPr lang="en-US" sz="2400" b="1" dirty="0" smtClean="0"/>
-              <a:t>Miscommunication </a:t>
-            </a:r>
-            <a:r>
-              <a:rPr lang="en-US" sz="2400" b="1" dirty="0" smtClean="0"/>
-              <a:t>between </a:t>
-            </a:r>
-            <a:r>
-              <a:rPr lang="en-US" sz="2400" b="1" dirty="0" smtClean="0"/>
-              <a:t>coordinator</a:t>
-            </a:r>
-            <a:r>
-              <a:rPr lang="en-US" sz="2400" b="1" dirty="0" smtClean="0"/>
-              <a:t> </a:t>
-            </a:r>
-            <a:r>
-              <a:rPr lang="en-US" sz="2400" b="1" dirty="0" smtClean="0"/>
-              <a:t>and the reporter </a:t>
+              <a:t>Miscommunication between coordinator and the reporter </a:t>
             </a:r>
           </a:p>
           <a:p>
@@ -8184,19 +8419,7 @@
             </a:pPr>
             <a:r>
               <a:rPr lang="en-US" sz="2400" b="1" dirty="0" smtClean="0"/>
-              <a:t>Allocating a news is fully </a:t>
-            </a:r>
-            <a:r>
-              <a:rPr lang="en-US" sz="2400" b="1" dirty="0" smtClean="0"/>
-              <a:t>manual process through </a:t>
-            </a:r>
-            <a:r>
-              <a:rPr lang="en-US" sz="2400" b="1" dirty="0" smtClean="0"/>
-              <a:t>  a </a:t>
-            </a:r>
-            <a:r>
-              <a:rPr lang="en-US" sz="2400" b="1" dirty="0" smtClean="0"/>
-              <a:t>call.</a:t>
+              <a:t>Allocating a news is fully manual process through   a call.</a:t>
             </a:r>
           </a:p>
           <a:p>
@@ -8209,11 +8432,7 @@
             </a:pPr>
             <a:r>
               <a:rPr lang="en-US" sz="2400" b="1" dirty="0" smtClean="0"/>
-              <a:t>Its </a:t>
-            </a:r>
-            <a:r>
-              <a:rPr lang="en-US" sz="2400" b="1" dirty="0" smtClean="0"/>
-              <a:t>hard to view each reporters activity for a one person at one time</a:t>
+              <a:t>Its hard to view each reporters activity for a one person at one time</a:t>
             </a:r>
           </a:p>
           <a:p>
@@ -8230,37 +8449,8 @@
             </a:r>
             <a:r>
               <a:rPr lang="en-US" sz="2400" b="1" dirty="0" smtClean="0"/>
-              <a:t>ime </a:t>
-            </a:r>
-            <a:r>
-              <a:rPr lang="en-US" sz="2400" b="1" dirty="0" smtClean="0"/>
-              <a:t>wasting </a:t>
-            </a:r>
-            <a:r>
-              <a:rPr lang="en-US" sz="2400" b="1" dirty="0" smtClean="0"/>
-              <a:t>in</a:t>
-            </a:r>
-            <a:r>
-              <a:rPr lang="en-US" sz="2400" b="1" dirty="0" smtClean="0"/>
-              <a:t> </a:t>
-            </a:r>
-            <a:r>
-              <a:rPr lang="en-US" sz="2400" b="1" dirty="0" smtClean="0"/>
-              <a:t>finalizing the monthly </a:t>
-            </a:r>
-            <a:r>
-              <a:rPr lang="en-US" sz="2400" b="1" dirty="0" smtClean="0"/>
-              <a:t> payment </a:t>
-            </a:r>
-            <a:r>
-              <a:rPr lang="en-US" sz="2400" b="1" dirty="0" smtClean="0"/>
-              <a:t>of a </a:t>
-            </a:r>
-            <a:r>
-              <a:rPr lang="en-US" sz="2400" b="1" dirty="0" smtClean="0"/>
-              <a:t>reporter.</a:t>
-            </a:r>
-            <a:endParaRPr lang="en-US" sz="2400" b="1" dirty="0" smtClean="0"/>
+              <a:t>ime wasting in finalizing the monthly  payment of a reporter.</a:t>
+            </a:r>
           </a:p>
           <a:p>
             <a:pPr>
@@ -8272,11 +8462,7 @@
             </a:pPr>
             <a:r>
               <a:rPr lang="en-US" sz="2400" b="1" dirty="0" smtClean="0"/>
-              <a:t>Some important </a:t>
-            </a:r>
-            <a:r>
-              <a:rPr lang="en-US" sz="2400" b="1" dirty="0" smtClean="0"/>
-              <a:t>news can be missing</a:t>
+              <a:t>Some important news can be missing</a:t>
             </a:r>
           </a:p>
           <a:p>
@@ -8289,19 +8475,7 @@
             </a:pPr>
             <a:r>
               <a:rPr lang="en-US" sz="2400" b="1" dirty="0" smtClean="0"/>
-              <a:t>Its too </a:t>
-            </a:r>
-            <a:r>
-              <a:rPr lang="en-US" sz="2400" b="1" dirty="0" smtClean="0"/>
-              <a:t>complicate to handle this process for a one or few </a:t>
-            </a:r>
-            <a:r>
-              <a:rPr lang="en-US" sz="2400" b="1" dirty="0" smtClean="0"/>
-              <a:t>people</a:t>
-            </a:r>
-            <a:r>
-              <a:rPr lang="en-US" sz="2400" b="1" dirty="0" smtClean="0"/>
-              <a:t>.</a:t>
+              <a:t>Its too complicate to handle this process for a one or few people.</a:t>
             </a:r>
             <a:endParaRPr lang="en-US" sz="2400" b="1" dirty="0"/>
           </a:p>
@@ -8329,6 +8503,13 @@
       </p:transition>
     </mc:Fallback>
   </mc:AlternateContent>
+  <p:timing>
+    <p:tnLst>
+      <p:par>
+        <p:cTn id="1" dur="indefinite" restart="never" nodeType="tmRoot"/>
+      </p:par>
+    </p:tnLst>
+  </p:timing>
 </p:sld>
 </file>
 
@@ -8573,6 +8754,13 @@
       </p:transition>
     </mc:Fallback>
   </mc:AlternateContent>
+  <p:timing>
+    <p:tnLst>
+      <p:par>
+        <p:cTn id="1" dur="indefinite" restart="never" nodeType="tmRoot"/>
+      </p:par>
+    </p:tnLst>
+  </p:timing>
 </p:sld>
 </file>
 
@@ -8864,6 +9052,13 @@
       </p:transition>
     </mc:Fallback>
   </mc:AlternateContent>
+  <p:timing>
+    <p:tnLst>
+      <p:par>
+        <p:cTn id="1" dur="indefinite" restart="never" nodeType="tmRoot"/>
+      </p:par>
+    </p:tnLst>
+  </p:timing>
 </p:sld>
 </file>
 
@@ -8977,6 +9172,13 @@
       </p:transition>
     </mc:Fallback>
   </mc:AlternateContent>
+  <p:timing>
+    <p:tnLst>
+      <p:par>
+        <p:cTn id="1" dur="indefinite" restart="never" nodeType="tmRoot"/>
+      </p:par>
+    </p:tnLst>
+  </p:timing>
 </p:sld>
 </file>
 
@@ -9819,15 +10021,6 @@
 </file>
 
 <file path=customXml/item1.xml><?xml version="1.0" encoding="utf-8"?>
-<?mso-contentType ?>
-<FormTemplates xmlns="http://schemas.microsoft.com/sharepoint/v3/contenttype/forms">
-  <Display>DocumentLibraryForm</Display>
-  <Edit>DocumentLibraryForm</Edit>
-  <New>DocumentLibraryForm</New>
-</FormTemplates>
-</file>
-
-<file path=customXml/item2.xml><?xml version="1.0" encoding="utf-8"?>
 <p:properties xmlns:p="http://schemas.microsoft.com/office/2006/metadata/properties" xmlns:xsi="http://www.w3.org/2001/XMLSchema-instance" xmlns:pc="http://schemas.microsoft.com/office/infopath/2007/PartnerControls">
   <documentManagement>
     <VSO_x0020_item_x0020_id xmlns="40262f94-9f35-4ac3-9a90-690165a166b7" xsi:nil="true"/>
@@ -9836,6 +10029,15 @@
     <Template_x0020_details xmlns="40262f94-9f35-4ac3-9a90-690165a166b7" xsi:nil="true"/>
   </documentManagement>
 </p:properties>
+</file>
+
+<file path=customXml/item2.xml><?xml version="1.0" encoding="utf-8"?>
+<?mso-contentType ?>
+<FormTemplates xmlns="http://schemas.microsoft.com/sharepoint/v3/contenttype/forms">
+  <Display>DocumentLibraryForm</Display>
+  <Edit>DocumentLibraryForm</Edit>
+  <New>DocumentLibraryForm</New>
+</FormTemplates>
 </file>
 
 <file path=customXml/item3.xml><?xml version="1.0" encoding="utf-8"?>
@@ -10020,14 +10222,6 @@
 </file>
 
 <file path=customXml/itemProps1.xml><?xml version="1.0" encoding="utf-8"?>
-<ds:datastoreItem xmlns:ds="http://schemas.openxmlformats.org/officeDocument/2006/customXml" ds:itemID="{653E1689-1E09-4ADC-A5E7-6718BF79A8A6}">
-  <ds:schemaRefs>
-    <ds:schemaRef ds:uri="http://schemas.microsoft.com/sharepoint/v3/contenttype/forms"/>
-  </ds:schemaRefs>
-</ds:datastoreItem>
-</file>
-
-<file path=customXml/itemProps2.xml><?xml version="1.0" encoding="utf-8"?>
 <ds:datastoreItem xmlns:ds="http://schemas.openxmlformats.org/officeDocument/2006/customXml" ds:itemID="{3FFF1070-8794-47AC-90B7-1F2E078096FF}">
   <ds:schemaRefs>
     <ds:schemaRef ds:uri="40262f94-9f35-4ac3-9a90-690165a166b7"/>
@@ -10040,6 +10234,14 @@
     <ds:schemaRef ds:uri="http://purl.org/dc/terms/"/>
     <ds:schemaRef ds:uri="http://schemas.microsoft.com/office/infopath/2007/PartnerControls"/>
     <ds:schemaRef ds:uri="http://schemas.openxmlformats.org/package/2006/metadata/core-properties"/>
+  </ds:schemaRefs>
+</ds:datastoreItem>
+</file>
+
+<file path=customXml/itemProps2.xml><?xml version="1.0" encoding="utf-8"?>
+<ds:datastoreItem xmlns:ds="http://schemas.openxmlformats.org/officeDocument/2006/customXml" ds:itemID="{653E1689-1E09-4ADC-A5E7-6718BF79A8A6}">
+  <ds:schemaRefs>
+    <ds:schemaRef ds:uri="http://schemas.microsoft.com/sharepoint/v3/contenttype/forms"/>
   </ds:schemaRefs>
 </ds:datastoreItem>
 </file>

--- a/presentation/GROUP 13.pptx
+++ b/presentation/GROUP 13.pptx
@@ -5,10 +5,10 @@
     <p:sldMasterId id="2147483660" r:id="rId4"/>
   </p:sldMasterIdLst>
   <p:notesMasterIdLst>
-    <p:notesMasterId r:id="rId32"/>
+    <p:notesMasterId r:id="rId33"/>
   </p:notesMasterIdLst>
   <p:handoutMasterIdLst>
-    <p:handoutMasterId r:id="rId33"/>
+    <p:handoutMasterId r:id="rId34"/>
   </p:handoutMasterIdLst>
   <p:sldIdLst>
     <p:sldId id="257" r:id="rId5"/>
@@ -18,7 +18,7 @@
     <p:sldId id="261" r:id="rId9"/>
     <p:sldId id="262" r:id="rId10"/>
     <p:sldId id="264" r:id="rId11"/>
-    <p:sldId id="265" r:id="rId12"/>
+    <p:sldId id="286" r:id="rId12"/>
     <p:sldId id="270" r:id="rId13"/>
     <p:sldId id="271" r:id="rId14"/>
     <p:sldId id="272" r:id="rId15"/>
@@ -28,16 +28,17 @@
     <p:sldId id="276" r:id="rId19"/>
     <p:sldId id="277" r:id="rId20"/>
     <p:sldId id="278" r:id="rId21"/>
-    <p:sldId id="279" r:id="rId22"/>
-    <p:sldId id="280" r:id="rId23"/>
-    <p:sldId id="267" r:id="rId24"/>
-    <p:sldId id="269" r:id="rId25"/>
-    <p:sldId id="268" r:id="rId26"/>
-    <p:sldId id="281" r:id="rId27"/>
-    <p:sldId id="282" r:id="rId28"/>
-    <p:sldId id="283" r:id="rId29"/>
-    <p:sldId id="284" r:id="rId30"/>
-    <p:sldId id="285" r:id="rId31"/>
+    <p:sldId id="287" r:id="rId22"/>
+    <p:sldId id="279" r:id="rId23"/>
+    <p:sldId id="280" r:id="rId24"/>
+    <p:sldId id="267" r:id="rId25"/>
+    <p:sldId id="269" r:id="rId26"/>
+    <p:sldId id="268" r:id="rId27"/>
+    <p:sldId id="281" r:id="rId28"/>
+    <p:sldId id="282" r:id="rId29"/>
+    <p:sldId id="283" r:id="rId30"/>
+    <p:sldId id="284" r:id="rId31"/>
+    <p:sldId id="285" r:id="rId32"/>
   </p:sldIdLst>
   <p:sldSz cx="12188825" cy="6858000"/>
   <p:notesSz cx="6858000" cy="9144000"/>
@@ -5153,18 +5154,44 @@
       </p:grpSpPr>
       <p:sp>
         <p:nvSpPr>
-          <p:cNvPr id="2" name="Title 1"/>
+          <p:cNvPr id="5" name="Title 1"/>
           <p:cNvSpPr>
             <a:spLocks noGrp="1"/>
           </p:cNvSpPr>
-          <p:nvPr>
-            <p:ph type="title"/>
-          </p:nvPr>
-        </p:nvSpPr>
-        <p:spPr/>
-        <p:txBody>
-          <a:bodyPr/>
-          <a:lstStyle/>
+          <p:nvPr/>
+        </p:nvSpPr>
+        <p:spPr bwMode="auto">
+          <a:xfrm>
+            <a:off x="1065212" y="-228600"/>
+            <a:ext cx="8686801" cy="1066800"/>
+          </a:xfrm>
+          <a:prstGeom prst="rect">
+            <a:avLst/>
+          </a:prstGeom>
+        </p:spPr>
+        <p:txBody>
+          <a:bodyPr vert="horz" lIns="91440" tIns="45720" rIns="91440" bIns="45720" rtlCol="0" anchor="b">
+            <a:normAutofit/>
+          </a:bodyPr>
+          <a:lstStyle>
+            <a:lvl1pPr algn="l" defTabSz="914400" rtl="0" eaLnBrk="1" latinLnBrk="0" hangingPunct="1">
+              <a:lnSpc>
+                <a:spcPct val="80000"/>
+              </a:lnSpc>
+              <a:spcBef>
+                <a:spcPct val="0"/>
+              </a:spcBef>
+              <a:buNone/>
+              <a:defRPr sz="3600" b="1" kern="1200">
+                <a:solidFill>
+                  <a:schemeClr val="accent1"/>
+                </a:solidFill>
+                <a:latin typeface="+mj-lt"/>
+                <a:ea typeface="+mj-ea"/>
+                <a:cs typeface="+mj-cs"/>
+              </a:defRPr>
+            </a:lvl1pPr>
+          </a:lstStyle>
           <a:p>
             <a:pPr algn="ctr"/>
             <a:r>
@@ -5176,25 +5203,239 @@
       </p:sp>
       <p:sp>
         <p:nvSpPr>
-          <p:cNvPr id="3" name="Content Placeholder 2"/>
+          <p:cNvPr id="6" name="Content Placeholder 2"/>
           <p:cNvSpPr>
             <a:spLocks noGrp="1"/>
           </p:cNvSpPr>
-          <p:nvPr>
-            <p:ph idx="1"/>
-          </p:nvPr>
-        </p:nvSpPr>
-        <p:spPr/>
-        <p:txBody>
-          <a:bodyPr>
-            <a:normAutofit lnSpcReduction="10000"/>
+          <p:nvPr/>
+        </p:nvSpPr>
+        <p:spPr>
+          <a:xfrm>
+            <a:off x="1293812" y="1447800"/>
+            <a:ext cx="8686801" cy="4191000"/>
+          </a:xfrm>
+          <a:prstGeom prst="rect">
+            <a:avLst/>
+          </a:prstGeom>
+        </p:spPr>
+        <p:txBody>
+          <a:bodyPr vert="horz" lIns="91440" tIns="45720" rIns="91440" bIns="45720" rtlCol="0">
+            <a:normAutofit/>
           </a:bodyPr>
-          <a:lstStyle/>
-          <a:p>
-            <a:r>
-              <a:rPr lang="en-US" b="1" u="sng" dirty="0">
+          <a:lstStyle>
+            <a:lvl1pPr marL="274320" indent="-228600" algn="l" defTabSz="914400" rtl="0" eaLnBrk="1" latinLnBrk="0" hangingPunct="1">
+              <a:lnSpc>
+                <a:spcPct val="90000"/>
+              </a:lnSpc>
+              <a:spcBef>
+                <a:spcPts val="1800"/>
+              </a:spcBef>
+              <a:buClr>
+                <a:schemeClr val="tx1">
+                  <a:lumMod val="65000"/>
+                  <a:lumOff val="35000"/>
+                </a:schemeClr>
+              </a:buClr>
+              <a:buSzPct val="80000"/>
+              <a:buFont typeface="Arial" pitchFamily="34" charset="0"/>
+              <a:buChar char="•"/>
+              <a:defRPr sz="2000" kern="1200">
                 <a:solidFill>
-                  <a:schemeClr val="accent3"/>
+                  <a:schemeClr val="tx1"/>
+                </a:solidFill>
+                <a:latin typeface="+mn-lt"/>
+                <a:ea typeface="+mn-ea"/>
+                <a:cs typeface="+mn-cs"/>
+              </a:defRPr>
+            </a:lvl1pPr>
+            <a:lvl2pPr marL="594360" indent="-228600" algn="l" defTabSz="914400" rtl="0" eaLnBrk="1" latinLnBrk="0" hangingPunct="1">
+              <a:lnSpc>
+                <a:spcPct val="90000"/>
+              </a:lnSpc>
+              <a:spcBef>
+                <a:spcPts val="1000"/>
+              </a:spcBef>
+              <a:buClr>
+                <a:schemeClr val="tx1">
+                  <a:lumMod val="65000"/>
+                  <a:lumOff val="35000"/>
+                </a:schemeClr>
+              </a:buClr>
+              <a:buSzPct val="80000"/>
+              <a:buFont typeface="Arial" pitchFamily="34" charset="0"/>
+              <a:buChar char="•"/>
+              <a:defRPr sz="1800" kern="1200">
+                <a:solidFill>
+                  <a:schemeClr val="tx1"/>
+                </a:solidFill>
+                <a:latin typeface="+mn-lt"/>
+                <a:ea typeface="+mn-ea"/>
+                <a:cs typeface="+mn-cs"/>
+              </a:defRPr>
+            </a:lvl2pPr>
+            <a:lvl3pPr marL="777240" indent="-182880" algn="l" defTabSz="914400" rtl="0" eaLnBrk="1" latinLnBrk="0" hangingPunct="1">
+              <a:lnSpc>
+                <a:spcPct val="90000"/>
+              </a:lnSpc>
+              <a:spcBef>
+                <a:spcPts val="600"/>
+              </a:spcBef>
+              <a:buClr>
+                <a:schemeClr val="tx1">
+                  <a:lumMod val="65000"/>
+                  <a:lumOff val="35000"/>
+                </a:schemeClr>
+              </a:buClr>
+              <a:buSzPct val="80000"/>
+              <a:buFont typeface="Arial" pitchFamily="34" charset="0"/>
+              <a:buChar char="•"/>
+              <a:defRPr sz="1600" kern="1200">
+                <a:solidFill>
+                  <a:schemeClr val="tx1"/>
+                </a:solidFill>
+                <a:latin typeface="+mn-lt"/>
+                <a:ea typeface="+mn-ea"/>
+                <a:cs typeface="+mn-cs"/>
+              </a:defRPr>
+            </a:lvl3pPr>
+            <a:lvl4pPr marL="960120" indent="-182880" algn="l" defTabSz="914400" rtl="0" eaLnBrk="1" latinLnBrk="0" hangingPunct="1">
+              <a:lnSpc>
+                <a:spcPct val="90000"/>
+              </a:lnSpc>
+              <a:spcBef>
+                <a:spcPts val="600"/>
+              </a:spcBef>
+              <a:buClr>
+                <a:schemeClr val="tx1">
+                  <a:lumMod val="65000"/>
+                  <a:lumOff val="35000"/>
+                </a:schemeClr>
+              </a:buClr>
+              <a:buSzPct val="80000"/>
+              <a:buFont typeface="Arial" pitchFamily="34" charset="0"/>
+              <a:buChar char="•"/>
+              <a:defRPr sz="1400" kern="1200">
+                <a:solidFill>
+                  <a:schemeClr val="tx1"/>
+                </a:solidFill>
+                <a:latin typeface="+mn-lt"/>
+                <a:ea typeface="+mn-ea"/>
+                <a:cs typeface="+mn-cs"/>
+              </a:defRPr>
+            </a:lvl4pPr>
+            <a:lvl5pPr marL="1097280" indent="-137160" algn="l" defTabSz="914400" rtl="0" eaLnBrk="1" latinLnBrk="0" hangingPunct="1">
+              <a:lnSpc>
+                <a:spcPct val="90000"/>
+              </a:lnSpc>
+              <a:spcBef>
+                <a:spcPts val="600"/>
+              </a:spcBef>
+              <a:buClr>
+                <a:schemeClr val="tx1">
+                  <a:lumMod val="65000"/>
+                  <a:lumOff val="35000"/>
+                </a:schemeClr>
+              </a:buClr>
+              <a:buSzPct val="80000"/>
+              <a:buFont typeface="Arial" pitchFamily="34" charset="0"/>
+              <a:buChar char="•"/>
+              <a:defRPr sz="1400" kern="1200">
+                <a:solidFill>
+                  <a:schemeClr val="tx1"/>
+                </a:solidFill>
+                <a:latin typeface="+mn-lt"/>
+                <a:ea typeface="+mn-ea"/>
+                <a:cs typeface="+mn-cs"/>
+              </a:defRPr>
+            </a:lvl5pPr>
+            <a:lvl6pPr marL="1234440" indent="-137160" algn="l" defTabSz="914400" rtl="0" eaLnBrk="1" latinLnBrk="0" hangingPunct="1">
+              <a:spcBef>
+                <a:spcPts val="600"/>
+              </a:spcBef>
+              <a:buSzPct val="80000"/>
+              <a:buFont typeface="Arial" pitchFamily="34" charset="0"/>
+              <a:buChar char="•"/>
+              <a:defRPr sz="1400" kern="1200">
+                <a:solidFill>
+                  <a:schemeClr val="tx1">
+                    <a:lumMod val="65000"/>
+                    <a:lumOff val="35000"/>
+                  </a:schemeClr>
+                </a:solidFill>
+                <a:latin typeface="+mn-lt"/>
+                <a:ea typeface="+mn-ea"/>
+                <a:cs typeface="+mn-cs"/>
+              </a:defRPr>
+            </a:lvl6pPr>
+            <a:lvl7pPr marL="1371600" indent="-137160" algn="l" defTabSz="914400" rtl="0" eaLnBrk="1" latinLnBrk="0" hangingPunct="1">
+              <a:spcBef>
+                <a:spcPts val="600"/>
+              </a:spcBef>
+              <a:buSzPct val="80000"/>
+              <a:buFont typeface="Arial" pitchFamily="34" charset="0"/>
+              <a:buChar char="•"/>
+              <a:defRPr sz="1400" kern="1200">
+                <a:solidFill>
+                  <a:schemeClr val="tx1">
+                    <a:lumMod val="65000"/>
+                    <a:lumOff val="35000"/>
+                  </a:schemeClr>
+                </a:solidFill>
+                <a:latin typeface="+mn-lt"/>
+                <a:ea typeface="+mn-ea"/>
+                <a:cs typeface="+mn-cs"/>
+              </a:defRPr>
+            </a:lvl7pPr>
+            <a:lvl8pPr marL="1508760" indent="-137160" algn="l" defTabSz="914400" rtl="0" eaLnBrk="1" latinLnBrk="0" hangingPunct="1">
+              <a:spcBef>
+                <a:spcPts val="600"/>
+              </a:spcBef>
+              <a:buSzPct val="80000"/>
+              <a:buFont typeface="Arial" pitchFamily="34" charset="0"/>
+              <a:buChar char="•"/>
+              <a:defRPr sz="1400" kern="1200">
+                <a:solidFill>
+                  <a:schemeClr val="tx1">
+                    <a:lumMod val="65000"/>
+                    <a:lumOff val="35000"/>
+                  </a:schemeClr>
+                </a:solidFill>
+                <a:latin typeface="+mn-lt"/>
+                <a:ea typeface="+mn-ea"/>
+                <a:cs typeface="+mn-cs"/>
+              </a:defRPr>
+            </a:lvl8pPr>
+            <a:lvl9pPr marL="1645920" indent="-137160" algn="l" defTabSz="914400" rtl="0" eaLnBrk="1" latinLnBrk="0" hangingPunct="1">
+              <a:spcBef>
+                <a:spcPts val="600"/>
+              </a:spcBef>
+              <a:buSzPct val="80000"/>
+              <a:buFont typeface="Arial" pitchFamily="34" charset="0"/>
+              <a:buChar char="•"/>
+              <a:defRPr sz="1400" kern="1200">
+                <a:solidFill>
+                  <a:schemeClr val="tx1">
+                    <a:lumMod val="65000"/>
+                    <a:lumOff val="35000"/>
+                  </a:schemeClr>
+                </a:solidFill>
+                <a:latin typeface="+mn-lt"/>
+                <a:ea typeface="+mn-ea"/>
+                <a:cs typeface="+mn-cs"/>
+              </a:defRPr>
+            </a:lvl9pPr>
+          </a:lstStyle>
+          <a:p>
+            <a:pPr>
+              <a:buFont typeface="Wingdings" panose="05000000000000000000" pitchFamily="2" charset="2"/>
+              <a:buChar char="q"/>
+            </a:pPr>
+            <a:r>
+              <a:rPr lang="en-US" b="1" dirty="0">
+                <a:solidFill>
+                  <a:schemeClr val="bg2">
+                    <a:lumMod val="50000"/>
+                  </a:schemeClr>
                 </a:solidFill>
               </a:rPr>
               <a:t>Usability</a:t>
@@ -5202,46 +5443,148 @@
           </a:p>
           <a:p>
             <a:r>
+              <a:rPr lang="en-US" dirty="0" smtClean="0"/>
+              <a:t> </a:t>
+            </a:r>
+            <a:r>
               <a:rPr lang="en-US" dirty="0"/>
-              <a:t>A user friendly interface for both web and mobile applications with an attractive UI.</a:t>
-            </a:r>
-          </a:p>
-          <a:p>
-            <a:r>
-              <a:rPr lang="en-US" b="1" u="sng" dirty="0">
+              <a:t>user friendly </a:t>
+            </a:r>
+            <a:r>
+              <a:rPr lang="en-US" dirty="0" smtClean="0"/>
+              <a:t>and attractive GUI</a:t>
+            </a:r>
+            <a:r>
+              <a:rPr lang="en-US" dirty="0"/>
+              <a:t>.</a:t>
+            </a:r>
+          </a:p>
+          <a:p>
+            <a:pPr>
+              <a:buFont typeface="Wingdings" panose="05000000000000000000" pitchFamily="2" charset="2"/>
+              <a:buChar char="q"/>
+            </a:pPr>
+            <a:r>
+              <a:rPr lang="en-US" b="1" dirty="0" smtClean="0">
                 <a:solidFill>
-                  <a:schemeClr val="accent3"/>
-                </a:solidFill>
-              </a:rPr>
-              <a:t>Dependability</a:t>
-            </a:r>
-          </a:p>
-          <a:p>
-            <a:r>
-              <a:rPr lang="en-US" dirty="0"/>
-              <a:t>When you are entering something without data connection you’ll be sent a notification which says “You are not connected. Please check the connection ”.if  you record something offline the database will be updated as soon as the person become online. And special notification will be sent to him stating that.</a:t>
-            </a:r>
-          </a:p>
-          <a:p>
-            <a:r>
-              <a:rPr lang="en-US" b="1" u="sng" dirty="0">
-                <a:solidFill>
-                  <a:schemeClr val="accent3"/>
+                  <a:schemeClr val="bg2">
+                    <a:lumMod val="50000"/>
+                  </a:schemeClr>
                 </a:solidFill>
               </a:rPr>
               <a:t>Availability</a:t>
             </a:r>
+            <a:endParaRPr lang="en-US" b="1" dirty="0">
+              <a:solidFill>
+                <a:schemeClr val="bg2">
+                  <a:lumMod val="50000"/>
+                </a:schemeClr>
+              </a:solidFill>
+            </a:endParaRPr>
           </a:p>
           <a:p>
             <a:r>
               <a:rPr lang="en-US" dirty="0"/>
-              <a:t>Even if there’s no connection the user have access to see his salary and upcoming events.</a:t>
-            </a:r>
-          </a:p>
-          <a:p>
+              <a:t>Even if there’s no connection the user have access to see his salary and upcoming </a:t>
+            </a:r>
+            <a:r>
+              <a:rPr lang="en-US" dirty="0" smtClean="0"/>
+              <a:t>events and some features.</a:t>
+            </a:r>
             <a:endParaRPr lang="en-US" dirty="0"/>
           </a:p>
           <a:p>
+            <a:pPr>
+              <a:buFont typeface="Wingdings" panose="05000000000000000000" pitchFamily="2" charset="2"/>
+              <a:buChar char="q"/>
+            </a:pPr>
+            <a:r>
+              <a:rPr lang="en-US" b="1" dirty="0" smtClean="0">
+                <a:solidFill>
+                  <a:schemeClr val="bg2">
+                    <a:lumMod val="50000"/>
+                  </a:schemeClr>
+                </a:solidFill>
+              </a:rPr>
+              <a:t>Reliability</a:t>
+            </a:r>
+            <a:endParaRPr lang="en-US" b="1" dirty="0">
+              <a:solidFill>
+                <a:schemeClr val="bg2">
+                  <a:lumMod val="50000"/>
+                </a:schemeClr>
+              </a:solidFill>
+            </a:endParaRPr>
+          </a:p>
+          <a:p>
+            <a:r>
+              <a:rPr lang="en-US" dirty="0" smtClean="0"/>
+              <a:t>Access limited only to the privileged people</a:t>
+            </a:r>
+          </a:p>
+          <a:p>
+            <a:pPr>
+              <a:buFont typeface="Wingdings" panose="05000000000000000000" pitchFamily="2" charset="2"/>
+              <a:buChar char="q"/>
+            </a:pPr>
+            <a:r>
+              <a:rPr lang="en-US" b="1" dirty="0" smtClean="0">
+                <a:solidFill>
+                  <a:schemeClr val="bg2">
+                    <a:lumMod val="50000"/>
+                  </a:schemeClr>
+                </a:solidFill>
+              </a:rPr>
+              <a:t>Performance</a:t>
+            </a:r>
+          </a:p>
+          <a:p>
+            <a:r>
+              <a:rPr lang="en-US" dirty="0" smtClean="0"/>
+              <a:t>Quick responding</a:t>
+            </a:r>
+          </a:p>
+          <a:p>
+            <a:endParaRPr lang="en-US" b="1" dirty="0" smtClean="0">
+              <a:solidFill>
+                <a:schemeClr val="bg2">
+                  <a:lumMod val="50000"/>
+                </a:schemeClr>
+              </a:solidFill>
+            </a:endParaRPr>
+          </a:p>
+          <a:p>
+            <a:endParaRPr lang="en-US" b="1" dirty="0" smtClean="0">
+              <a:solidFill>
+                <a:schemeClr val="bg2">
+                  <a:lumMod val="50000"/>
+                </a:schemeClr>
+              </a:solidFill>
+            </a:endParaRPr>
+          </a:p>
+          <a:p>
+            <a:pPr marL="45720" indent="0">
+              <a:buNone/>
+            </a:pPr>
+            <a:endParaRPr lang="en-US" b="1" dirty="0" smtClean="0">
+              <a:solidFill>
+                <a:schemeClr val="bg2">
+                  <a:lumMod val="50000"/>
+                </a:schemeClr>
+              </a:solidFill>
+            </a:endParaRPr>
+          </a:p>
+          <a:p>
+            <a:pPr>
+              <a:buFont typeface="Wingdings" panose="05000000000000000000" pitchFamily="2" charset="2"/>
+              <a:buChar char="q"/>
+            </a:pPr>
+            <a:endParaRPr lang="en-US" dirty="0" smtClean="0"/>
+          </a:p>
+          <a:p>
+            <a:pPr marL="45720" indent="0">
+              <a:buNone/>
+            </a:pPr>
             <a:endParaRPr lang="en-US" dirty="0"/>
           </a:p>
           <a:p>
@@ -5600,7 +5943,7 @@
             </a:pPr>
             <a:r>
               <a:rPr lang="en-US" sz="2400" dirty="0"/>
-              <a:t>Mobile application will run on any mid-range tablet or smartphone. Stylus is required to capture signatures.</a:t>
+              <a:t>Mobile app will run on any mid-range tablet or smartphone</a:t>
             </a:r>
           </a:p>
           <a:p>
@@ -5611,7 +5954,7 @@
             </a:pPr>
             <a:r>
               <a:rPr lang="en-US" sz="2400" dirty="0"/>
-              <a:t>Developing android applications are getting easier with hybrid technologies which uses HTML/CSS/JavaScript for development.</a:t>
+              <a:t>Uses HTML/CSS/JavaScript for development  the web site</a:t>
             </a:r>
           </a:p>
           <a:p>
@@ -5622,7 +5965,7 @@
             </a:pPr>
             <a:r>
               <a:rPr lang="en-US" sz="2400" dirty="0"/>
-              <a:t>Technical aspects of the development are well within the group’s ability. Team is currently researching on a suitable technological stack to be used.</a:t>
+              <a:t>Uses android studio for development the mobile app</a:t>
             </a:r>
           </a:p>
           <a:p>
@@ -5633,13 +5976,8 @@
             </a:pPr>
             <a:r>
               <a:rPr lang="en-US" sz="2400" dirty="0"/>
-              <a:t>Web application will run on all major browsers which supports HTML5</a:t>
-            </a:r>
-            <a:r>
-              <a:rPr lang="en-US" sz="2400" dirty="0" smtClean="0"/>
-              <a:t>.</a:t>
-            </a:r>
-            <a:endParaRPr lang="en-US" sz="2400" dirty="0"/>
+              <a:t>Technical aspects of the development are well within the group’s ability. Team is currently researching on a suitable technological stack to be used</a:t>
+            </a:r>
           </a:p>
         </p:txBody>
       </p:sp>
@@ -5742,14 +6080,14 @@
             <a:pPr fontAlgn="base"/>
             <a:r>
               <a:rPr lang="en-US" sz="2800" dirty="0"/>
-              <a:t>The mobile application will provide simple and intuitive interfaces to the reporter.</a:t>
+              <a:t>The mobile app will provide simple and intuitive interfaces to the reporter.</a:t>
             </a:r>
           </a:p>
           <a:p>
             <a:pPr fontAlgn="base"/>
             <a:r>
               <a:rPr lang="en-US" sz="2800" dirty="0"/>
-              <a:t>System does not require any other hardware components other than a Smartphone, a server and a desktop machine.</a:t>
+              <a:t>System does not require any other hardware components</a:t>
             </a:r>
           </a:p>
           <a:p>
@@ -5758,6 +6096,7 @@
               <a:rPr lang="en-US" sz="2800" dirty="0"/>
               <a:t>Contract problems, so this system is ideal.</a:t>
             </a:r>
+            <a:endParaRPr lang="en-US" sz="2800" dirty="0"/>
           </a:p>
         </p:txBody>
       </p:sp>
@@ -5820,17 +6159,19 @@
             <p:ph type="title"/>
           </p:nvPr>
         </p:nvSpPr>
-        <p:spPr/>
-        <p:txBody>
-          <a:bodyPr>
-            <a:normAutofit/>
-          </a:bodyPr>
+        <p:spPr>
+          <a:xfrm>
+            <a:off x="2513012" y="304800"/>
+            <a:ext cx="5029200" cy="609600"/>
+          </a:xfrm>
+        </p:spPr>
+        <p:txBody>
+          <a:bodyPr/>
           <a:lstStyle/>
           <a:p>
-            <a:pPr algn="ctr"/>
-            <a:r>
-              <a:rPr lang="en-US" sz="4000" dirty="0"/>
-              <a:t>SCHEDULE FEASIBILITY</a:t>
+            <a:r>
+              <a:rPr lang="en-US" dirty="0"/>
+              <a:t>CULTURAL FEASIBILITY</a:t>
             </a:r>
           </a:p>
         </p:txBody>
@@ -5848,106 +6189,69 @@
         <p:spPr>
           <a:xfrm>
             <a:off x="1065212" y="1828800"/>
-            <a:ext cx="9677400" cy="4191000"/>
+            <a:ext cx="9829800" cy="4191000"/>
           </a:xfrm>
         </p:spPr>
         <p:txBody>
-          <a:bodyPr>
-            <a:noAutofit/>
-          </a:bodyPr>
+          <a:bodyPr/>
           <a:lstStyle/>
           <a:p>
-            <a:pPr fontAlgn="base"/>
-            <a:r>
-              <a:rPr lang="en-US" sz="2400" dirty="0"/>
-              <a:t>A timeframe is not a client requirement, however it is a course objective.</a:t>
-            </a:r>
-          </a:p>
-          <a:p>
-            <a:pPr fontAlgn="base"/>
-            <a:r>
-              <a:rPr lang="en-US" sz="2400" dirty="0"/>
-              <a:t>Number of work hours:</a:t>
-            </a:r>
-          </a:p>
-          <a:p>
-            <a:pPr fontAlgn="base"/>
-            <a:r>
-              <a:rPr lang="en-US" sz="2400" dirty="0"/>
-              <a:t>Weekdays = 4</a:t>
-            </a:r>
-          </a:p>
-          <a:p>
-            <a:pPr fontAlgn="base"/>
-            <a:r>
-              <a:rPr lang="en-US" sz="2400" dirty="0"/>
-              <a:t>Weekend = 2</a:t>
-            </a:r>
-          </a:p>
-          <a:p>
-            <a:pPr fontAlgn="base"/>
-            <a:r>
-              <a:rPr lang="en-US" sz="2400" dirty="0"/>
-              <a:t>Number of member = 6</a:t>
-            </a:r>
-          </a:p>
-          <a:p>
-            <a:pPr fontAlgn="base"/>
-            <a:r>
-              <a:rPr lang="en-US" sz="2400" dirty="0"/>
-              <a:t>Man-hours per week = (4+2) * 6 = 36</a:t>
-            </a:r>
-          </a:p>
-          <a:p>
-            <a:pPr fontAlgn="base"/>
-            <a:r>
-              <a:rPr lang="en-US" sz="2400" dirty="0"/>
-              <a:t>Estimated number of weeks = 42</a:t>
-            </a:r>
-          </a:p>
-          <a:p>
-            <a:pPr fontAlgn="base"/>
-            <a:r>
-              <a:rPr lang="en-US" sz="2400" dirty="0"/>
-              <a:t>Estimated total of man hours = 36 * 42 =</a:t>
-            </a:r>
-            <a:r>
-              <a:rPr lang="en-US" sz="2400" dirty="0" smtClean="0"/>
-              <a:t>1512</a:t>
-            </a:r>
-            <a:endParaRPr lang="en-US" sz="2400" dirty="0"/>
+            <a:pPr>
+              <a:lnSpc>
+                <a:spcPct val="200000"/>
+              </a:lnSpc>
+            </a:pPr>
+            <a:r>
+              <a:rPr lang="en-US" dirty="0"/>
+              <a:t>It is a measure of how the solution is compatible with the organizational environment and how well the system works in the organization.</a:t>
+            </a:r>
+          </a:p>
+          <a:p>
+            <a:pPr>
+              <a:lnSpc>
+                <a:spcPct val="200000"/>
+              </a:lnSpc>
+            </a:pPr>
+            <a:r>
+              <a:rPr lang="en-US" dirty="0"/>
+              <a:t> The mobile app system will be easy to access by reporters.</a:t>
+            </a:r>
+          </a:p>
+          <a:p>
+            <a:pPr>
+              <a:lnSpc>
+                <a:spcPct val="200000"/>
+              </a:lnSpc>
+            </a:pPr>
+            <a:r>
+              <a:rPr lang="en-US" dirty="0"/>
+              <a:t>  This new system will allow reporters and staff to save time and work efficiently. </a:t>
+            </a:r>
           </a:p>
         </p:txBody>
       </p:sp>
     </p:spTree>
     <p:extLst>
       <p:ext uri="{BB962C8B-B14F-4D97-AF65-F5344CB8AC3E}">
-        <p14:creationId xmlns:p14="http://schemas.microsoft.com/office/powerpoint/2010/main" val="3198473984"/>
+        <p14:creationId xmlns:p14="http://schemas.microsoft.com/office/powerpoint/2010/main" val="1034076266"/>
       </p:ext>
     </p:extLst>
   </p:cSld>
   <p:clrMapOvr>
     <a:masterClrMapping/>
   </p:clrMapOvr>
-  <mc:AlternateContent xmlns:mc="http://schemas.openxmlformats.org/markup-compatibility/2006" xmlns:p14="http://schemas.microsoft.com/office/powerpoint/2010/main">
-    <mc:Choice Requires="p14">
+  <mc:AlternateContent xmlns:mc="http://schemas.openxmlformats.org/markup-compatibility/2006">
+    <mc:Choice xmlns:p14="http://schemas.microsoft.com/office/powerpoint/2010/main" Requires="p14">
       <p:transition spd="med" p14:dur="700">
         <p:fade/>
       </p:transition>
     </mc:Choice>
-    <mc:Fallback xmlns="">
+    <mc:Fallback>
       <p:transition spd="med">
         <p:fade/>
       </p:transition>
     </mc:Fallback>
   </mc:AlternateContent>
-  <p:timing>
-    <p:tnLst>
-      <p:par>
-        <p:cTn id="1" dur="indefinite" restart="never" nodeType="tmRoot"/>
-      </p:par>
-    </p:tnLst>
-  </p:timing>
 </p:sld>
 </file>
 
@@ -5980,15 +6284,16 @@
         </p:nvSpPr>
         <p:spPr/>
         <p:txBody>
-          <a:bodyPr/>
+          <a:bodyPr>
+            <a:normAutofit/>
+          </a:bodyPr>
           <a:lstStyle/>
           <a:p>
             <a:pPr algn="ctr"/>
             <a:r>
-              <a:rPr lang="en-US" dirty="0" smtClean="0"/>
-              <a:t>Development Methodologies </a:t>
-            </a:r>
-            <a:endParaRPr lang="en-US" dirty="0"/>
+              <a:rPr lang="en-US" sz="4000" dirty="0"/>
+              <a:t>SCHEDULE FEASIBILITY</a:t>
+            </a:r>
           </a:p>
         </p:txBody>
       </p:sp>
@@ -6004,134 +6309,82 @@
         </p:nvSpPr>
         <p:spPr>
           <a:xfrm>
-            <a:off x="1065212" y="2209800"/>
-            <a:ext cx="8686801" cy="4191000"/>
+            <a:off x="1065212" y="1828800"/>
+            <a:ext cx="9677400" cy="4191000"/>
           </a:xfrm>
         </p:spPr>
         <p:txBody>
-          <a:bodyPr/>
+          <a:bodyPr>
+            <a:noAutofit/>
+          </a:bodyPr>
           <a:lstStyle/>
           <a:p>
-            <a:pPr marL="45720" lvl="0" indent="0">
-              <a:buNone/>
-            </a:pPr>
-            <a:endParaRPr lang="en-GB" sz="2800" dirty="0" smtClean="0">
-              <a:solidFill>
-                <a:schemeClr val="bg2">
-                  <a:lumMod val="50000"/>
-                </a:schemeClr>
-              </a:solidFill>
-              <a:latin typeface="Adobe Fan Heiti Std B" panose="020B0700000000000000" pitchFamily="34" charset="-128"/>
-              <a:ea typeface="Adobe Fan Heiti Std B" panose="020B0700000000000000" pitchFamily="34" charset="-128"/>
-            </a:endParaRPr>
-          </a:p>
-          <a:p>
-            <a:pPr marL="45720" lvl="0" indent="0">
-              <a:buNone/>
-            </a:pPr>
-            <a:r>
-              <a:rPr lang="en-GB" sz="2800" dirty="0" smtClean="0">
-                <a:solidFill>
-                  <a:schemeClr val="bg2">
-                    <a:lumMod val="50000"/>
-                  </a:schemeClr>
-                </a:solidFill>
-                <a:latin typeface="Adobe Fan Heiti Std B" panose="020B0700000000000000" pitchFamily="34" charset="-128"/>
-                <a:ea typeface="Adobe Fan Heiti Std B" panose="020B0700000000000000" pitchFamily="34" charset="-128"/>
-              </a:rPr>
-              <a:t>Agile </a:t>
-            </a:r>
-            <a:r>
-              <a:rPr lang="en-GB" sz="2800" dirty="0">
-                <a:solidFill>
-                  <a:schemeClr val="bg2">
-                    <a:lumMod val="50000"/>
-                  </a:schemeClr>
-                </a:solidFill>
-                <a:latin typeface="Adobe Fan Heiti Std B" panose="020B0700000000000000" pitchFamily="34" charset="-128"/>
-                <a:ea typeface="Adobe Fan Heiti Std B" panose="020B0700000000000000" pitchFamily="34" charset="-128"/>
-              </a:rPr>
-              <a:t>Methodology – SCRUM</a:t>
-            </a:r>
-          </a:p>
-          <a:p>
-            <a:pPr marL="45720" lvl="0" indent="0">
-              <a:buNone/>
-            </a:pPr>
-            <a:endParaRPr lang="en-GB" sz="2800" dirty="0">
-              <a:solidFill>
-                <a:schemeClr val="bg2">
-                  <a:lumMod val="50000"/>
-                </a:schemeClr>
-              </a:solidFill>
-              <a:latin typeface="Adobe Fan Heiti Std B" panose="020B0700000000000000" pitchFamily="34" charset="-128"/>
-              <a:ea typeface="Adobe Fan Heiti Std B" panose="020B0700000000000000" pitchFamily="34" charset="-128"/>
-            </a:endParaRPr>
-          </a:p>
-          <a:p>
-            <a:pPr lvl="0">
-              <a:buFontTx/>
-              <a:buChar char="-"/>
-            </a:pPr>
-            <a:r>
-              <a:rPr lang="en-GB" sz="2800" dirty="0">
-                <a:solidFill>
-                  <a:schemeClr val="bg2">
-                    <a:lumMod val="50000"/>
-                  </a:schemeClr>
-                </a:solidFill>
-                <a:ea typeface="Adobe Fan Heiti Std B" panose="020B0700000000000000" pitchFamily="34" charset="-128"/>
-              </a:rPr>
-              <a:t>A faster development methodology</a:t>
-            </a:r>
-          </a:p>
-          <a:p>
-            <a:pPr lvl="0">
-              <a:buFontTx/>
-              <a:buChar char="-"/>
-            </a:pPr>
-            <a:r>
-              <a:rPr lang="en-GB" sz="2800" dirty="0">
-                <a:solidFill>
-                  <a:schemeClr val="bg2">
-                    <a:lumMod val="50000"/>
-                  </a:schemeClr>
-                </a:solidFill>
-                <a:latin typeface="Adobe Fan Heiti Std B" panose="020B0700000000000000" pitchFamily="34" charset="-128"/>
-                <a:ea typeface="Adobe Fan Heiti Std B" panose="020B0700000000000000" pitchFamily="34" charset="-128"/>
-              </a:rPr>
-              <a:t> </a:t>
-            </a:r>
-            <a:r>
-              <a:rPr lang="en-GB" sz="2800" dirty="0">
-                <a:solidFill>
-                  <a:schemeClr val="bg2">
-                    <a:lumMod val="50000"/>
-                  </a:schemeClr>
-                </a:solidFill>
-                <a:ea typeface="Adobe Fan Heiti Std B" panose="020B0700000000000000" pitchFamily="34" charset="-128"/>
-              </a:rPr>
-              <a:t>Can conduct SCRUM sessions which would resolve the issues which the team members would meet</a:t>
-            </a:r>
-            <a:endParaRPr lang="en-GB" sz="2800" dirty="0">
-              <a:solidFill>
-                <a:schemeClr val="bg2">
-                  <a:lumMod val="50000"/>
-                </a:schemeClr>
-              </a:solidFill>
-              <a:latin typeface="Adobe Fan Heiti Std B" panose="020B0700000000000000" pitchFamily="34" charset="-128"/>
-              <a:ea typeface="Adobe Fan Heiti Std B" panose="020B0700000000000000" pitchFamily="34" charset="-128"/>
-            </a:endParaRPr>
-          </a:p>
-          <a:p>
-            <a:endParaRPr lang="en-US" dirty="0"/>
+            <a:pPr fontAlgn="base"/>
+            <a:r>
+              <a:rPr lang="en-US" sz="2400" dirty="0"/>
+              <a:t>A timeframe is not a client requirement, however it is a course objective.</a:t>
+            </a:r>
+          </a:p>
+          <a:p>
+            <a:pPr fontAlgn="base"/>
+            <a:r>
+              <a:rPr lang="en-US" sz="2400" dirty="0"/>
+              <a:t>Number of work hours:</a:t>
+            </a:r>
+          </a:p>
+          <a:p>
+            <a:pPr fontAlgn="base"/>
+            <a:r>
+              <a:rPr lang="en-US" sz="2400" dirty="0"/>
+              <a:t>Weekdays = 4</a:t>
+            </a:r>
+          </a:p>
+          <a:p>
+            <a:pPr fontAlgn="base"/>
+            <a:r>
+              <a:rPr lang="en-US" sz="2400" dirty="0"/>
+              <a:t>Weekend = 2</a:t>
+            </a:r>
+          </a:p>
+          <a:p>
+            <a:pPr fontAlgn="base"/>
+            <a:r>
+              <a:rPr lang="en-US" sz="2400" dirty="0"/>
+              <a:t>Number of member = 6</a:t>
+            </a:r>
+          </a:p>
+          <a:p>
+            <a:pPr fontAlgn="base"/>
+            <a:r>
+              <a:rPr lang="en-US" sz="2400" dirty="0"/>
+              <a:t>Man-hours per week = (4+2) * 6 = 36</a:t>
+            </a:r>
+          </a:p>
+          <a:p>
+            <a:pPr fontAlgn="base"/>
+            <a:r>
+              <a:rPr lang="en-US" sz="2400" dirty="0"/>
+              <a:t>Estimated number of weeks = 42</a:t>
+            </a:r>
+          </a:p>
+          <a:p>
+            <a:pPr fontAlgn="base"/>
+            <a:r>
+              <a:rPr lang="en-US" sz="2400" dirty="0"/>
+              <a:t>Estimated total of man hours = 36 * 42 =</a:t>
+            </a:r>
+            <a:r>
+              <a:rPr lang="en-US" sz="2400" dirty="0" smtClean="0"/>
+              <a:t>1512</a:t>
+            </a:r>
+            <a:endParaRPr lang="en-US" sz="2400" dirty="0"/>
           </a:p>
         </p:txBody>
       </p:sp>
     </p:spTree>
     <p:extLst>
       <p:ext uri="{BB962C8B-B14F-4D97-AF65-F5344CB8AC3E}">
-        <p14:creationId xmlns:p14="http://schemas.microsoft.com/office/powerpoint/2010/main" val="1190516569"/>
+        <p14:creationId xmlns:p14="http://schemas.microsoft.com/office/powerpoint/2010/main" val="3198473984"/>
       </p:ext>
     </p:extLst>
   </p:cSld>
@@ -6216,8 +6469,8 @@
         </p:nvSpPr>
         <p:spPr>
           <a:xfrm>
-            <a:off x="684212" y="1219201"/>
-            <a:ext cx="9448800" cy="2308324"/>
+            <a:off x="684212" y="2050197"/>
+            <a:ext cx="9448800" cy="646331"/>
           </a:xfrm>
           <a:prstGeom prst="rect">
             <a:avLst/>
@@ -6238,84 +6491,158 @@
           <a:p>
             <a:endParaRPr lang="en-US" dirty="0"/>
           </a:p>
-          <a:p>
-            <a:r>
-              <a:rPr lang="en-US" dirty="0" smtClean="0"/>
-              <a:t>Supervisor :- Dr. Prasad </a:t>
-            </a:r>
-            <a:r>
-              <a:rPr lang="en-US" dirty="0" err="1" smtClean="0"/>
+        </p:txBody>
+      </p:sp>
+      <p:sp>
+        <p:nvSpPr>
+          <p:cNvPr id="6" name="Title 1"/>
+          <p:cNvSpPr txBox="1">
+            <a:spLocks/>
+          </p:cNvSpPr>
+          <p:nvPr/>
+        </p:nvSpPr>
+        <p:spPr bwMode="auto">
+          <a:xfrm>
+            <a:off x="4038600" y="228600"/>
+            <a:ext cx="3352800" cy="838200"/>
+          </a:xfrm>
+          <a:prstGeom prst="rect">
+            <a:avLst/>
+          </a:prstGeom>
+        </p:spPr>
+        <p:txBody>
+          <a:bodyPr vert="horz" lIns="91440" tIns="45720" rIns="91440" bIns="45720" rtlCol="0" anchor="b">
+            <a:normAutofit/>
+          </a:bodyPr>
+          <a:lstStyle>
+            <a:lvl1pPr algn="l" defTabSz="914400" rtl="0" eaLnBrk="1" latinLnBrk="0" hangingPunct="1">
+              <a:lnSpc>
+                <a:spcPct val="80000"/>
+              </a:lnSpc>
+              <a:spcBef>
+                <a:spcPct val="0"/>
+              </a:spcBef>
+              <a:buNone/>
+              <a:defRPr sz="3600" b="1" kern="1200">
+                <a:solidFill>
+                  <a:schemeClr val="accent1"/>
+                </a:solidFill>
+                <a:latin typeface="+mj-lt"/>
+                <a:ea typeface="+mj-ea"/>
+                <a:cs typeface="+mj-cs"/>
+              </a:defRPr>
+            </a:lvl1pPr>
+          </a:lstStyle>
+          <a:p>
+            <a:pPr algn="ctr"/>
+            <a:r>
+              <a:rPr lang="en-US" sz="4000" smtClean="0"/>
+              <a:t>Our Team</a:t>
+            </a:r>
+            <a:endParaRPr lang="en-US" sz="4000" dirty="0"/>
+          </a:p>
+        </p:txBody>
+      </p:sp>
+      <p:sp>
+        <p:nvSpPr>
+          <p:cNvPr id="7" name="TextBox 6"/>
+          <p:cNvSpPr txBox="1"/>
+          <p:nvPr/>
+        </p:nvSpPr>
+        <p:spPr>
+          <a:xfrm>
+            <a:off x="685800" y="1634698"/>
+            <a:ext cx="10744200" cy="1477328"/>
+          </a:xfrm>
+          <a:prstGeom prst="rect">
+            <a:avLst/>
+          </a:prstGeom>
+          <a:noFill/>
+          <a:ln>
+            <a:noFill/>
+          </a:ln>
+        </p:spPr>
+        <p:txBody>
+          <a:bodyPr wrap="square" rtlCol="0" anchor="ctr" anchorCtr="1">
+            <a:spAutoFit/>
+          </a:bodyPr>
+          <a:lstStyle/>
+          <a:p>
+            <a:r>
+              <a:rPr lang="en-US" dirty="0"/>
+              <a:t>Supervisor  :-  Dr. Prasad </a:t>
+            </a:r>
+            <a:r>
+              <a:rPr lang="en-US" dirty="0" err="1"/>
               <a:t>Wimalarathne</a:t>
             </a:r>
             <a:r>
-              <a:rPr lang="en-US" dirty="0" smtClean="0"/>
+              <a:rPr lang="en-US" dirty="0"/>
               <a:t/>
             </a:r>
             <a:br>
-              <a:rPr lang="en-US" dirty="0" smtClean="0"/>
+              <a:rPr lang="en-US" dirty="0"/>
             </a:br>
             <a:r>
-              <a:rPr lang="en-US" dirty="0" smtClean="0"/>
+              <a:rPr lang="en-US" dirty="0"/>
               <a:t/>
             </a:r>
             <a:br>
-              <a:rPr lang="en-US" dirty="0" smtClean="0"/>
+              <a:rPr lang="en-US" dirty="0"/>
             </a:br>
             <a:r>
-              <a:rPr lang="en-US" dirty="0" smtClean="0"/>
-              <a:t>Mentor :- Ms. S.S </a:t>
-            </a:r>
-            <a:r>
-              <a:rPr lang="en-US" dirty="0" err="1" smtClean="0"/>
+              <a:rPr lang="en-US" dirty="0"/>
+              <a:t>Mentor        :-  Ms. S.S. </a:t>
+            </a:r>
+            <a:r>
+              <a:rPr lang="en-US" dirty="0" err="1"/>
               <a:t>Edirisinghe</a:t>
             </a:r>
-            <a:endParaRPr lang="en-US" dirty="0" smtClean="0"/>
-          </a:p>
-          <a:p>
-            <a:r>
-              <a:rPr lang="en-US" dirty="0" smtClean="0"/>
-              <a:t>         </a:t>
+            <a:r>
+              <a:rPr lang="en-US" dirty="0"/>
+              <a:t>     </a:t>
             </a:r>
           </a:p>
           <a:p>
             <a:pPr algn="ctr"/>
-            <a:endParaRPr lang="en-US" dirty="0" smtClean="0"/>
+            <a:endParaRPr lang="en-US" dirty="0"/>
           </a:p>
           <a:p>
             <a:pPr algn="ctr"/>
-            <a:endParaRPr lang="en-US" dirty="0" smtClean="0"/>
+            <a:endParaRPr lang="en-US" dirty="0"/>
           </a:p>
         </p:txBody>
       </p:sp>
       <p:graphicFrame>
         <p:nvGraphicFramePr>
-          <p:cNvPr id="3" name="Table 2"/>
+          <p:cNvPr id="8" name="Table 7"/>
           <p:cNvGraphicFramePr>
             <a:graphicFrameLocks noGrp="1"/>
           </p:cNvGraphicFramePr>
           <p:nvPr>
             <p:extLst>
               <p:ext uri="{D42A27DB-BD31-4B8C-83A1-F6EECF244321}">
-                <p14:modId xmlns:p14="http://schemas.microsoft.com/office/powerpoint/2010/main" val="198141634"/>
+                <p14:modId xmlns:p14="http://schemas.microsoft.com/office/powerpoint/2010/main" val="1496350613"/>
               </p:ext>
             </p:extLst>
           </p:nvPr>
         </p:nvGraphicFramePr>
         <p:xfrm>
-          <a:off x="2093912" y="3657600"/>
-          <a:ext cx="7238999" cy="2394584"/>
+          <a:off x="1370012" y="2696528"/>
+          <a:ext cx="8534400" cy="3886198"/>
         </p:xfrm>
         <a:graphic>
           <a:graphicData uri="http://schemas.openxmlformats.org/drawingml/2006/table">
             <a:tbl>
               <a:tblPr firstRow="1" firstCol="1" bandRow="1">
-                <a:tableStyleId>{5C22544A-7EE6-4342-B048-85BDC9FD1C3A}</a:tableStyleId>
+                <a:tableStyleId>{8799B23B-EC83-4686-B30A-512413B5E67A}</a:tableStyleId>
               </a:tblPr>
               <a:tblGrid>
-                <a:gridCol w="5158827"/>
-                <a:gridCol w="2080172"/>
+                <a:gridCol w="5255394"/>
+                <a:gridCol w="1661377"/>
+                <a:gridCol w="1617629"/>
               </a:tblGrid>
-              <a:tr h="385399">
+              <a:tr h="625468">
                 <a:tc>
                   <a:txBody>
                     <a:bodyPr/>
@@ -6371,12 +6698,44 @@
                         </a:spcAft>
                       </a:pPr>
                       <a:r>
-                        <a:rPr lang="en-US" sz="1100">
+                        <a:rPr lang="en-US" sz="1100" b="0" dirty="0" smtClean="0">
+                          <a:effectLst/>
+                        </a:rPr>
+                        <a:t>2015/CS/124</a:t>
+                      </a:r>
+                      <a:endParaRPr lang="en-US" sz="1100" b="0" dirty="0">
+                        <a:effectLst/>
+                        <a:latin typeface="Calibri" panose="020F0502020204030204" pitchFamily="34" charset="0"/>
+                        <a:ea typeface="Calibri" panose="020F0502020204030204" pitchFamily="34" charset="0"/>
+                        <a:cs typeface="Times New Roman" panose="02020603050405020304" pitchFamily="18" charset="0"/>
+                      </a:endParaRPr>
+                    </a:p>
+                  </a:txBody>
+                  <a:tcPr marL="68580" marR="68580" marT="0" marB="0" anchor="ctr"/>
+                </a:tc>
+                <a:tc>
+                  <a:txBody>
+                    <a:bodyPr/>
+                    <a:lstStyle/>
+                    <a:p>
+                      <a:pPr marL="0" marR="0" algn="ctr">
+                        <a:lnSpc>
+                          <a:spcPct val="200000"/>
+                        </a:lnSpc>
+                        <a:spcBef>
+                          <a:spcPts val="0"/>
+                        </a:spcBef>
+                        <a:spcAft>
+                          <a:spcPts val="0"/>
+                        </a:spcAft>
+                      </a:pPr>
+                      <a:r>
+                        <a:rPr lang="en-US" sz="1100" b="0" dirty="0">
                           <a:effectLst/>
                         </a:rPr>
                         <a:t>15001245</a:t>
                       </a:r>
-                      <a:endParaRPr lang="en-US" sz="1100">
+                      <a:endParaRPr lang="en-US" sz="1100" b="0" dirty="0">
                         <a:effectLst/>
                         <a:latin typeface="Calibri" panose="020F0502020204030204" pitchFamily="34" charset="0"/>
                         <a:ea typeface="Calibri" panose="020F0502020204030204" pitchFamily="34" charset="0"/>
@@ -6387,7 +6746,7 @@
                   <a:tcPr marL="68580" marR="68580" marT="0" marB="0"/>
                 </a:tc>
               </a:tr>
-              <a:tr h="401837">
+              <a:tr h="652146">
                 <a:tc>
                   <a:txBody>
                     <a:bodyPr/>
@@ -6405,12 +6764,18 @@
                         </a:spcAft>
                       </a:pPr>
                       <a:r>
-                        <a:rPr lang="en-US" sz="1100">
+                        <a:rPr lang="en-US" sz="1100" dirty="0">
                           <a:effectLst/>
                         </a:rPr>
-                        <a:t>2). S.D.L.H.Maheeshanake</a:t>
+                        <a:t>2). </a:t>
                       </a:r>
-                      <a:endParaRPr lang="en-US" sz="1100">
+                      <a:r>
+                        <a:rPr lang="en-US" sz="1100" dirty="0" err="1">
+                          <a:effectLst/>
+                        </a:rPr>
+                        <a:t>S.D.L.H.Maheeshanake</a:t>
+                      </a:r>
+                      <a:endParaRPr lang="en-US" sz="1100" dirty="0">
                         <a:effectLst/>
                         <a:latin typeface="Calibri" panose="020F0502020204030204" pitchFamily="34" charset="0"/>
                         <a:ea typeface="Calibri" panose="020F0502020204030204" pitchFamily="34" charset="0"/>
@@ -6437,12 +6802,44 @@
                         </a:spcAft>
                       </a:pPr>
                       <a:r>
-                        <a:rPr lang="en-US" sz="1100">
+                        <a:rPr lang="en-US" sz="1100" dirty="0" smtClean="0">
+                          <a:effectLst/>
+                        </a:rPr>
+                        <a:t>2015/CS/085</a:t>
+                      </a:r>
+                      <a:endParaRPr lang="en-US" sz="1100" dirty="0">
+                        <a:effectLst/>
+                        <a:latin typeface="Calibri" panose="020F0502020204030204" pitchFamily="34" charset="0"/>
+                        <a:ea typeface="Calibri" panose="020F0502020204030204" pitchFamily="34" charset="0"/>
+                        <a:cs typeface="Times New Roman" panose="02020603050405020304" pitchFamily="18" charset="0"/>
+                      </a:endParaRPr>
+                    </a:p>
+                  </a:txBody>
+                  <a:tcPr marL="68580" marR="68580" marT="0" marB="0" anchor="ctr"/>
+                </a:tc>
+                <a:tc>
+                  <a:txBody>
+                    <a:bodyPr/>
+                    <a:lstStyle/>
+                    <a:p>
+                      <a:pPr marL="0" marR="0" algn="ctr">
+                        <a:lnSpc>
+                          <a:spcPct val="200000"/>
+                        </a:lnSpc>
+                        <a:spcBef>
+                          <a:spcPts val="0"/>
+                        </a:spcBef>
+                        <a:spcAft>
+                          <a:spcPts val="0"/>
+                        </a:spcAft>
+                      </a:pPr>
+                      <a:r>
+                        <a:rPr lang="en-US" sz="1100" dirty="0">
                           <a:effectLst/>
                         </a:rPr>
                         <a:t>15000852</a:t>
                       </a:r>
-                      <a:endParaRPr lang="en-US" sz="1100">
+                      <a:endParaRPr lang="en-US" sz="1100" dirty="0">
                         <a:effectLst/>
                         <a:latin typeface="Calibri" panose="020F0502020204030204" pitchFamily="34" charset="0"/>
                         <a:ea typeface="Calibri" panose="020F0502020204030204" pitchFamily="34" charset="0"/>
@@ -6453,7 +6850,7 @@
                   <a:tcPr marL="68580" marR="68580" marT="0" marB="0"/>
                 </a:tc>
               </a:tr>
-              <a:tr h="401837">
+              <a:tr h="652146">
                 <a:tc>
                   <a:txBody>
                     <a:bodyPr/>
@@ -6491,7 +6888,7 @@
                     <a:bodyPr/>
                     <a:lstStyle/>
                     <a:p>
-                      <a:pPr marL="0" marR="0">
+                      <a:pPr marL="0" marR="0" indent="0" algn="l" defTabSz="914400" rtl="0" eaLnBrk="1" fontAlgn="auto" latinLnBrk="0" hangingPunct="1">
                         <a:lnSpc>
                           <a:spcPct val="107000"/>
                         </a:lnSpc>
@@ -6501,14 +6898,52 @@
                         <a:spcAft>
                           <a:spcPts val="0"/>
                         </a:spcAft>
+                        <a:buClrTx/>
+                        <a:buSzTx/>
+                        <a:buFontTx/>
+                        <a:buNone/>
+                        <a:tabLst/>
+                        <a:defRPr/>
                       </a:pPr>
                       <a:r>
-                        <a:rPr lang="en-US" sz="1100">
+                        <a:rPr lang="en-US" sz="1100" dirty="0" smtClean="0">
+                          <a:effectLst/>
+                        </a:rPr>
+                        <a:t>2015/CS/113</a:t>
+                      </a:r>
+                      <a:endParaRPr lang="en-US" sz="1100" dirty="0" smtClean="0">
+                        <a:effectLst/>
+                        <a:latin typeface="Calibri" panose="020F0502020204030204" pitchFamily="34" charset="0"/>
+                        <a:ea typeface="Calibri" panose="020F0502020204030204" pitchFamily="34" charset="0"/>
+                        <a:cs typeface="Times New Roman" panose="02020603050405020304" pitchFamily="18" charset="0"/>
+                      </a:endParaRPr>
+                    </a:p>
+                  </a:txBody>
+                  <a:tcPr marL="68580" marR="68580" marT="0" marB="0" anchor="ctr"/>
+                </a:tc>
+                <a:tc>
+                  <a:txBody>
+                    <a:bodyPr/>
+                    <a:lstStyle/>
+                    <a:p>
+                      <a:pPr marL="0" marR="0" algn="ctr">
+                        <a:lnSpc>
+                          <a:spcPct val="200000"/>
+                        </a:lnSpc>
+                        <a:spcBef>
+                          <a:spcPts val="0"/>
+                        </a:spcBef>
+                        <a:spcAft>
+                          <a:spcPts val="0"/>
+                        </a:spcAft>
+                      </a:pPr>
+                      <a:r>
+                        <a:rPr lang="en-US" sz="1100" dirty="0">
                           <a:effectLst/>
                         </a:rPr>
                         <a:t>15001131</a:t>
                       </a:r>
-                      <a:endParaRPr lang="en-US" sz="1100">
+                      <a:endParaRPr lang="en-US" sz="1100" dirty="0">
                         <a:effectLst/>
                         <a:latin typeface="Calibri" panose="020F0502020204030204" pitchFamily="34" charset="0"/>
                         <a:ea typeface="Calibri" panose="020F0502020204030204" pitchFamily="34" charset="0"/>
@@ -6519,7 +6954,7 @@
                   <a:tcPr marL="68580" marR="68580" marT="0" marB="0"/>
                 </a:tc>
               </a:tr>
-              <a:tr h="401837">
+              <a:tr h="652146">
                 <a:tc>
                   <a:txBody>
                     <a:bodyPr/>
@@ -6569,12 +7004,44 @@
                         </a:spcAft>
                       </a:pPr>
                       <a:r>
-                        <a:rPr lang="en-US" sz="1100">
+                        <a:rPr lang="en-US" sz="1100" dirty="0" smtClean="0">
+                          <a:effectLst/>
+                        </a:rPr>
+                        <a:t>2015/CS/014</a:t>
+                      </a:r>
+                      <a:endParaRPr lang="en-US" sz="1100" dirty="0">
+                        <a:effectLst/>
+                        <a:latin typeface="Calibri" panose="020F0502020204030204" pitchFamily="34" charset="0"/>
+                        <a:ea typeface="Calibri" panose="020F0502020204030204" pitchFamily="34" charset="0"/>
+                        <a:cs typeface="Times New Roman" panose="02020603050405020304" pitchFamily="18" charset="0"/>
+                      </a:endParaRPr>
+                    </a:p>
+                  </a:txBody>
+                  <a:tcPr marL="68580" marR="68580" marT="0" marB="0" anchor="ctr"/>
+                </a:tc>
+                <a:tc>
+                  <a:txBody>
+                    <a:bodyPr/>
+                    <a:lstStyle/>
+                    <a:p>
+                      <a:pPr marL="0" marR="0" algn="ctr">
+                        <a:lnSpc>
+                          <a:spcPct val="200000"/>
+                        </a:lnSpc>
+                        <a:spcBef>
+                          <a:spcPts val="0"/>
+                        </a:spcBef>
+                        <a:spcAft>
+                          <a:spcPts val="0"/>
+                        </a:spcAft>
+                      </a:pPr>
+                      <a:r>
+                        <a:rPr lang="en-US" sz="1100" dirty="0">
                           <a:effectLst/>
                         </a:rPr>
                         <a:t>15000141</a:t>
                       </a:r>
-                      <a:endParaRPr lang="en-US" sz="1100">
+                      <a:endParaRPr lang="en-US" sz="1100" dirty="0">
                         <a:effectLst/>
                         <a:latin typeface="Calibri" panose="020F0502020204030204" pitchFamily="34" charset="0"/>
                         <a:ea typeface="Calibri" panose="020F0502020204030204" pitchFamily="34" charset="0"/>
@@ -6585,7 +7052,7 @@
                   <a:tcPr marL="68580" marR="68580" marT="0" marB="0"/>
                 </a:tc>
               </a:tr>
-              <a:tr h="401837">
+              <a:tr h="652146">
                 <a:tc>
                   <a:txBody>
                     <a:bodyPr/>
@@ -6635,12 +7102,44 @@
                         </a:spcAft>
                       </a:pPr>
                       <a:r>
-                        <a:rPr lang="en-US" sz="1100">
+                        <a:rPr lang="en-US" sz="1100" dirty="0" smtClean="0">
+                          <a:effectLst/>
+                        </a:rPr>
+                        <a:t>2015/IS/065</a:t>
+                      </a:r>
+                      <a:endParaRPr lang="en-US" sz="1100" dirty="0">
+                        <a:effectLst/>
+                        <a:latin typeface="Calibri" panose="020F0502020204030204" pitchFamily="34" charset="0"/>
+                        <a:ea typeface="Calibri" panose="020F0502020204030204" pitchFamily="34" charset="0"/>
+                        <a:cs typeface="Times New Roman" panose="02020603050405020304" pitchFamily="18" charset="0"/>
+                      </a:endParaRPr>
+                    </a:p>
+                  </a:txBody>
+                  <a:tcPr marL="68580" marR="68580" marT="0" marB="0" anchor="ctr"/>
+                </a:tc>
+                <a:tc>
+                  <a:txBody>
+                    <a:bodyPr/>
+                    <a:lstStyle/>
+                    <a:p>
+                      <a:pPr marL="0" marR="0" algn="ctr">
+                        <a:lnSpc>
+                          <a:spcPct val="200000"/>
+                        </a:lnSpc>
+                        <a:spcBef>
+                          <a:spcPts val="0"/>
+                        </a:spcBef>
+                        <a:spcAft>
+                          <a:spcPts val="0"/>
+                        </a:spcAft>
+                      </a:pPr>
+                      <a:r>
+                        <a:rPr lang="en-US" sz="1100" dirty="0">
                           <a:effectLst/>
                         </a:rPr>
                         <a:t>15020657</a:t>
                       </a:r>
-                      <a:endParaRPr lang="en-US" sz="1100">
+                      <a:endParaRPr lang="en-US" sz="1100" dirty="0">
                         <a:effectLst/>
                         <a:latin typeface="Calibri" panose="020F0502020204030204" pitchFamily="34" charset="0"/>
                         <a:ea typeface="Calibri" panose="020F0502020204030204" pitchFamily="34" charset="0"/>
@@ -6651,7 +7150,7 @@
                   <a:tcPr marL="68580" marR="68580" marT="0" marB="0"/>
                 </a:tc>
               </a:tr>
-              <a:tr h="401837">
+              <a:tr h="652146">
                 <a:tc>
                   <a:txBody>
                     <a:bodyPr/>
@@ -6698,6 +7197,46 @@
                       <a:pPr marL="0" marR="0">
                         <a:lnSpc>
                           <a:spcPct val="107000"/>
+                        </a:lnSpc>
+                        <a:spcBef>
+                          <a:spcPts val="0"/>
+                        </a:spcBef>
+                        <a:spcAft>
+                          <a:spcPts val="0"/>
+                        </a:spcAft>
+                      </a:pPr>
+                      <a:r>
+                        <a:rPr lang="en-US" sz="1100" dirty="0" smtClean="0">
+                          <a:effectLst/>
+                        </a:rPr>
+                        <a:t>2015/IS/78</a:t>
+                      </a:r>
+                      <a:r>
+                        <a:rPr lang="en-US" sz="1100" dirty="0">
+                          <a:effectLst/>
+                          <a:latin typeface="Calibri" panose="020F0502020204030204" pitchFamily="34" charset="0"/>
+                          <a:cs typeface="Times New Roman" panose="02020603050405020304" pitchFamily="18" charset="0"/>
+                        </a:rPr>
+                        <a:t>6</a:t>
+                      </a:r>
+                      <a:endParaRPr lang="en-US" sz="1100" dirty="0">
+                        <a:effectLst/>
+                        <a:latin typeface="Calibri" panose="020F0502020204030204" pitchFamily="34" charset="0"/>
+                        <a:ea typeface="Calibri" panose="020F0502020204030204" pitchFamily="34" charset="0"/>
+                        <a:cs typeface="Times New Roman" panose="02020603050405020304" pitchFamily="18" charset="0"/>
+                      </a:endParaRPr>
+                    </a:p>
+                  </a:txBody>
+                  <a:tcPr marL="68580" marR="68580" marT="0" marB="0" anchor="ctr"/>
+                </a:tc>
+                <a:tc>
+                  <a:txBody>
+                    <a:bodyPr/>
+                    <a:lstStyle/>
+                    <a:p>
+                      <a:pPr marL="0" marR="0" algn="ctr">
+                        <a:lnSpc>
+                          <a:spcPct val="200000"/>
                         </a:lnSpc>
                         <a:spcBef>
                           <a:spcPts val="0"/>
@@ -6776,6 +7315,163 @@
           <a:chExt cx="0" cy="0"/>
         </a:xfrm>
       </p:grpSpPr>
+      <p:sp>
+        <p:nvSpPr>
+          <p:cNvPr id="2" name="Title 1"/>
+          <p:cNvSpPr>
+            <a:spLocks noGrp="1"/>
+          </p:cNvSpPr>
+          <p:nvPr>
+            <p:ph type="title"/>
+          </p:nvPr>
+        </p:nvSpPr>
+        <p:spPr/>
+        <p:txBody>
+          <a:bodyPr/>
+          <a:lstStyle/>
+          <a:p>
+            <a:pPr algn="ctr"/>
+            <a:r>
+              <a:rPr lang="en-US" dirty="0" smtClean="0"/>
+              <a:t>Development Methodologies </a:t>
+            </a:r>
+            <a:endParaRPr lang="en-US" dirty="0"/>
+          </a:p>
+        </p:txBody>
+      </p:sp>
+      <p:sp>
+        <p:nvSpPr>
+          <p:cNvPr id="3" name="Content Placeholder 2"/>
+          <p:cNvSpPr>
+            <a:spLocks noGrp="1"/>
+          </p:cNvSpPr>
+          <p:nvPr>
+            <p:ph idx="1"/>
+          </p:nvPr>
+        </p:nvSpPr>
+        <p:spPr>
+          <a:xfrm>
+            <a:off x="1065603" y="1905000"/>
+            <a:ext cx="8686801" cy="4191000"/>
+          </a:xfrm>
+        </p:spPr>
+        <p:txBody>
+          <a:bodyPr/>
+          <a:lstStyle/>
+          <a:p>
+            <a:pPr marL="45720" lvl="0" indent="0">
+              <a:buNone/>
+            </a:pPr>
+            <a:endParaRPr lang="en-GB" sz="2800" dirty="0" smtClean="0">
+              <a:solidFill>
+                <a:schemeClr val="bg2">
+                  <a:lumMod val="50000"/>
+                </a:schemeClr>
+              </a:solidFill>
+              <a:latin typeface="Adobe Fan Heiti Std B" panose="020B0700000000000000" pitchFamily="34" charset="-128"/>
+              <a:ea typeface="Adobe Fan Heiti Std B" panose="020B0700000000000000" pitchFamily="34" charset="-128"/>
+            </a:endParaRPr>
+          </a:p>
+          <a:p>
+            <a:r>
+              <a:rPr lang="en-GB" sz="2800" dirty="0"/>
+              <a:t>Incorporate prototyping</a:t>
+            </a:r>
+          </a:p>
+          <a:p>
+            <a:r>
+              <a:rPr lang="en-GB" sz="2800" dirty="0"/>
+              <a:t>Allow some of the stages to overlap</a:t>
+            </a:r>
+          </a:p>
+          <a:p>
+            <a:r>
+              <a:rPr lang="en-GB" sz="2800" dirty="0"/>
+              <a:t>Can implement easy areas before harder ones</a:t>
+            </a:r>
+          </a:p>
+          <a:p>
+            <a:r>
+              <a:rPr lang="en-GB" sz="2800" dirty="0"/>
+              <a:t>integrate feedback from one phase to another</a:t>
+            </a:r>
+            <a:endParaRPr lang="en-GB" sz="2800" dirty="0">
+              <a:latin typeface="Adobe Fan Heiti Std B" panose="020B0700000000000000" pitchFamily="34" charset="-128"/>
+              <a:ea typeface="Adobe Fan Heiti Std B" panose="020B0700000000000000" pitchFamily="34" charset="-128"/>
+            </a:endParaRPr>
+          </a:p>
+          <a:p>
+            <a:pPr marL="45720" indent="0">
+              <a:buNone/>
+            </a:pPr>
+            <a:endParaRPr lang="en-GB" sz="2800" dirty="0">
+              <a:latin typeface="Adobe Fan Heiti Std B" panose="020B0700000000000000" pitchFamily="34" charset="-128"/>
+              <a:ea typeface="Adobe Fan Heiti Std B" panose="020B0700000000000000" pitchFamily="34" charset="-128"/>
+            </a:endParaRPr>
+          </a:p>
+          <a:p>
+            <a:pPr marL="45720" indent="0">
+              <a:buNone/>
+            </a:pPr>
+            <a:r>
+              <a:rPr lang="en-GB" sz="2800" dirty="0">
+                <a:latin typeface="Adobe Fan Heiti Std B" panose="020B0700000000000000" pitchFamily="34" charset="-128"/>
+                <a:ea typeface="Adobe Fan Heiti Std B" panose="020B0700000000000000" pitchFamily="34" charset="-128"/>
+              </a:rPr>
+              <a:t>Therefore we use modified waterfall model</a:t>
+            </a:r>
+          </a:p>
+        </p:txBody>
+      </p:sp>
+    </p:spTree>
+    <p:extLst>
+      <p:ext uri="{BB962C8B-B14F-4D97-AF65-F5344CB8AC3E}">
+        <p14:creationId xmlns:p14="http://schemas.microsoft.com/office/powerpoint/2010/main" val="1190516569"/>
+      </p:ext>
+    </p:extLst>
+  </p:cSld>
+  <p:clrMapOvr>
+    <a:masterClrMapping/>
+  </p:clrMapOvr>
+  <mc:AlternateContent xmlns:mc="http://schemas.openxmlformats.org/markup-compatibility/2006" xmlns:p14="http://schemas.microsoft.com/office/powerpoint/2010/main">
+    <mc:Choice Requires="p14">
+      <p:transition spd="med" p14:dur="700">
+        <p:fade/>
+      </p:transition>
+    </mc:Choice>
+    <mc:Fallback xmlns="">
+      <p:transition spd="med">
+        <p:fade/>
+      </p:transition>
+    </mc:Fallback>
+  </mc:AlternateContent>
+  <p:timing>
+    <p:tnLst>
+      <p:par>
+        <p:cTn id="1" dur="indefinite" restart="never" nodeType="tmRoot"/>
+      </p:par>
+    </p:tnLst>
+  </p:timing>
+</p:sld>
+</file>
+
+<file path=ppt/slides/slide21.xml><?xml version="1.0" encoding="utf-8"?>
+<p:sld xmlns:a="http://schemas.openxmlformats.org/drawingml/2006/main" xmlns:r="http://schemas.openxmlformats.org/officeDocument/2006/relationships" xmlns:p="http://schemas.openxmlformats.org/presentationml/2006/main">
+  <p:cSld>
+    <p:spTree>
+      <p:nvGrpSpPr>
+        <p:cNvPr id="1" name=""/>
+        <p:cNvGrpSpPr/>
+        <p:nvPr/>
+      </p:nvGrpSpPr>
+      <p:grpSpPr>
+        <a:xfrm>
+          <a:off x="0" y="0"/>
+          <a:ext cx="0" cy="0"/>
+          <a:chOff x="0" y="0"/>
+          <a:chExt cx="0" cy="0"/>
+        </a:xfrm>
+      </p:grpSpPr>
       <p:pic>
         <p:nvPicPr>
           <p:cNvPr id="4" name="Picture 3"/>
@@ -6832,7 +7528,7 @@
 </p:sld>
 </file>
 
-<file path=ppt/slides/slide21.xml><?xml version="1.0" encoding="utf-8"?>
+<file path=ppt/slides/slide22.xml><?xml version="1.0" encoding="utf-8"?>
 <p:sld xmlns:a="http://schemas.openxmlformats.org/drawingml/2006/main" xmlns:r="http://schemas.openxmlformats.org/officeDocument/2006/relationships" xmlns:p="http://schemas.openxmlformats.org/presentationml/2006/main">
   <p:cSld>
     <p:spTree>
@@ -6910,7 +7606,7 @@
 </p:sld>
 </file>
 
-<file path=ppt/slides/slide22.xml><?xml version="1.0" encoding="utf-8"?>
+<file path=ppt/slides/slide23.xml><?xml version="1.0" encoding="utf-8"?>
 <p:sld xmlns:a="http://schemas.openxmlformats.org/drawingml/2006/main" xmlns:r="http://schemas.openxmlformats.org/officeDocument/2006/relationships" xmlns:p="http://schemas.openxmlformats.org/presentationml/2006/main">
   <p:cSld>
     <p:spTree>
@@ -6988,7 +7684,7 @@
 </p:sld>
 </file>
 
-<file path=ppt/slides/slide23.xml><?xml version="1.0" encoding="utf-8"?>
+<file path=ppt/slides/slide24.xml><?xml version="1.0" encoding="utf-8"?>
 <p:sld xmlns:a="http://schemas.openxmlformats.org/drawingml/2006/main" xmlns:r="http://schemas.openxmlformats.org/officeDocument/2006/relationships" xmlns:p="http://schemas.openxmlformats.org/presentationml/2006/main">
   <p:cSld>
     <p:spTree>
@@ -7156,7 +7852,7 @@
 </p:sld>
 </file>
 
-<file path=ppt/slides/slide24.xml><?xml version="1.0" encoding="utf-8"?>
+<file path=ppt/slides/slide25.xml><?xml version="1.0" encoding="utf-8"?>
 <p:sld xmlns:a="http://schemas.openxmlformats.org/drawingml/2006/main" xmlns:r="http://schemas.openxmlformats.org/officeDocument/2006/relationships" xmlns:p="http://schemas.openxmlformats.org/presentationml/2006/main">
   <p:cSld>
     <p:spTree>
@@ -7268,7 +7964,7 @@
 </p:sld>
 </file>
 
-<file path=ppt/slides/slide25.xml><?xml version="1.0" encoding="utf-8"?>
+<file path=ppt/slides/slide26.xml><?xml version="1.0" encoding="utf-8"?>
 <p:sld xmlns:a="http://schemas.openxmlformats.org/drawingml/2006/main" xmlns:r="http://schemas.openxmlformats.org/officeDocument/2006/relationships" xmlns:p="http://schemas.openxmlformats.org/presentationml/2006/main">
   <p:cSld>
     <p:spTree>
@@ -7656,7 +8352,7 @@
 </p:sld>
 </file>
 
-<file path=ppt/slides/slide26.xml><?xml version="1.0" encoding="utf-8"?>
+<file path=ppt/slides/slide27.xml><?xml version="1.0" encoding="utf-8"?>
 <p:sld xmlns:a="http://schemas.openxmlformats.org/drawingml/2006/main" xmlns:r="http://schemas.openxmlformats.org/officeDocument/2006/relationships" xmlns:p="http://schemas.openxmlformats.org/presentationml/2006/main">
   <p:cSld>
     <p:spTree>
@@ -7764,7 +8460,7 @@
 </p:sld>
 </file>
 
-<file path=ppt/slides/slide27.xml><?xml version="1.0" encoding="utf-8"?>
+<file path=ppt/slides/slide28.xml><?xml version="1.0" encoding="utf-8"?>
 <p:sld xmlns:a="http://schemas.openxmlformats.org/drawingml/2006/main" xmlns:r="http://schemas.openxmlformats.org/officeDocument/2006/relationships" xmlns:p="http://schemas.openxmlformats.org/presentationml/2006/main">
   <p:cSld>
     <p:spTree>
@@ -7848,13 +8544,13 @@
   <p:clrMapOvr>
     <a:masterClrMapping/>
   </p:clrMapOvr>
-  <mc:AlternateContent xmlns:mc="http://schemas.openxmlformats.org/markup-compatibility/2006">
-    <mc:Choice xmlns:p14="http://schemas.microsoft.com/office/powerpoint/2010/main" Requires="p14">
+  <mc:AlternateContent xmlns:mc="http://schemas.openxmlformats.org/markup-compatibility/2006" xmlns:p14="http://schemas.microsoft.com/office/powerpoint/2010/main">
+    <mc:Choice Requires="p14">
       <p:transition spd="med" p14:dur="700">
         <p:fade/>
       </p:transition>
     </mc:Choice>
-    <mc:Fallback>
+    <mc:Fallback xmlns="">
       <p:transition spd="med">
         <p:fade/>
       </p:transition>
@@ -8542,7 +9238,7 @@
         </p:nvSpPr>
         <p:spPr>
           <a:xfrm>
-            <a:off x="3617912" y="228600"/>
+            <a:off x="3704670" y="-48254"/>
             <a:ext cx="3581400" cy="685800"/>
           </a:xfrm>
         </p:spPr>
@@ -8569,7 +9265,7 @@
           <p:nvPr/>
         </p:nvPicPr>
         <p:blipFill>
-          <a:blip r:embed="rId2">
+          <a:blip r:embed="rId2" cstate="print">
             <a:extLst>
               <a:ext uri="{28A0092B-C50C-407E-A947-70E740481C1C}">
                 <a14:useLocalDpi xmlns:a14="http://schemas.microsoft.com/office/drawing/2010/main" val="0"/>
@@ -8581,9 +9277,9 @@
           </a:stretch>
         </p:blipFill>
         <p:spPr>
-          <a:xfrm>
-            <a:off x="455613" y="1219201"/>
-            <a:ext cx="1600200" cy="1525274"/>
+          <a:xfrm rot="20257278">
+            <a:off x="2438010" y="2636911"/>
+            <a:ext cx="959317" cy="914399"/>
           </a:xfrm>
           <a:prstGeom prst="rect">
             <a:avLst/>
@@ -8597,9 +9293,9 @@
           <p:nvPr/>
         </p:nvSpPr>
         <p:spPr>
-          <a:xfrm rot="1412354">
-            <a:off x="2055813" y="2732851"/>
-            <a:ext cx="1038225" cy="609600"/>
+          <a:xfrm rot="19677437">
+            <a:off x="2026516" y="3263628"/>
+            <a:ext cx="2762335" cy="609600"/>
           </a:xfrm>
           <a:prstGeom prst="rightArrow">
             <a:avLst/>
@@ -8640,7 +9336,7 @@
           <p:nvPr/>
         </p:nvPicPr>
         <p:blipFill>
-          <a:blip r:embed="rId3">
+          <a:blip r:embed="rId3" cstate="print">
             <a:extLst>
               <a:ext uri="{28A0092B-C50C-407E-A947-70E740481C1C}">
                 <a14:useLocalDpi xmlns:a14="http://schemas.microsoft.com/office/drawing/2010/main" val="0"/>
@@ -8653,8 +9349,8 @@
         </p:blipFill>
         <p:spPr>
           <a:xfrm>
-            <a:off x="3617912" y="3200400"/>
-            <a:ext cx="3438395" cy="2573066"/>
+            <a:off x="4642888" y="1461901"/>
+            <a:ext cx="1803842" cy="1349875"/>
           </a:xfrm>
           <a:prstGeom prst="rect">
             <a:avLst/>
@@ -8668,9 +9364,9 @@
           <p:nvPr/>
         </p:nvSpPr>
         <p:spPr>
-          <a:xfrm rot="18936310">
-            <a:off x="6680199" y="3219610"/>
-            <a:ext cx="1038225" cy="609600"/>
+          <a:xfrm rot="2362156">
+            <a:off x="6221815" y="3214897"/>
+            <a:ext cx="2318509" cy="609600"/>
           </a:xfrm>
           <a:prstGeom prst="rightArrow">
             <a:avLst/>
@@ -8704,14 +9400,14 @@
       </p:sp>
       <p:pic>
         <p:nvPicPr>
-          <p:cNvPr id="8" name="Picture 7"/>
+          <p:cNvPr id="10" name="Picture 9"/>
           <p:cNvPicPr>
             <a:picLocks noChangeAspect="1"/>
           </p:cNvPicPr>
           <p:nvPr/>
         </p:nvPicPr>
         <p:blipFill>
-          <a:blip r:embed="rId4" cstate="print">
+          <a:blip r:embed="rId4">
             <a:extLst>
               <a:ext uri="{28A0092B-C50C-407E-A947-70E740481C1C}">
                 <a14:useLocalDpi xmlns:a14="http://schemas.microsoft.com/office/drawing/2010/main" val="0"/>
@@ -8724,14 +9420,356 @@
         </p:blipFill>
         <p:spPr>
           <a:xfrm>
-            <a:off x="7783474" y="1219201"/>
-            <a:ext cx="2560583" cy="1920437"/>
+            <a:off x="8297474" y="3936561"/>
+            <a:ext cx="1580736" cy="1907054"/>
           </a:xfrm>
           <a:prstGeom prst="rect">
             <a:avLst/>
           </a:prstGeom>
         </p:spPr>
       </p:pic>
+      <p:pic>
+        <p:nvPicPr>
+          <p:cNvPr id="11" name="Picture 10"/>
+          <p:cNvPicPr>
+            <a:picLocks noChangeAspect="1"/>
+          </p:cNvPicPr>
+          <p:nvPr/>
+        </p:nvPicPr>
+        <p:blipFill>
+          <a:blip r:embed="rId5" cstate="print">
+            <a:extLst>
+              <a:ext uri="{28A0092B-C50C-407E-A947-70E740481C1C}">
+                <a14:useLocalDpi xmlns:a14="http://schemas.microsoft.com/office/drawing/2010/main" val="0"/>
+              </a:ext>
+            </a:extLst>
+          </a:blip>
+          <a:stretch>
+            <a:fillRect/>
+          </a:stretch>
+        </p:blipFill>
+        <p:spPr>
+          <a:xfrm>
+            <a:off x="7628620" y="2560505"/>
+            <a:ext cx="719404" cy="871043"/>
+          </a:xfrm>
+          <a:prstGeom prst="rect">
+            <a:avLst/>
+          </a:prstGeom>
+        </p:spPr>
+      </p:pic>
+      <p:pic>
+        <p:nvPicPr>
+          <p:cNvPr id="12" name="Picture 11"/>
+          <p:cNvPicPr>
+            <a:picLocks noChangeAspect="1"/>
+          </p:cNvPicPr>
+          <p:nvPr/>
+        </p:nvPicPr>
+        <p:blipFill>
+          <a:blip r:embed="rId6">
+            <a:extLst>
+              <a:ext uri="{28A0092B-C50C-407E-A947-70E740481C1C}">
+                <a14:useLocalDpi xmlns:a14="http://schemas.microsoft.com/office/drawing/2010/main" val="0"/>
+              </a:ext>
+            </a:extLst>
+          </a:blip>
+          <a:stretch>
+            <a:fillRect/>
+          </a:stretch>
+        </p:blipFill>
+        <p:spPr>
+          <a:xfrm>
+            <a:off x="214234" y="4122139"/>
+            <a:ext cx="1763727" cy="1740211"/>
+          </a:xfrm>
+          <a:prstGeom prst="rect">
+            <a:avLst/>
+          </a:prstGeom>
+        </p:spPr>
+      </p:pic>
+      <p:sp>
+        <p:nvSpPr>
+          <p:cNvPr id="13" name="Rectangle 12"/>
+          <p:cNvSpPr/>
+          <p:nvPr/>
+        </p:nvSpPr>
+        <p:spPr>
+          <a:xfrm>
+            <a:off x="684212" y="5862350"/>
+            <a:ext cx="2278189" cy="400110"/>
+          </a:xfrm>
+          <a:prstGeom prst="rect">
+            <a:avLst/>
+          </a:prstGeom>
+          <a:noFill/>
+        </p:spPr>
+        <p:txBody>
+          <a:bodyPr wrap="none" lIns="91440" tIns="45720" rIns="91440" bIns="45720">
+            <a:spAutoFit/>
+          </a:bodyPr>
+          <a:lstStyle/>
+          <a:p>
+            <a:pPr algn="ctr"/>
+            <a:r>
+              <a:rPr lang="en-US" sz="2000" dirty="0">
+                <a:ln w="0"/>
+                <a:effectLst>
+                  <a:outerShdw blurRad="38100" dist="19050" dir="2700000" algn="tl" rotWithShape="0">
+                    <a:schemeClr val="dk1">
+                      <a:alpha val="40000"/>
+                    </a:schemeClr>
+                  </a:outerShdw>
+                </a:effectLst>
+              </a:rPr>
+              <a:t>N</a:t>
+            </a:r>
+            <a:r>
+              <a:rPr lang="en-US" sz="2000" b="0" cap="none" spc="0" dirty="0" smtClean="0">
+                <a:ln w="0"/>
+                <a:solidFill>
+                  <a:schemeClr val="tx1"/>
+                </a:solidFill>
+                <a:effectLst>
+                  <a:outerShdw blurRad="38100" dist="19050" dir="2700000" algn="tl" rotWithShape="0">
+                    <a:schemeClr val="dk1">
+                      <a:alpha val="40000"/>
+                    </a:schemeClr>
+                  </a:outerShdw>
+                </a:effectLst>
+              </a:rPr>
+              <a:t>ews Department</a:t>
+            </a:r>
+            <a:endParaRPr lang="en-US" sz="2000" b="0" cap="none" spc="0" dirty="0">
+              <a:ln w="0"/>
+              <a:solidFill>
+                <a:schemeClr val="tx1"/>
+              </a:solidFill>
+              <a:effectLst>
+                <a:outerShdw blurRad="38100" dist="19050" dir="2700000" algn="tl" rotWithShape="0">
+                  <a:schemeClr val="dk1">
+                    <a:alpha val="40000"/>
+                  </a:schemeClr>
+                </a:outerShdw>
+              </a:effectLst>
+            </a:endParaRPr>
+          </a:p>
+        </p:txBody>
+      </p:sp>
+      <p:sp>
+        <p:nvSpPr>
+          <p:cNvPr id="14" name="Rectangle 13"/>
+          <p:cNvSpPr/>
+          <p:nvPr/>
+        </p:nvSpPr>
+        <p:spPr>
+          <a:xfrm rot="19667406">
+            <a:off x="2209356" y="3513296"/>
+            <a:ext cx="1851789" cy="400110"/>
+          </a:xfrm>
+          <a:prstGeom prst="rect">
+            <a:avLst/>
+          </a:prstGeom>
+          <a:noFill/>
+        </p:spPr>
+        <p:txBody>
+          <a:bodyPr wrap="none" lIns="91440" tIns="45720" rIns="91440" bIns="45720">
+            <a:spAutoFit/>
+          </a:bodyPr>
+          <a:lstStyle/>
+          <a:p>
+            <a:pPr algn="ctr"/>
+            <a:r>
+              <a:rPr lang="en-US" sz="2000" dirty="0" smtClean="0">
+                <a:ln w="0"/>
+                <a:effectLst>
+                  <a:outerShdw blurRad="38100" dist="19050" dir="2700000" algn="tl" rotWithShape="0">
+                    <a:schemeClr val="dk1">
+                      <a:alpha val="40000"/>
+                    </a:schemeClr>
+                  </a:outerShdw>
+                </a:effectLst>
+              </a:rPr>
+              <a:t>Inform via Fax</a:t>
+            </a:r>
+            <a:endParaRPr lang="en-US" sz="2000" b="0" cap="none" spc="0" dirty="0">
+              <a:ln w="0"/>
+              <a:solidFill>
+                <a:schemeClr val="tx1"/>
+              </a:solidFill>
+              <a:effectLst>
+                <a:outerShdw blurRad="38100" dist="19050" dir="2700000" algn="tl" rotWithShape="0">
+                  <a:schemeClr val="dk1">
+                    <a:alpha val="40000"/>
+                  </a:schemeClr>
+                </a:outerShdw>
+              </a:effectLst>
+            </a:endParaRPr>
+          </a:p>
+        </p:txBody>
+      </p:sp>
+      <p:sp>
+        <p:nvSpPr>
+          <p:cNvPr id="15" name="Rectangle 14"/>
+          <p:cNvSpPr/>
+          <p:nvPr/>
+        </p:nvSpPr>
+        <p:spPr>
+          <a:xfrm>
+            <a:off x="3460998" y="1061791"/>
+            <a:ext cx="4068743" cy="400110"/>
+          </a:xfrm>
+          <a:prstGeom prst="rect">
+            <a:avLst/>
+          </a:prstGeom>
+          <a:noFill/>
+        </p:spPr>
+        <p:txBody>
+          <a:bodyPr wrap="none" lIns="91440" tIns="45720" rIns="91440" bIns="45720">
+            <a:spAutoFit/>
+          </a:bodyPr>
+          <a:lstStyle/>
+          <a:p>
+            <a:pPr algn="ctr"/>
+            <a:r>
+              <a:rPr lang="en-US" sz="2000" b="0" cap="none" spc="0" dirty="0" smtClean="0">
+                <a:ln w="0"/>
+                <a:solidFill>
+                  <a:schemeClr val="tx1"/>
+                </a:solidFill>
+                <a:effectLst>
+                  <a:outerShdw blurRad="38100" dist="19050" dir="2700000" algn="tl" rotWithShape="0">
+                    <a:schemeClr val="dk1">
+                      <a:alpha val="40000"/>
+                    </a:schemeClr>
+                  </a:outerShdw>
+                </a:effectLst>
+              </a:rPr>
+              <a:t>Coordinator : search for a reporter</a:t>
+            </a:r>
+            <a:endParaRPr lang="en-US" sz="2000" b="0" cap="none" spc="0" dirty="0">
+              <a:ln w="0"/>
+              <a:solidFill>
+                <a:schemeClr val="tx1"/>
+              </a:solidFill>
+              <a:effectLst>
+                <a:outerShdw blurRad="38100" dist="19050" dir="2700000" algn="tl" rotWithShape="0">
+                  <a:schemeClr val="dk1">
+                    <a:alpha val="40000"/>
+                  </a:schemeClr>
+                </a:outerShdw>
+              </a:effectLst>
+            </a:endParaRPr>
+          </a:p>
+        </p:txBody>
+      </p:sp>
+      <p:sp>
+        <p:nvSpPr>
+          <p:cNvPr id="16" name="Rectangle 15"/>
+          <p:cNvSpPr/>
+          <p:nvPr/>
+        </p:nvSpPr>
+        <p:spPr>
+          <a:xfrm rot="2391346">
+            <a:off x="6186971" y="3203784"/>
+            <a:ext cx="2100255" cy="400110"/>
+          </a:xfrm>
+          <a:prstGeom prst="rect">
+            <a:avLst/>
+          </a:prstGeom>
+          <a:noFill/>
+        </p:spPr>
+        <p:txBody>
+          <a:bodyPr wrap="none" lIns="91440" tIns="45720" rIns="91440" bIns="45720">
+            <a:spAutoFit/>
+          </a:bodyPr>
+          <a:lstStyle/>
+          <a:p>
+            <a:pPr algn="ctr"/>
+            <a:r>
+              <a:rPr lang="en-US" sz="2000" dirty="0" smtClean="0">
+                <a:ln w="0"/>
+                <a:effectLst>
+                  <a:outerShdw blurRad="38100" dist="19050" dir="2700000" algn="tl" rotWithShape="0">
+                    <a:schemeClr val="dk1">
+                      <a:alpha val="40000"/>
+                    </a:schemeClr>
+                  </a:outerShdw>
+                </a:effectLst>
+              </a:rPr>
+              <a:t>Inform via a Call</a:t>
+            </a:r>
+            <a:endParaRPr lang="en-US" sz="2000" b="0" cap="none" spc="0" dirty="0">
+              <a:ln w="0"/>
+              <a:solidFill>
+                <a:schemeClr val="tx1"/>
+              </a:solidFill>
+              <a:effectLst>
+                <a:outerShdw blurRad="38100" dist="19050" dir="2700000" algn="tl" rotWithShape="0">
+                  <a:schemeClr val="dk1">
+                    <a:alpha val="40000"/>
+                  </a:schemeClr>
+                </a:outerShdw>
+              </a:effectLst>
+            </a:endParaRPr>
+          </a:p>
+        </p:txBody>
+      </p:sp>
+      <p:sp>
+        <p:nvSpPr>
+          <p:cNvPr id="17" name="Rectangle 16"/>
+          <p:cNvSpPr/>
+          <p:nvPr/>
+        </p:nvSpPr>
+        <p:spPr>
+          <a:xfrm>
+            <a:off x="7286070" y="5791443"/>
+            <a:ext cx="3070521" cy="400110"/>
+          </a:xfrm>
+          <a:prstGeom prst="rect">
+            <a:avLst/>
+          </a:prstGeom>
+          <a:noFill/>
+        </p:spPr>
+        <p:txBody>
+          <a:bodyPr wrap="none" lIns="91440" tIns="45720" rIns="91440" bIns="45720">
+            <a:spAutoFit/>
+          </a:bodyPr>
+          <a:lstStyle/>
+          <a:p>
+            <a:pPr algn="ctr"/>
+            <a:r>
+              <a:rPr lang="en-US" sz="2000" b="0" cap="none" spc="0" dirty="0" smtClean="0">
+                <a:ln w="0"/>
+                <a:solidFill>
+                  <a:schemeClr val="tx1"/>
+                </a:solidFill>
+                <a:effectLst>
+                  <a:outerShdw blurRad="38100" dist="19050" dir="2700000" algn="tl" rotWithShape="0">
+                    <a:schemeClr val="dk1">
+                      <a:alpha val="40000"/>
+                    </a:schemeClr>
+                  </a:outerShdw>
+                </a:effectLst>
+              </a:rPr>
+              <a:t>Reporter : cover the news</a:t>
+            </a:r>
+            <a:endParaRPr lang="en-US" sz="2000" b="0" cap="none" spc="0" dirty="0">
+              <a:ln w="0"/>
+              <a:solidFill>
+                <a:schemeClr val="tx1"/>
+              </a:solidFill>
+              <a:effectLst>
+                <a:outerShdw blurRad="38100" dist="19050" dir="2700000" algn="tl" rotWithShape="0">
+                  <a:schemeClr val="dk1">
+                    <a:alpha val="40000"/>
+                  </a:schemeClr>
+                </a:outerShdw>
+              </a:effectLst>
+            </a:endParaRPr>
+          </a:p>
+        </p:txBody>
+      </p:sp>
     </p:spTree>
     <p:extLst>
       <p:ext uri="{BB962C8B-B14F-4D97-AF65-F5344CB8AC3E}">
@@ -8793,21 +9831,19 @@
         </p:nvSpPr>
         <p:spPr>
           <a:xfrm>
-            <a:off x="3732212" y="152400"/>
-            <a:ext cx="2743200" cy="762000"/>
+            <a:off x="4518985" y="205479"/>
+            <a:ext cx="1856342" cy="685800"/>
           </a:xfrm>
         </p:spPr>
         <p:txBody>
-          <a:bodyPr/>
+          <a:bodyPr>
+            <a:normAutofit fontScale="90000"/>
+          </a:bodyPr>
           <a:lstStyle/>
           <a:p>
             <a:r>
-              <a:rPr lang="en-US" dirty="0"/>
-              <a:t>O</a:t>
-            </a:r>
-            <a:r>
               <a:rPr lang="en-US" dirty="0" smtClean="0"/>
-              <a:t>ur System</a:t>
+              <a:t>Solution</a:t>
             </a:r>
             <a:endParaRPr lang="en-US" dirty="0"/>
           </a:p>
@@ -8822,7 +9858,7 @@
           <p:nvPr/>
         </p:nvPicPr>
         <p:blipFill>
-          <a:blip r:embed="rId2">
+          <a:blip r:embed="rId2" cstate="print">
             <a:extLst>
               <a:ext uri="{28A0092B-C50C-407E-A947-70E740481C1C}">
                 <a14:useLocalDpi xmlns:a14="http://schemas.microsoft.com/office/drawing/2010/main" val="0"/>
@@ -8834,18 +9870,100 @@
           </a:stretch>
         </p:blipFill>
         <p:spPr>
-          <a:xfrm>
-            <a:off x="912812" y="1752600"/>
-            <a:ext cx="1576387" cy="1502576"/>
+          <a:xfrm rot="20257278">
+            <a:off x="2438010" y="2636911"/>
+            <a:ext cx="959317" cy="914399"/>
           </a:xfrm>
           <a:prstGeom prst="rect">
             <a:avLst/>
           </a:prstGeom>
         </p:spPr>
       </p:pic>
+      <p:sp>
+        <p:nvSpPr>
+          <p:cNvPr id="5" name="Right Arrow 4"/>
+          <p:cNvSpPr/>
+          <p:nvPr/>
+        </p:nvSpPr>
+        <p:spPr>
+          <a:xfrm rot="19677437">
+            <a:off x="2026516" y="3263628"/>
+            <a:ext cx="2762335" cy="609600"/>
+          </a:xfrm>
+          <a:prstGeom prst="rightArrow">
+            <a:avLst/>
+          </a:prstGeom>
+          <a:ln>
+            <a:noFill/>
+          </a:ln>
+        </p:spPr>
+        <p:style>
+          <a:lnRef idx="1">
+            <a:schemeClr val="accent2"/>
+          </a:lnRef>
+          <a:fillRef idx="2">
+            <a:schemeClr val="accent2"/>
+          </a:fillRef>
+          <a:effectRef idx="1">
+            <a:schemeClr val="accent2"/>
+          </a:effectRef>
+          <a:fontRef idx="minor">
+            <a:schemeClr val="dk1"/>
+          </a:fontRef>
+        </p:style>
+        <p:txBody>
+          <a:bodyPr rtlCol="0" anchor="ctr"/>
+          <a:lstStyle/>
+          <a:p>
+            <a:pPr algn="ctr"/>
+            <a:endParaRPr lang="en-US" dirty="0"/>
+          </a:p>
+        </p:txBody>
+      </p:sp>
+      <p:sp>
+        <p:nvSpPr>
+          <p:cNvPr id="7" name="Right Arrow 6"/>
+          <p:cNvSpPr/>
+          <p:nvPr/>
+        </p:nvSpPr>
+        <p:spPr>
+          <a:xfrm rot="2362156">
+            <a:off x="6047162" y="3210518"/>
+            <a:ext cx="2533984" cy="609600"/>
+          </a:xfrm>
+          <a:prstGeom prst="rightArrow">
+            <a:avLst/>
+          </a:prstGeom>
+          <a:ln>
+            <a:noFill/>
+          </a:ln>
+        </p:spPr>
+        <p:style>
+          <a:lnRef idx="1">
+            <a:schemeClr val="accent2"/>
+          </a:lnRef>
+          <a:fillRef idx="2">
+            <a:schemeClr val="accent2"/>
+          </a:fillRef>
+          <a:effectRef idx="1">
+            <a:schemeClr val="accent2"/>
+          </a:effectRef>
+          <a:fontRef idx="minor">
+            <a:schemeClr val="dk1"/>
+          </a:fontRef>
+        </p:style>
+        <p:txBody>
+          <a:bodyPr rtlCol="0" anchor="ctr"/>
+          <a:lstStyle/>
+          <a:p>
+            <a:pPr algn="ctr"/>
+            <a:endParaRPr lang="en-US" dirty="0"/>
+          </a:p>
+        </p:txBody>
+      </p:sp>
       <p:pic>
         <p:nvPicPr>
-          <p:cNvPr id="5" name="Picture 4"/>
+          <p:cNvPr id="10" name="Picture 9"/>
           <p:cNvPicPr>
             <a:picLocks noChangeAspect="1"/>
           </p:cNvPicPr>
@@ -8865,8 +9983,350 @@
         </p:blipFill>
         <p:spPr>
           <a:xfrm>
-            <a:off x="3579812" y="4038600"/>
-            <a:ext cx="2667000" cy="1879600"/>
+            <a:off x="8297474" y="3936561"/>
+            <a:ext cx="1580736" cy="1907054"/>
+          </a:xfrm>
+          <a:prstGeom prst="rect">
+            <a:avLst/>
+          </a:prstGeom>
+        </p:spPr>
+      </p:pic>
+      <p:pic>
+        <p:nvPicPr>
+          <p:cNvPr id="12" name="Picture 11"/>
+          <p:cNvPicPr>
+            <a:picLocks noChangeAspect="1"/>
+          </p:cNvPicPr>
+          <p:nvPr/>
+        </p:nvPicPr>
+        <p:blipFill>
+          <a:blip r:embed="rId4">
+            <a:extLst>
+              <a:ext uri="{28A0092B-C50C-407E-A947-70E740481C1C}">
+                <a14:useLocalDpi xmlns:a14="http://schemas.microsoft.com/office/drawing/2010/main" val="0"/>
+              </a:ext>
+            </a:extLst>
+          </a:blip>
+          <a:stretch>
+            <a:fillRect/>
+          </a:stretch>
+        </p:blipFill>
+        <p:spPr>
+          <a:xfrm>
+            <a:off x="214234" y="4122139"/>
+            <a:ext cx="1763727" cy="1740211"/>
+          </a:xfrm>
+          <a:prstGeom prst="rect">
+            <a:avLst/>
+          </a:prstGeom>
+        </p:spPr>
+      </p:pic>
+      <p:sp>
+        <p:nvSpPr>
+          <p:cNvPr id="13" name="Rectangle 12"/>
+          <p:cNvSpPr/>
+          <p:nvPr/>
+        </p:nvSpPr>
+        <p:spPr>
+          <a:xfrm>
+            <a:off x="684212" y="5862350"/>
+            <a:ext cx="2278189" cy="400110"/>
+          </a:xfrm>
+          <a:prstGeom prst="rect">
+            <a:avLst/>
+          </a:prstGeom>
+          <a:noFill/>
+        </p:spPr>
+        <p:txBody>
+          <a:bodyPr wrap="none" lIns="91440" tIns="45720" rIns="91440" bIns="45720">
+            <a:spAutoFit/>
+          </a:bodyPr>
+          <a:lstStyle/>
+          <a:p>
+            <a:pPr algn="ctr"/>
+            <a:r>
+              <a:rPr lang="en-US" sz="2000" dirty="0">
+                <a:ln w="0"/>
+                <a:effectLst>
+                  <a:outerShdw blurRad="38100" dist="19050" dir="2700000" algn="tl" rotWithShape="0">
+                    <a:schemeClr val="dk1">
+                      <a:alpha val="40000"/>
+                    </a:schemeClr>
+                  </a:outerShdw>
+                </a:effectLst>
+              </a:rPr>
+              <a:t>N</a:t>
+            </a:r>
+            <a:r>
+              <a:rPr lang="en-US" sz="2000" b="0" cap="none" spc="0" dirty="0" smtClean="0">
+                <a:ln w="0"/>
+                <a:solidFill>
+                  <a:schemeClr val="tx1"/>
+                </a:solidFill>
+                <a:effectLst>
+                  <a:outerShdw blurRad="38100" dist="19050" dir="2700000" algn="tl" rotWithShape="0">
+                    <a:schemeClr val="dk1">
+                      <a:alpha val="40000"/>
+                    </a:schemeClr>
+                  </a:outerShdw>
+                </a:effectLst>
+              </a:rPr>
+              <a:t>ews Department</a:t>
+            </a:r>
+            <a:endParaRPr lang="en-US" sz="2000" b="0" cap="none" spc="0" dirty="0">
+              <a:ln w="0"/>
+              <a:solidFill>
+                <a:schemeClr val="tx1"/>
+              </a:solidFill>
+              <a:effectLst>
+                <a:outerShdw blurRad="38100" dist="19050" dir="2700000" algn="tl" rotWithShape="0">
+                  <a:schemeClr val="dk1">
+                    <a:alpha val="40000"/>
+                  </a:schemeClr>
+                </a:outerShdw>
+              </a:effectLst>
+            </a:endParaRPr>
+          </a:p>
+        </p:txBody>
+      </p:sp>
+      <p:sp>
+        <p:nvSpPr>
+          <p:cNvPr id="14" name="Rectangle 13"/>
+          <p:cNvSpPr/>
+          <p:nvPr/>
+        </p:nvSpPr>
+        <p:spPr>
+          <a:xfrm rot="19667406">
+            <a:off x="2209356" y="3513296"/>
+            <a:ext cx="1851789" cy="400110"/>
+          </a:xfrm>
+          <a:prstGeom prst="rect">
+            <a:avLst/>
+          </a:prstGeom>
+          <a:noFill/>
+        </p:spPr>
+        <p:txBody>
+          <a:bodyPr wrap="none" lIns="91440" tIns="45720" rIns="91440" bIns="45720">
+            <a:spAutoFit/>
+          </a:bodyPr>
+          <a:lstStyle/>
+          <a:p>
+            <a:pPr algn="ctr"/>
+            <a:r>
+              <a:rPr lang="en-US" sz="2000" dirty="0" smtClean="0">
+                <a:ln w="0"/>
+                <a:effectLst>
+                  <a:outerShdw blurRad="38100" dist="19050" dir="2700000" algn="tl" rotWithShape="0">
+                    <a:schemeClr val="dk1">
+                      <a:alpha val="40000"/>
+                    </a:schemeClr>
+                  </a:outerShdw>
+                </a:effectLst>
+              </a:rPr>
+              <a:t>Inform via Fax</a:t>
+            </a:r>
+            <a:endParaRPr lang="en-US" sz="2000" b="0" cap="none" spc="0" dirty="0">
+              <a:ln w="0"/>
+              <a:solidFill>
+                <a:schemeClr val="tx1"/>
+              </a:solidFill>
+              <a:effectLst>
+                <a:outerShdw blurRad="38100" dist="19050" dir="2700000" algn="tl" rotWithShape="0">
+                  <a:schemeClr val="dk1">
+                    <a:alpha val="40000"/>
+                  </a:schemeClr>
+                </a:outerShdw>
+              </a:effectLst>
+            </a:endParaRPr>
+          </a:p>
+        </p:txBody>
+      </p:sp>
+      <p:sp>
+        <p:nvSpPr>
+          <p:cNvPr id="15" name="Rectangle 14"/>
+          <p:cNvSpPr/>
+          <p:nvPr/>
+        </p:nvSpPr>
+        <p:spPr>
+          <a:xfrm>
+            <a:off x="3779996" y="1061791"/>
+            <a:ext cx="3430747" cy="400110"/>
+          </a:xfrm>
+          <a:prstGeom prst="rect">
+            <a:avLst/>
+          </a:prstGeom>
+          <a:noFill/>
+        </p:spPr>
+        <p:txBody>
+          <a:bodyPr wrap="none" lIns="91440" tIns="45720" rIns="91440" bIns="45720">
+            <a:spAutoFit/>
+          </a:bodyPr>
+          <a:lstStyle/>
+          <a:p>
+            <a:pPr algn="ctr"/>
+            <a:r>
+              <a:rPr lang="en-US" sz="2000" b="0" cap="none" spc="0" dirty="0" smtClean="0">
+                <a:ln w="0"/>
+                <a:solidFill>
+                  <a:schemeClr val="tx1"/>
+                </a:solidFill>
+                <a:effectLst>
+                  <a:outerShdw blurRad="38100" dist="19050" dir="2700000" algn="tl" rotWithShape="0">
+                    <a:schemeClr val="dk1">
+                      <a:alpha val="40000"/>
+                    </a:schemeClr>
+                  </a:outerShdw>
+                </a:effectLst>
+              </a:rPr>
+              <a:t>Coordinator : enter the news</a:t>
+            </a:r>
+            <a:endParaRPr lang="en-US" sz="2000" b="0" cap="none" spc="0" dirty="0">
+              <a:ln w="0"/>
+              <a:solidFill>
+                <a:schemeClr val="tx1"/>
+              </a:solidFill>
+              <a:effectLst>
+                <a:outerShdw blurRad="38100" dist="19050" dir="2700000" algn="tl" rotWithShape="0">
+                  <a:schemeClr val="dk1">
+                    <a:alpha val="40000"/>
+                  </a:schemeClr>
+                </a:outerShdw>
+              </a:effectLst>
+            </a:endParaRPr>
+          </a:p>
+        </p:txBody>
+      </p:sp>
+      <p:sp>
+        <p:nvSpPr>
+          <p:cNvPr id="16" name="Rectangle 15"/>
+          <p:cNvSpPr/>
+          <p:nvPr/>
+        </p:nvSpPr>
+        <p:spPr>
+          <a:xfrm rot="2391346">
+            <a:off x="6124455" y="3249950"/>
+            <a:ext cx="2225288" cy="307777"/>
+          </a:xfrm>
+          <a:prstGeom prst="rect">
+            <a:avLst/>
+          </a:prstGeom>
+          <a:noFill/>
+        </p:spPr>
+        <p:txBody>
+          <a:bodyPr wrap="none" lIns="91440" tIns="45720" rIns="91440" bIns="45720">
+            <a:spAutoFit/>
+          </a:bodyPr>
+          <a:lstStyle/>
+          <a:p>
+            <a:pPr algn="ctr"/>
+            <a:r>
+              <a:rPr lang="en-US" sz="1400" dirty="0" smtClean="0">
+                <a:ln w="0"/>
+                <a:effectLst>
+                  <a:outerShdw blurRad="38100" dist="19050" dir="2700000" algn="tl" rotWithShape="0">
+                    <a:schemeClr val="dk1">
+                      <a:alpha val="40000"/>
+                    </a:schemeClr>
+                  </a:outerShdw>
+                </a:effectLst>
+              </a:rPr>
+              <a:t>Automatically send alerts</a:t>
+            </a:r>
+            <a:endParaRPr lang="en-US" sz="1400" b="0" cap="none" spc="0" dirty="0">
+              <a:ln w="0"/>
+              <a:solidFill>
+                <a:schemeClr val="tx1"/>
+              </a:solidFill>
+              <a:effectLst>
+                <a:outerShdw blurRad="38100" dist="19050" dir="2700000" algn="tl" rotWithShape="0">
+                  <a:schemeClr val="dk1">
+                    <a:alpha val="40000"/>
+                  </a:schemeClr>
+                </a:outerShdw>
+              </a:effectLst>
+            </a:endParaRPr>
+          </a:p>
+        </p:txBody>
+      </p:sp>
+      <p:sp>
+        <p:nvSpPr>
+          <p:cNvPr id="17" name="Rectangle 16"/>
+          <p:cNvSpPr/>
+          <p:nvPr/>
+        </p:nvSpPr>
+        <p:spPr>
+          <a:xfrm>
+            <a:off x="7286070" y="5791443"/>
+            <a:ext cx="3070521" cy="400110"/>
+          </a:xfrm>
+          <a:prstGeom prst="rect">
+            <a:avLst/>
+          </a:prstGeom>
+          <a:noFill/>
+        </p:spPr>
+        <p:txBody>
+          <a:bodyPr wrap="none" lIns="91440" tIns="45720" rIns="91440" bIns="45720">
+            <a:spAutoFit/>
+          </a:bodyPr>
+          <a:lstStyle/>
+          <a:p>
+            <a:pPr algn="ctr"/>
+            <a:r>
+              <a:rPr lang="en-US" sz="2000" b="0" cap="none" spc="0" dirty="0" smtClean="0">
+                <a:ln w="0"/>
+                <a:solidFill>
+                  <a:schemeClr val="tx1"/>
+                </a:solidFill>
+                <a:effectLst>
+                  <a:outerShdw blurRad="38100" dist="19050" dir="2700000" algn="tl" rotWithShape="0">
+                    <a:schemeClr val="dk1">
+                      <a:alpha val="40000"/>
+                    </a:schemeClr>
+                  </a:outerShdw>
+                </a:effectLst>
+              </a:rPr>
+              <a:t>Reporter : cover the news</a:t>
+            </a:r>
+            <a:endParaRPr lang="en-US" sz="2000" b="0" cap="none" spc="0" dirty="0">
+              <a:ln w="0"/>
+              <a:solidFill>
+                <a:schemeClr val="tx1"/>
+              </a:solidFill>
+              <a:effectLst>
+                <a:outerShdw blurRad="38100" dist="19050" dir="2700000" algn="tl" rotWithShape="0">
+                  <a:schemeClr val="dk1">
+                    <a:alpha val="40000"/>
+                  </a:schemeClr>
+                </a:outerShdw>
+              </a:effectLst>
+            </a:endParaRPr>
+          </a:p>
+        </p:txBody>
+      </p:sp>
+      <p:pic>
+        <p:nvPicPr>
+          <p:cNvPr id="18" name="Picture 17"/>
+          <p:cNvPicPr>
+            <a:picLocks noChangeAspect="1"/>
+          </p:cNvPicPr>
+          <p:nvPr/>
+        </p:nvPicPr>
+        <p:blipFill>
+          <a:blip r:embed="rId5">
+            <a:extLst>
+              <a:ext uri="{28A0092B-C50C-407E-A947-70E740481C1C}">
+                <a14:useLocalDpi xmlns:a14="http://schemas.microsoft.com/office/drawing/2010/main" val="0"/>
+              </a:ext>
+            </a:extLst>
+          </a:blip>
+          <a:stretch>
+            <a:fillRect/>
+          </a:stretch>
+        </p:blipFill>
+        <p:spPr>
+          <a:xfrm>
+            <a:off x="4591562" y="1550459"/>
+            <a:ext cx="1711188" cy="1205980"/>
           </a:xfrm>
           <a:prstGeom prst="rect">
             <a:avLst/>
@@ -8875,28 +10335,28 @@
       </p:pic>
       <p:grpSp>
         <p:nvGrpSpPr>
-          <p:cNvPr id="10" name="Group 9"/>
+          <p:cNvPr id="19" name="Group 18"/>
           <p:cNvGrpSpPr/>
           <p:nvPr/>
         </p:nvGrpSpPr>
         <p:grpSpPr>
           <a:xfrm>
-            <a:off x="7389812" y="1358685"/>
-            <a:ext cx="2614100" cy="2614100"/>
+            <a:off x="7478921" y="2317190"/>
+            <a:ext cx="937700" cy="1117326"/>
             <a:chOff x="7389812" y="1358685"/>
             <a:chExt cx="2614100" cy="2614100"/>
           </a:xfrm>
         </p:grpSpPr>
         <p:pic>
           <p:nvPicPr>
-            <p:cNvPr id="6" name="Picture 5"/>
+            <p:cNvPr id="20" name="Picture 19"/>
             <p:cNvPicPr>
               <a:picLocks noChangeAspect="1"/>
             </p:cNvPicPr>
             <p:nvPr/>
           </p:nvPicPr>
           <p:blipFill>
-            <a:blip r:embed="rId4">
+            <a:blip r:embed="rId6" cstate="print">
               <a:extLst>
                 <a:ext uri="{28A0092B-C50C-407E-A947-70E740481C1C}">
                   <a14:useLocalDpi xmlns:a14="http://schemas.microsoft.com/office/drawing/2010/main" val="0"/>
@@ -8919,14 +10379,14 @@
         </p:pic>
         <p:pic>
           <p:nvPicPr>
-            <p:cNvPr id="7" name="Picture 6"/>
+            <p:cNvPr id="21" name="Picture 20"/>
             <p:cNvPicPr>
               <a:picLocks noChangeAspect="1"/>
             </p:cNvPicPr>
             <p:nvPr/>
           </p:nvPicPr>
           <p:blipFill>
-            <a:blip r:embed="rId5" cstate="print">
+            <a:blip r:embed="rId7" cstate="print">
               <a:extLst>
                 <a:ext uri="{28A0092B-C50C-407E-A947-70E740481C1C}">
                   <a14:useLocalDpi xmlns:a14="http://schemas.microsoft.com/office/drawing/2010/main" val="0"/>
@@ -8948,105 +10408,23 @@
           </p:spPr>
         </p:pic>
       </p:grpSp>
-      <p:sp>
-        <p:nvSpPr>
-          <p:cNvPr id="8" name="Right Arrow 7"/>
-          <p:cNvSpPr/>
-          <p:nvPr/>
-        </p:nvSpPr>
-        <p:spPr>
-          <a:xfrm rot="1412354">
-            <a:off x="2210546" y="3430676"/>
-            <a:ext cx="1038225" cy="609600"/>
-          </a:xfrm>
-          <a:prstGeom prst="rightArrow">
-            <a:avLst/>
-          </a:prstGeom>
-          <a:ln>
-            <a:noFill/>
-          </a:ln>
-        </p:spPr>
-        <p:style>
-          <a:lnRef idx="1">
-            <a:schemeClr val="accent2"/>
-          </a:lnRef>
-          <a:fillRef idx="2">
-            <a:schemeClr val="accent2"/>
-          </a:fillRef>
-          <a:effectRef idx="1">
-            <a:schemeClr val="accent2"/>
-          </a:effectRef>
-          <a:fontRef idx="minor">
-            <a:schemeClr val="dk1"/>
-          </a:fontRef>
-        </p:style>
-        <p:txBody>
-          <a:bodyPr rtlCol="0" anchor="ctr"/>
-          <a:lstStyle/>
-          <a:p>
-            <a:pPr algn="ctr"/>
-            <a:endParaRPr lang="en-US" dirty="0"/>
-          </a:p>
-        </p:txBody>
-      </p:sp>
-      <p:sp>
-        <p:nvSpPr>
-          <p:cNvPr id="9" name="Right Arrow 8"/>
-          <p:cNvSpPr/>
-          <p:nvPr/>
-        </p:nvSpPr>
-        <p:spPr>
-          <a:xfrm rot="18998689">
-            <a:off x="6870700" y="4257613"/>
-            <a:ext cx="1038225" cy="609600"/>
-          </a:xfrm>
-          <a:prstGeom prst="rightArrow">
-            <a:avLst/>
-          </a:prstGeom>
-          <a:ln>
-            <a:noFill/>
-          </a:ln>
-        </p:spPr>
-        <p:style>
-          <a:lnRef idx="1">
-            <a:schemeClr val="accent2"/>
-          </a:lnRef>
-          <a:fillRef idx="2">
-            <a:schemeClr val="accent2"/>
-          </a:fillRef>
-          <a:effectRef idx="1">
-            <a:schemeClr val="accent2"/>
-          </a:effectRef>
-          <a:fontRef idx="minor">
-            <a:schemeClr val="dk1"/>
-          </a:fontRef>
-        </p:style>
-        <p:txBody>
-          <a:bodyPr rtlCol="0" anchor="ctr"/>
-          <a:lstStyle/>
-          <a:p>
-            <a:pPr algn="ctr"/>
-            <a:endParaRPr lang="en-US" dirty="0"/>
-          </a:p>
-        </p:txBody>
-      </p:sp>
     </p:spTree>
     <p:extLst>
       <p:ext uri="{BB962C8B-B14F-4D97-AF65-F5344CB8AC3E}">
-        <p14:creationId xmlns:p14="http://schemas.microsoft.com/office/powerpoint/2010/main" val="428532986"/>
+        <p14:creationId xmlns:p14="http://schemas.microsoft.com/office/powerpoint/2010/main" val="1835035111"/>
       </p:ext>
     </p:extLst>
   </p:cSld>
   <p:clrMapOvr>
     <a:masterClrMapping/>
   </p:clrMapOvr>
-  <mc:AlternateContent xmlns:mc="http://schemas.openxmlformats.org/markup-compatibility/2006" xmlns:p14="http://schemas.microsoft.com/office/powerpoint/2010/main">
-    <mc:Choice Requires="p14">
+  <mc:AlternateContent xmlns:mc="http://schemas.openxmlformats.org/markup-compatibility/2006">
+    <mc:Choice xmlns:p14="http://schemas.microsoft.com/office/powerpoint/2010/main" Requires="p14">
       <p:transition spd="med" p14:dur="700">
         <p:fade/>
       </p:transition>
     </mc:Choice>
-    <mc:Fallback xmlns="">
+    <mc:Fallback>
       <p:transition spd="med">
         <p:fade/>
       </p:transition>
@@ -9091,7 +10469,7 @@
         </p:nvSpPr>
         <p:spPr>
           <a:xfrm>
-            <a:off x="2551113" y="838200"/>
+            <a:off x="2593270" y="195792"/>
             <a:ext cx="5715000" cy="685800"/>
           </a:xfrm>
         </p:spPr>
@@ -9100,56 +10478,1256 @@
           <a:lstStyle/>
           <a:p>
             <a:r>
-              <a:rPr lang="en-US" b="0" dirty="0"/>
-              <a:t>HIERARCHY DIAGRAM</a:t>
+              <a:rPr lang="en-US" b="0" dirty="0" smtClean="0"/>
+              <a:t>SYSTEM HIERARCHY</a:t>
             </a:r>
             <a:endParaRPr lang="en-US" dirty="0"/>
           </a:p>
         </p:txBody>
       </p:sp>
-      <p:pic>
-        <p:nvPicPr>
-          <p:cNvPr id="2050" name="Picture 2" descr="Untitled.png"/>
-          <p:cNvPicPr>
-            <a:picLocks noGrp="1" noChangeAspect="1" noChangeArrowheads="1"/>
-          </p:cNvPicPr>
-          <p:nvPr>
-            <p:ph idx="1"/>
-          </p:nvPr>
-        </p:nvPicPr>
-        <p:blipFill>
-          <a:blip r:embed="rId2">
-            <a:extLst>
-              <a:ext uri="{28A0092B-C50C-407E-A947-70E740481C1C}">
-                <a14:useLocalDpi xmlns:a14="http://schemas.microsoft.com/office/drawing/2010/main" val="0"/>
-              </a:ext>
-            </a:extLst>
-          </a:blip>
-          <a:srcRect/>
-          <a:stretch>
-            <a:fillRect/>
-          </a:stretch>
-        </p:blipFill>
-        <p:spPr bwMode="auto">
+      <p:grpSp>
+        <p:nvGrpSpPr>
+          <p:cNvPr id="5" name="Group 4"/>
+          <p:cNvGrpSpPr/>
+          <p:nvPr/>
+        </p:nvGrpSpPr>
+        <p:grpSpPr>
           <a:xfrm>
-            <a:off x="2317319" y="2004744"/>
-            <a:ext cx="6182588" cy="3839111"/>
+            <a:off x="993071" y="990600"/>
+            <a:ext cx="7315199" cy="4953480"/>
+            <a:chOff x="-228600" y="0"/>
+            <a:chExt cx="8939445" cy="6858000"/>
           </a:xfrm>
-          <a:prstGeom prst="rect">
-            <a:avLst/>
-          </a:prstGeom>
-          <a:noFill/>
-          <a:extLst>
-            <a:ext uri="{909E8E84-426E-40DD-AFC4-6F175D3DCCD1}">
-              <a14:hiddenFill xmlns:a14="http://schemas.microsoft.com/office/drawing/2010/main">
+        </p:grpSpPr>
+        <p:cxnSp>
+          <p:nvCxnSpPr>
+            <p:cNvPr id="6" name="Straight Connector 5"/>
+            <p:cNvCxnSpPr/>
+            <p:nvPr/>
+          </p:nvCxnSpPr>
+          <p:spPr>
+            <a:xfrm>
+              <a:off x="4343400" y="4648200"/>
+              <a:ext cx="3733800" cy="1588"/>
+            </a:xfrm>
+            <a:prstGeom prst="line">
+              <a:avLst/>
+            </a:prstGeom>
+            <a:ln w="76200">
+              <a:solidFill>
+                <a:srgbClr val="FF0000"/>
+              </a:solidFill>
+            </a:ln>
+          </p:spPr>
+          <p:style>
+            <a:lnRef idx="1">
+              <a:schemeClr val="accent1"/>
+            </a:lnRef>
+            <a:fillRef idx="0">
+              <a:schemeClr val="accent1"/>
+            </a:fillRef>
+            <a:effectRef idx="0">
+              <a:schemeClr val="accent1"/>
+            </a:effectRef>
+            <a:fontRef idx="minor">
+              <a:schemeClr val="tx1"/>
+            </a:fontRef>
+          </p:style>
+        </p:cxnSp>
+        <p:cxnSp>
+          <p:nvCxnSpPr>
+            <p:cNvPr id="7" name="Straight Connector 6"/>
+            <p:cNvCxnSpPr/>
+            <p:nvPr/>
+          </p:nvCxnSpPr>
+          <p:spPr>
+            <a:xfrm rot="5400000">
+              <a:off x="4458097" y="4533503"/>
+              <a:ext cx="228600" cy="794"/>
+            </a:xfrm>
+            <a:prstGeom prst="line">
+              <a:avLst/>
+            </a:prstGeom>
+            <a:ln w="76200">
+              <a:solidFill>
+                <a:srgbClr val="FF0000"/>
+              </a:solidFill>
+              <a:headEnd type="none" w="med" len="med"/>
+              <a:tailEnd type="none" w="med" len="med"/>
+            </a:ln>
+          </p:spPr>
+          <p:style>
+            <a:lnRef idx="1">
+              <a:schemeClr val="accent1"/>
+            </a:lnRef>
+            <a:fillRef idx="0">
+              <a:schemeClr val="accent1"/>
+            </a:fillRef>
+            <a:effectRef idx="0">
+              <a:schemeClr val="accent1"/>
+            </a:effectRef>
+            <a:fontRef idx="minor">
+              <a:schemeClr val="tx1"/>
+            </a:fontRef>
+          </p:style>
+        </p:cxnSp>
+        <p:pic>
+          <p:nvPicPr>
+            <p:cNvPr id="8" name="Picture 7" descr="S70331-221123(1).jpg"/>
+            <p:cNvPicPr>
+              <a:picLocks noChangeAspect="1"/>
+            </p:cNvPicPr>
+            <p:nvPr/>
+          </p:nvPicPr>
+          <p:blipFill>
+            <a:blip r:embed="rId2" cstate="print"/>
+            <a:stretch>
+              <a:fillRect/>
+            </a:stretch>
+          </p:blipFill>
+          <p:spPr>
+            <a:xfrm flipH="1">
+              <a:off x="-228600" y="5181600"/>
+              <a:ext cx="1845657" cy="1295400"/>
+            </a:xfrm>
+            <a:prstGeom prst="rect">
+              <a:avLst/>
+            </a:prstGeom>
+          </p:spPr>
+        </p:pic>
+        <p:pic>
+          <p:nvPicPr>
+            <p:cNvPr id="9" name="Picture 8" descr="S70331-221143(1).jpg"/>
+            <p:cNvPicPr>
+              <a:picLocks noChangeAspect="1"/>
+            </p:cNvPicPr>
+            <p:nvPr/>
+          </p:nvPicPr>
+          <p:blipFill>
+            <a:blip r:embed="rId3" cstate="print"/>
+            <a:stretch>
+              <a:fillRect/>
+            </a:stretch>
+          </p:blipFill>
+          <p:spPr>
+            <a:xfrm flipH="1">
+              <a:off x="2667000" y="5029200"/>
+              <a:ext cx="1263650" cy="1371600"/>
+            </a:xfrm>
+            <a:prstGeom prst="rect">
+              <a:avLst/>
+            </a:prstGeom>
+          </p:spPr>
+        </p:pic>
+        <p:pic>
+          <p:nvPicPr>
+            <p:cNvPr id="10" name="Picture 9" descr="S70331-221201(1).jpg"/>
+            <p:cNvPicPr>
+              <a:picLocks noChangeAspect="1"/>
+            </p:cNvPicPr>
+            <p:nvPr/>
+          </p:nvPicPr>
+          <p:blipFill>
+            <a:blip r:embed="rId4" cstate="print"/>
+            <a:stretch>
+              <a:fillRect/>
+            </a:stretch>
+          </p:blipFill>
+          <p:spPr>
+            <a:xfrm flipH="1">
+              <a:off x="4876800" y="4800600"/>
+              <a:ext cx="1758922" cy="1619250"/>
+            </a:xfrm>
+            <a:prstGeom prst="rect">
+              <a:avLst/>
+            </a:prstGeom>
+          </p:spPr>
+        </p:pic>
+        <p:pic>
+          <p:nvPicPr>
+            <p:cNvPr id="11" name="Picture 10" descr="S70331-221212(1).jpg"/>
+            <p:cNvPicPr>
+              <a:picLocks noChangeAspect="1"/>
+            </p:cNvPicPr>
+            <p:nvPr/>
+          </p:nvPicPr>
+          <p:blipFill>
+            <a:blip r:embed="rId5" cstate="print"/>
+            <a:stretch>
+              <a:fillRect/>
+            </a:stretch>
+          </p:blipFill>
+          <p:spPr>
+            <a:xfrm flipH="1">
+              <a:off x="7315200" y="5029200"/>
+              <a:ext cx="1371600" cy="1257300"/>
+            </a:xfrm>
+            <a:prstGeom prst="rect">
+              <a:avLst/>
+            </a:prstGeom>
+          </p:spPr>
+        </p:pic>
+        <p:pic>
+          <p:nvPicPr>
+            <p:cNvPr id="12" name="Picture 11" descr="S70331-221226(1).jpg"/>
+            <p:cNvPicPr>
+              <a:picLocks noChangeAspect="1"/>
+            </p:cNvPicPr>
+            <p:nvPr/>
+          </p:nvPicPr>
+          <p:blipFill>
+            <a:blip r:embed="rId6" cstate="print"/>
+            <a:stretch>
+              <a:fillRect/>
+            </a:stretch>
+          </p:blipFill>
+          <p:spPr>
+            <a:xfrm>
+              <a:off x="3429000" y="2362200"/>
+              <a:ext cx="1930400" cy="1676400"/>
+            </a:xfrm>
+            <a:prstGeom prst="rect">
+              <a:avLst/>
+            </a:prstGeom>
+          </p:spPr>
+        </p:pic>
+        <p:pic>
+          <p:nvPicPr>
+            <p:cNvPr id="13" name="Picture 12" descr="S70331-223352(1).jpg"/>
+            <p:cNvPicPr>
+              <a:picLocks noChangeAspect="1"/>
+            </p:cNvPicPr>
+            <p:nvPr/>
+          </p:nvPicPr>
+          <p:blipFill>
+            <a:blip r:embed="rId7" cstate="print"/>
+            <a:stretch>
+              <a:fillRect/>
+            </a:stretch>
+          </p:blipFill>
+          <p:spPr>
+            <a:xfrm flipH="1">
+              <a:off x="3429000" y="0"/>
+              <a:ext cx="1981200" cy="1752600"/>
+            </a:xfrm>
+            <a:prstGeom prst="rect">
+              <a:avLst/>
+            </a:prstGeom>
+          </p:spPr>
+        </p:pic>
+        <p:sp>
+          <p:nvSpPr>
+            <p:cNvPr id="14" name="TextBox 36"/>
+            <p:cNvSpPr txBox="1"/>
+            <p:nvPr/>
+          </p:nvSpPr>
+          <p:spPr>
+            <a:xfrm>
+              <a:off x="228600" y="6488668"/>
+              <a:ext cx="1189108" cy="369332"/>
+            </a:xfrm>
+            <a:prstGeom prst="rect">
+              <a:avLst/>
+            </a:prstGeom>
+            <a:noFill/>
+          </p:spPr>
+          <p:txBody>
+            <a:bodyPr wrap="none" rtlCol="0">
+              <a:spAutoFit/>
+            </a:bodyPr>
+            <a:lstStyle>
+              <a:defPPr>
+                <a:defRPr lang="en-US"/>
+              </a:defPPr>
+              <a:lvl1pPr marL="0" algn="l" defTabSz="914400" rtl="0" eaLnBrk="1" latinLnBrk="0" hangingPunct="1">
+                <a:defRPr sz="1800" kern="1200">
+                  <a:solidFill>
+                    <a:schemeClr val="tx1"/>
+                  </a:solidFill>
+                  <a:latin typeface="+mn-lt"/>
+                  <a:ea typeface="+mn-ea"/>
+                  <a:cs typeface="+mn-cs"/>
+                </a:defRPr>
+              </a:lvl1pPr>
+              <a:lvl2pPr marL="457200" algn="l" defTabSz="914400" rtl="0" eaLnBrk="1" latinLnBrk="0" hangingPunct="1">
+                <a:defRPr sz="1800" kern="1200">
+                  <a:solidFill>
+                    <a:schemeClr val="tx1"/>
+                  </a:solidFill>
+                  <a:latin typeface="+mn-lt"/>
+                  <a:ea typeface="+mn-ea"/>
+                  <a:cs typeface="+mn-cs"/>
+                </a:defRPr>
+              </a:lvl2pPr>
+              <a:lvl3pPr marL="914400" algn="l" defTabSz="914400" rtl="0" eaLnBrk="1" latinLnBrk="0" hangingPunct="1">
+                <a:defRPr sz="1800" kern="1200">
+                  <a:solidFill>
+                    <a:schemeClr val="tx1"/>
+                  </a:solidFill>
+                  <a:latin typeface="+mn-lt"/>
+                  <a:ea typeface="+mn-ea"/>
+                  <a:cs typeface="+mn-cs"/>
+                </a:defRPr>
+              </a:lvl3pPr>
+              <a:lvl4pPr marL="1371600" algn="l" defTabSz="914400" rtl="0" eaLnBrk="1" latinLnBrk="0" hangingPunct="1">
+                <a:defRPr sz="1800" kern="1200">
+                  <a:solidFill>
+                    <a:schemeClr val="tx1"/>
+                  </a:solidFill>
+                  <a:latin typeface="+mn-lt"/>
+                  <a:ea typeface="+mn-ea"/>
+                  <a:cs typeface="+mn-cs"/>
+                </a:defRPr>
+              </a:lvl4pPr>
+              <a:lvl5pPr marL="1828800" algn="l" defTabSz="914400" rtl="0" eaLnBrk="1" latinLnBrk="0" hangingPunct="1">
+                <a:defRPr sz="1800" kern="1200">
+                  <a:solidFill>
+                    <a:schemeClr val="tx1"/>
+                  </a:solidFill>
+                  <a:latin typeface="+mn-lt"/>
+                  <a:ea typeface="+mn-ea"/>
+                  <a:cs typeface="+mn-cs"/>
+                </a:defRPr>
+              </a:lvl5pPr>
+              <a:lvl6pPr marL="2286000" algn="l" defTabSz="914400" rtl="0" eaLnBrk="1" latinLnBrk="0" hangingPunct="1">
+                <a:defRPr sz="1800" kern="1200">
+                  <a:solidFill>
+                    <a:schemeClr val="tx1"/>
+                  </a:solidFill>
+                  <a:latin typeface="+mn-lt"/>
+                  <a:ea typeface="+mn-ea"/>
+                  <a:cs typeface="+mn-cs"/>
+                </a:defRPr>
+              </a:lvl6pPr>
+              <a:lvl7pPr marL="2743200" algn="l" defTabSz="914400" rtl="0" eaLnBrk="1" latinLnBrk="0" hangingPunct="1">
+                <a:defRPr sz="1800" kern="1200">
+                  <a:solidFill>
+                    <a:schemeClr val="tx1"/>
+                  </a:solidFill>
+                  <a:latin typeface="+mn-lt"/>
+                  <a:ea typeface="+mn-ea"/>
+                  <a:cs typeface="+mn-cs"/>
+                </a:defRPr>
+              </a:lvl7pPr>
+              <a:lvl8pPr marL="3200400" algn="l" defTabSz="914400" rtl="0" eaLnBrk="1" latinLnBrk="0" hangingPunct="1">
+                <a:defRPr sz="1800" kern="1200">
+                  <a:solidFill>
+                    <a:schemeClr val="tx1"/>
+                  </a:solidFill>
+                  <a:latin typeface="+mn-lt"/>
+                  <a:ea typeface="+mn-ea"/>
+                  <a:cs typeface="+mn-cs"/>
+                </a:defRPr>
+              </a:lvl8pPr>
+              <a:lvl9pPr marL="3657600" algn="l" defTabSz="914400" rtl="0" eaLnBrk="1" latinLnBrk="0" hangingPunct="1">
+                <a:defRPr sz="1800" kern="1200">
+                  <a:solidFill>
+                    <a:schemeClr val="tx1"/>
+                  </a:solidFill>
+                  <a:latin typeface="+mn-lt"/>
+                  <a:ea typeface="+mn-ea"/>
+                  <a:cs typeface="+mn-cs"/>
+                </a:defRPr>
+              </a:lvl9pPr>
+            </a:lstStyle>
+            <a:p>
+              <a:r>
+                <a:rPr lang="en-US" b="1" dirty="0" smtClean="0">
+                  <a:solidFill>
+                    <a:srgbClr val="00B050"/>
+                  </a:solidFill>
+                </a:rPr>
+                <a:t>REPORTER</a:t>
+              </a:r>
+              <a:endParaRPr lang="en-US" b="1" dirty="0">
                 <a:solidFill>
-                  <a:srgbClr val="FFFFFF"/>
+                  <a:srgbClr val="00B050"/>
                 </a:solidFill>
-              </a14:hiddenFill>
-            </a:ext>
-          </a:extLst>
-        </p:spPr>
-      </p:pic>
+              </a:endParaRPr>
+            </a:p>
+          </p:txBody>
+        </p:sp>
+        <p:sp>
+          <p:nvSpPr>
+            <p:cNvPr id="15" name="TextBox 37"/>
+            <p:cNvSpPr txBox="1"/>
+            <p:nvPr/>
+          </p:nvSpPr>
+          <p:spPr>
+            <a:xfrm>
+              <a:off x="2667000" y="6488668"/>
+              <a:ext cx="1189108" cy="369332"/>
+            </a:xfrm>
+            <a:prstGeom prst="rect">
+              <a:avLst/>
+            </a:prstGeom>
+            <a:noFill/>
+          </p:spPr>
+          <p:txBody>
+            <a:bodyPr wrap="none" rtlCol="0">
+              <a:spAutoFit/>
+            </a:bodyPr>
+            <a:lstStyle>
+              <a:defPPr>
+                <a:defRPr lang="en-US"/>
+              </a:defPPr>
+              <a:lvl1pPr marL="0" algn="l" defTabSz="914400" rtl="0" eaLnBrk="1" latinLnBrk="0" hangingPunct="1">
+                <a:defRPr sz="1800" kern="1200">
+                  <a:solidFill>
+                    <a:schemeClr val="tx1"/>
+                  </a:solidFill>
+                  <a:latin typeface="+mn-lt"/>
+                  <a:ea typeface="+mn-ea"/>
+                  <a:cs typeface="+mn-cs"/>
+                </a:defRPr>
+              </a:lvl1pPr>
+              <a:lvl2pPr marL="457200" algn="l" defTabSz="914400" rtl="0" eaLnBrk="1" latinLnBrk="0" hangingPunct="1">
+                <a:defRPr sz="1800" kern="1200">
+                  <a:solidFill>
+                    <a:schemeClr val="tx1"/>
+                  </a:solidFill>
+                  <a:latin typeface="+mn-lt"/>
+                  <a:ea typeface="+mn-ea"/>
+                  <a:cs typeface="+mn-cs"/>
+                </a:defRPr>
+              </a:lvl2pPr>
+              <a:lvl3pPr marL="914400" algn="l" defTabSz="914400" rtl="0" eaLnBrk="1" latinLnBrk="0" hangingPunct="1">
+                <a:defRPr sz="1800" kern="1200">
+                  <a:solidFill>
+                    <a:schemeClr val="tx1"/>
+                  </a:solidFill>
+                  <a:latin typeface="+mn-lt"/>
+                  <a:ea typeface="+mn-ea"/>
+                  <a:cs typeface="+mn-cs"/>
+                </a:defRPr>
+              </a:lvl3pPr>
+              <a:lvl4pPr marL="1371600" algn="l" defTabSz="914400" rtl="0" eaLnBrk="1" latinLnBrk="0" hangingPunct="1">
+                <a:defRPr sz="1800" kern="1200">
+                  <a:solidFill>
+                    <a:schemeClr val="tx1"/>
+                  </a:solidFill>
+                  <a:latin typeface="+mn-lt"/>
+                  <a:ea typeface="+mn-ea"/>
+                  <a:cs typeface="+mn-cs"/>
+                </a:defRPr>
+              </a:lvl4pPr>
+              <a:lvl5pPr marL="1828800" algn="l" defTabSz="914400" rtl="0" eaLnBrk="1" latinLnBrk="0" hangingPunct="1">
+                <a:defRPr sz="1800" kern="1200">
+                  <a:solidFill>
+                    <a:schemeClr val="tx1"/>
+                  </a:solidFill>
+                  <a:latin typeface="+mn-lt"/>
+                  <a:ea typeface="+mn-ea"/>
+                  <a:cs typeface="+mn-cs"/>
+                </a:defRPr>
+              </a:lvl5pPr>
+              <a:lvl6pPr marL="2286000" algn="l" defTabSz="914400" rtl="0" eaLnBrk="1" latinLnBrk="0" hangingPunct="1">
+                <a:defRPr sz="1800" kern="1200">
+                  <a:solidFill>
+                    <a:schemeClr val="tx1"/>
+                  </a:solidFill>
+                  <a:latin typeface="+mn-lt"/>
+                  <a:ea typeface="+mn-ea"/>
+                  <a:cs typeface="+mn-cs"/>
+                </a:defRPr>
+              </a:lvl6pPr>
+              <a:lvl7pPr marL="2743200" algn="l" defTabSz="914400" rtl="0" eaLnBrk="1" latinLnBrk="0" hangingPunct="1">
+                <a:defRPr sz="1800" kern="1200">
+                  <a:solidFill>
+                    <a:schemeClr val="tx1"/>
+                  </a:solidFill>
+                  <a:latin typeface="+mn-lt"/>
+                  <a:ea typeface="+mn-ea"/>
+                  <a:cs typeface="+mn-cs"/>
+                </a:defRPr>
+              </a:lvl7pPr>
+              <a:lvl8pPr marL="3200400" algn="l" defTabSz="914400" rtl="0" eaLnBrk="1" latinLnBrk="0" hangingPunct="1">
+                <a:defRPr sz="1800" kern="1200">
+                  <a:solidFill>
+                    <a:schemeClr val="tx1"/>
+                  </a:solidFill>
+                  <a:latin typeface="+mn-lt"/>
+                  <a:ea typeface="+mn-ea"/>
+                  <a:cs typeface="+mn-cs"/>
+                </a:defRPr>
+              </a:lvl8pPr>
+              <a:lvl9pPr marL="3657600" algn="l" defTabSz="914400" rtl="0" eaLnBrk="1" latinLnBrk="0" hangingPunct="1">
+                <a:defRPr sz="1800" kern="1200">
+                  <a:solidFill>
+                    <a:schemeClr val="tx1"/>
+                  </a:solidFill>
+                  <a:latin typeface="+mn-lt"/>
+                  <a:ea typeface="+mn-ea"/>
+                  <a:cs typeface="+mn-cs"/>
+                </a:defRPr>
+              </a:lvl9pPr>
+            </a:lstStyle>
+            <a:p>
+              <a:r>
+                <a:rPr lang="en-US" b="1" dirty="0" smtClean="0">
+                  <a:solidFill>
+                    <a:srgbClr val="00B050"/>
+                  </a:solidFill>
+                </a:rPr>
+                <a:t>REPORTER</a:t>
+              </a:r>
+              <a:endParaRPr lang="en-US" b="1" dirty="0">
+                <a:solidFill>
+                  <a:srgbClr val="00B050"/>
+                </a:solidFill>
+              </a:endParaRPr>
+            </a:p>
+          </p:txBody>
+        </p:sp>
+        <p:sp>
+          <p:nvSpPr>
+            <p:cNvPr id="16" name="TextBox 38"/>
+            <p:cNvSpPr txBox="1"/>
+            <p:nvPr/>
+          </p:nvSpPr>
+          <p:spPr>
+            <a:xfrm>
+              <a:off x="7521737" y="6488668"/>
+              <a:ext cx="1189108" cy="369332"/>
+            </a:xfrm>
+            <a:prstGeom prst="rect">
+              <a:avLst/>
+            </a:prstGeom>
+            <a:noFill/>
+          </p:spPr>
+          <p:txBody>
+            <a:bodyPr wrap="none" rtlCol="0">
+              <a:spAutoFit/>
+            </a:bodyPr>
+            <a:lstStyle>
+              <a:defPPr>
+                <a:defRPr lang="en-US"/>
+              </a:defPPr>
+              <a:lvl1pPr marL="0" algn="l" defTabSz="914400" rtl="0" eaLnBrk="1" latinLnBrk="0" hangingPunct="1">
+                <a:defRPr sz="1800" kern="1200">
+                  <a:solidFill>
+                    <a:schemeClr val="tx1"/>
+                  </a:solidFill>
+                  <a:latin typeface="+mn-lt"/>
+                  <a:ea typeface="+mn-ea"/>
+                  <a:cs typeface="+mn-cs"/>
+                </a:defRPr>
+              </a:lvl1pPr>
+              <a:lvl2pPr marL="457200" algn="l" defTabSz="914400" rtl="0" eaLnBrk="1" latinLnBrk="0" hangingPunct="1">
+                <a:defRPr sz="1800" kern="1200">
+                  <a:solidFill>
+                    <a:schemeClr val="tx1"/>
+                  </a:solidFill>
+                  <a:latin typeface="+mn-lt"/>
+                  <a:ea typeface="+mn-ea"/>
+                  <a:cs typeface="+mn-cs"/>
+                </a:defRPr>
+              </a:lvl2pPr>
+              <a:lvl3pPr marL="914400" algn="l" defTabSz="914400" rtl="0" eaLnBrk="1" latinLnBrk="0" hangingPunct="1">
+                <a:defRPr sz="1800" kern="1200">
+                  <a:solidFill>
+                    <a:schemeClr val="tx1"/>
+                  </a:solidFill>
+                  <a:latin typeface="+mn-lt"/>
+                  <a:ea typeface="+mn-ea"/>
+                  <a:cs typeface="+mn-cs"/>
+                </a:defRPr>
+              </a:lvl3pPr>
+              <a:lvl4pPr marL="1371600" algn="l" defTabSz="914400" rtl="0" eaLnBrk="1" latinLnBrk="0" hangingPunct="1">
+                <a:defRPr sz="1800" kern="1200">
+                  <a:solidFill>
+                    <a:schemeClr val="tx1"/>
+                  </a:solidFill>
+                  <a:latin typeface="+mn-lt"/>
+                  <a:ea typeface="+mn-ea"/>
+                  <a:cs typeface="+mn-cs"/>
+                </a:defRPr>
+              </a:lvl4pPr>
+              <a:lvl5pPr marL="1828800" algn="l" defTabSz="914400" rtl="0" eaLnBrk="1" latinLnBrk="0" hangingPunct="1">
+                <a:defRPr sz="1800" kern="1200">
+                  <a:solidFill>
+                    <a:schemeClr val="tx1"/>
+                  </a:solidFill>
+                  <a:latin typeface="+mn-lt"/>
+                  <a:ea typeface="+mn-ea"/>
+                  <a:cs typeface="+mn-cs"/>
+                </a:defRPr>
+              </a:lvl5pPr>
+              <a:lvl6pPr marL="2286000" algn="l" defTabSz="914400" rtl="0" eaLnBrk="1" latinLnBrk="0" hangingPunct="1">
+                <a:defRPr sz="1800" kern="1200">
+                  <a:solidFill>
+                    <a:schemeClr val="tx1"/>
+                  </a:solidFill>
+                  <a:latin typeface="+mn-lt"/>
+                  <a:ea typeface="+mn-ea"/>
+                  <a:cs typeface="+mn-cs"/>
+                </a:defRPr>
+              </a:lvl6pPr>
+              <a:lvl7pPr marL="2743200" algn="l" defTabSz="914400" rtl="0" eaLnBrk="1" latinLnBrk="0" hangingPunct="1">
+                <a:defRPr sz="1800" kern="1200">
+                  <a:solidFill>
+                    <a:schemeClr val="tx1"/>
+                  </a:solidFill>
+                  <a:latin typeface="+mn-lt"/>
+                  <a:ea typeface="+mn-ea"/>
+                  <a:cs typeface="+mn-cs"/>
+                </a:defRPr>
+              </a:lvl7pPr>
+              <a:lvl8pPr marL="3200400" algn="l" defTabSz="914400" rtl="0" eaLnBrk="1" latinLnBrk="0" hangingPunct="1">
+                <a:defRPr sz="1800" kern="1200">
+                  <a:solidFill>
+                    <a:schemeClr val="tx1"/>
+                  </a:solidFill>
+                  <a:latin typeface="+mn-lt"/>
+                  <a:ea typeface="+mn-ea"/>
+                  <a:cs typeface="+mn-cs"/>
+                </a:defRPr>
+              </a:lvl8pPr>
+              <a:lvl9pPr marL="3657600" algn="l" defTabSz="914400" rtl="0" eaLnBrk="1" latinLnBrk="0" hangingPunct="1">
+                <a:defRPr sz="1800" kern="1200">
+                  <a:solidFill>
+                    <a:schemeClr val="tx1"/>
+                  </a:solidFill>
+                  <a:latin typeface="+mn-lt"/>
+                  <a:ea typeface="+mn-ea"/>
+                  <a:cs typeface="+mn-cs"/>
+                </a:defRPr>
+              </a:lvl9pPr>
+            </a:lstStyle>
+            <a:p>
+              <a:r>
+                <a:rPr lang="en-US" b="1" dirty="0" smtClean="0">
+                  <a:solidFill>
+                    <a:srgbClr val="00B050"/>
+                  </a:solidFill>
+                </a:rPr>
+                <a:t>REPORTER</a:t>
+              </a:r>
+              <a:endParaRPr lang="en-US" b="1" dirty="0">
+                <a:solidFill>
+                  <a:srgbClr val="00B050"/>
+                </a:solidFill>
+              </a:endParaRPr>
+            </a:p>
+          </p:txBody>
+        </p:sp>
+        <p:sp>
+          <p:nvSpPr>
+            <p:cNvPr id="17" name="TextBox 39"/>
+            <p:cNvSpPr txBox="1"/>
+            <p:nvPr/>
+          </p:nvSpPr>
+          <p:spPr>
+            <a:xfrm>
+              <a:off x="5257800" y="6488668"/>
+              <a:ext cx="1189108" cy="369332"/>
+            </a:xfrm>
+            <a:prstGeom prst="rect">
+              <a:avLst/>
+            </a:prstGeom>
+            <a:noFill/>
+          </p:spPr>
+          <p:txBody>
+            <a:bodyPr wrap="none" rtlCol="0">
+              <a:spAutoFit/>
+            </a:bodyPr>
+            <a:lstStyle>
+              <a:defPPr>
+                <a:defRPr lang="en-US"/>
+              </a:defPPr>
+              <a:lvl1pPr marL="0" algn="l" defTabSz="914400" rtl="0" eaLnBrk="1" latinLnBrk="0" hangingPunct="1">
+                <a:defRPr sz="1800" kern="1200">
+                  <a:solidFill>
+                    <a:schemeClr val="tx1"/>
+                  </a:solidFill>
+                  <a:latin typeface="+mn-lt"/>
+                  <a:ea typeface="+mn-ea"/>
+                  <a:cs typeface="+mn-cs"/>
+                </a:defRPr>
+              </a:lvl1pPr>
+              <a:lvl2pPr marL="457200" algn="l" defTabSz="914400" rtl="0" eaLnBrk="1" latinLnBrk="0" hangingPunct="1">
+                <a:defRPr sz="1800" kern="1200">
+                  <a:solidFill>
+                    <a:schemeClr val="tx1"/>
+                  </a:solidFill>
+                  <a:latin typeface="+mn-lt"/>
+                  <a:ea typeface="+mn-ea"/>
+                  <a:cs typeface="+mn-cs"/>
+                </a:defRPr>
+              </a:lvl2pPr>
+              <a:lvl3pPr marL="914400" algn="l" defTabSz="914400" rtl="0" eaLnBrk="1" latinLnBrk="0" hangingPunct="1">
+                <a:defRPr sz="1800" kern="1200">
+                  <a:solidFill>
+                    <a:schemeClr val="tx1"/>
+                  </a:solidFill>
+                  <a:latin typeface="+mn-lt"/>
+                  <a:ea typeface="+mn-ea"/>
+                  <a:cs typeface="+mn-cs"/>
+                </a:defRPr>
+              </a:lvl3pPr>
+              <a:lvl4pPr marL="1371600" algn="l" defTabSz="914400" rtl="0" eaLnBrk="1" latinLnBrk="0" hangingPunct="1">
+                <a:defRPr sz="1800" kern="1200">
+                  <a:solidFill>
+                    <a:schemeClr val="tx1"/>
+                  </a:solidFill>
+                  <a:latin typeface="+mn-lt"/>
+                  <a:ea typeface="+mn-ea"/>
+                  <a:cs typeface="+mn-cs"/>
+                </a:defRPr>
+              </a:lvl4pPr>
+              <a:lvl5pPr marL="1828800" algn="l" defTabSz="914400" rtl="0" eaLnBrk="1" latinLnBrk="0" hangingPunct="1">
+                <a:defRPr sz="1800" kern="1200">
+                  <a:solidFill>
+                    <a:schemeClr val="tx1"/>
+                  </a:solidFill>
+                  <a:latin typeface="+mn-lt"/>
+                  <a:ea typeface="+mn-ea"/>
+                  <a:cs typeface="+mn-cs"/>
+                </a:defRPr>
+              </a:lvl5pPr>
+              <a:lvl6pPr marL="2286000" algn="l" defTabSz="914400" rtl="0" eaLnBrk="1" latinLnBrk="0" hangingPunct="1">
+                <a:defRPr sz="1800" kern="1200">
+                  <a:solidFill>
+                    <a:schemeClr val="tx1"/>
+                  </a:solidFill>
+                  <a:latin typeface="+mn-lt"/>
+                  <a:ea typeface="+mn-ea"/>
+                  <a:cs typeface="+mn-cs"/>
+                </a:defRPr>
+              </a:lvl6pPr>
+              <a:lvl7pPr marL="2743200" algn="l" defTabSz="914400" rtl="0" eaLnBrk="1" latinLnBrk="0" hangingPunct="1">
+                <a:defRPr sz="1800" kern="1200">
+                  <a:solidFill>
+                    <a:schemeClr val="tx1"/>
+                  </a:solidFill>
+                  <a:latin typeface="+mn-lt"/>
+                  <a:ea typeface="+mn-ea"/>
+                  <a:cs typeface="+mn-cs"/>
+                </a:defRPr>
+              </a:lvl7pPr>
+              <a:lvl8pPr marL="3200400" algn="l" defTabSz="914400" rtl="0" eaLnBrk="1" latinLnBrk="0" hangingPunct="1">
+                <a:defRPr sz="1800" kern="1200">
+                  <a:solidFill>
+                    <a:schemeClr val="tx1"/>
+                  </a:solidFill>
+                  <a:latin typeface="+mn-lt"/>
+                  <a:ea typeface="+mn-ea"/>
+                  <a:cs typeface="+mn-cs"/>
+                </a:defRPr>
+              </a:lvl8pPr>
+              <a:lvl9pPr marL="3657600" algn="l" defTabSz="914400" rtl="0" eaLnBrk="1" latinLnBrk="0" hangingPunct="1">
+                <a:defRPr sz="1800" kern="1200">
+                  <a:solidFill>
+                    <a:schemeClr val="tx1"/>
+                  </a:solidFill>
+                  <a:latin typeface="+mn-lt"/>
+                  <a:ea typeface="+mn-ea"/>
+                  <a:cs typeface="+mn-cs"/>
+                </a:defRPr>
+              </a:lvl9pPr>
+            </a:lstStyle>
+            <a:p>
+              <a:r>
+                <a:rPr lang="en-US" b="1" dirty="0" smtClean="0">
+                  <a:solidFill>
+                    <a:srgbClr val="00B050"/>
+                  </a:solidFill>
+                </a:rPr>
+                <a:t>REPORTER</a:t>
+              </a:r>
+              <a:endParaRPr lang="en-US" b="1" dirty="0">
+                <a:solidFill>
+                  <a:srgbClr val="00B050"/>
+                </a:solidFill>
+              </a:endParaRPr>
+            </a:p>
+          </p:txBody>
+        </p:sp>
+        <p:sp>
+          <p:nvSpPr>
+            <p:cNvPr id="18" name="TextBox 40"/>
+            <p:cNvSpPr txBox="1"/>
+            <p:nvPr/>
+          </p:nvSpPr>
+          <p:spPr>
+            <a:xfrm>
+              <a:off x="3276600" y="4038600"/>
+              <a:ext cx="2254335" cy="369332"/>
+            </a:xfrm>
+            <a:prstGeom prst="rect">
+              <a:avLst/>
+            </a:prstGeom>
+            <a:noFill/>
+          </p:spPr>
+          <p:txBody>
+            <a:bodyPr wrap="none" rtlCol="0">
+              <a:spAutoFit/>
+            </a:bodyPr>
+            <a:lstStyle>
+              <a:defPPr>
+                <a:defRPr lang="en-US"/>
+              </a:defPPr>
+              <a:lvl1pPr marL="0" algn="l" defTabSz="914400" rtl="0" eaLnBrk="1" latinLnBrk="0" hangingPunct="1">
+                <a:defRPr sz="1800" kern="1200">
+                  <a:solidFill>
+                    <a:schemeClr val="tx1"/>
+                  </a:solidFill>
+                  <a:latin typeface="+mn-lt"/>
+                  <a:ea typeface="+mn-ea"/>
+                  <a:cs typeface="+mn-cs"/>
+                </a:defRPr>
+              </a:lvl1pPr>
+              <a:lvl2pPr marL="457200" algn="l" defTabSz="914400" rtl="0" eaLnBrk="1" latinLnBrk="0" hangingPunct="1">
+                <a:defRPr sz="1800" kern="1200">
+                  <a:solidFill>
+                    <a:schemeClr val="tx1"/>
+                  </a:solidFill>
+                  <a:latin typeface="+mn-lt"/>
+                  <a:ea typeface="+mn-ea"/>
+                  <a:cs typeface="+mn-cs"/>
+                </a:defRPr>
+              </a:lvl2pPr>
+              <a:lvl3pPr marL="914400" algn="l" defTabSz="914400" rtl="0" eaLnBrk="1" latinLnBrk="0" hangingPunct="1">
+                <a:defRPr sz="1800" kern="1200">
+                  <a:solidFill>
+                    <a:schemeClr val="tx1"/>
+                  </a:solidFill>
+                  <a:latin typeface="+mn-lt"/>
+                  <a:ea typeface="+mn-ea"/>
+                  <a:cs typeface="+mn-cs"/>
+                </a:defRPr>
+              </a:lvl3pPr>
+              <a:lvl4pPr marL="1371600" algn="l" defTabSz="914400" rtl="0" eaLnBrk="1" latinLnBrk="0" hangingPunct="1">
+                <a:defRPr sz="1800" kern="1200">
+                  <a:solidFill>
+                    <a:schemeClr val="tx1"/>
+                  </a:solidFill>
+                  <a:latin typeface="+mn-lt"/>
+                  <a:ea typeface="+mn-ea"/>
+                  <a:cs typeface="+mn-cs"/>
+                </a:defRPr>
+              </a:lvl4pPr>
+              <a:lvl5pPr marL="1828800" algn="l" defTabSz="914400" rtl="0" eaLnBrk="1" latinLnBrk="0" hangingPunct="1">
+                <a:defRPr sz="1800" kern="1200">
+                  <a:solidFill>
+                    <a:schemeClr val="tx1"/>
+                  </a:solidFill>
+                  <a:latin typeface="+mn-lt"/>
+                  <a:ea typeface="+mn-ea"/>
+                  <a:cs typeface="+mn-cs"/>
+                </a:defRPr>
+              </a:lvl5pPr>
+              <a:lvl6pPr marL="2286000" algn="l" defTabSz="914400" rtl="0" eaLnBrk="1" latinLnBrk="0" hangingPunct="1">
+                <a:defRPr sz="1800" kern="1200">
+                  <a:solidFill>
+                    <a:schemeClr val="tx1"/>
+                  </a:solidFill>
+                  <a:latin typeface="+mn-lt"/>
+                  <a:ea typeface="+mn-ea"/>
+                  <a:cs typeface="+mn-cs"/>
+                </a:defRPr>
+              </a:lvl6pPr>
+              <a:lvl7pPr marL="2743200" algn="l" defTabSz="914400" rtl="0" eaLnBrk="1" latinLnBrk="0" hangingPunct="1">
+                <a:defRPr sz="1800" kern="1200">
+                  <a:solidFill>
+                    <a:schemeClr val="tx1"/>
+                  </a:solidFill>
+                  <a:latin typeface="+mn-lt"/>
+                  <a:ea typeface="+mn-ea"/>
+                  <a:cs typeface="+mn-cs"/>
+                </a:defRPr>
+              </a:lvl7pPr>
+              <a:lvl8pPr marL="3200400" algn="l" defTabSz="914400" rtl="0" eaLnBrk="1" latinLnBrk="0" hangingPunct="1">
+                <a:defRPr sz="1800" kern="1200">
+                  <a:solidFill>
+                    <a:schemeClr val="tx1"/>
+                  </a:solidFill>
+                  <a:latin typeface="+mn-lt"/>
+                  <a:ea typeface="+mn-ea"/>
+                  <a:cs typeface="+mn-cs"/>
+                </a:defRPr>
+              </a:lvl8pPr>
+              <a:lvl9pPr marL="3657600" algn="l" defTabSz="914400" rtl="0" eaLnBrk="1" latinLnBrk="0" hangingPunct="1">
+                <a:defRPr sz="1800" kern="1200">
+                  <a:solidFill>
+                    <a:schemeClr val="tx1"/>
+                  </a:solidFill>
+                  <a:latin typeface="+mn-lt"/>
+                  <a:ea typeface="+mn-ea"/>
+                  <a:cs typeface="+mn-cs"/>
+                </a:defRPr>
+              </a:lvl9pPr>
+            </a:lstStyle>
+            <a:p>
+              <a:r>
+                <a:rPr lang="en-US" b="1" dirty="0" smtClean="0">
+                  <a:solidFill>
+                    <a:srgbClr val="00B050"/>
+                  </a:solidFill>
+                </a:rPr>
+                <a:t>NEWS COORDINATOR</a:t>
+              </a:r>
+              <a:endParaRPr lang="en-US" b="1" dirty="0">
+                <a:solidFill>
+                  <a:srgbClr val="00B050"/>
+                </a:solidFill>
+              </a:endParaRPr>
+            </a:p>
+          </p:txBody>
+        </p:sp>
+        <p:sp>
+          <p:nvSpPr>
+            <p:cNvPr id="19" name="TextBox 41"/>
+            <p:cNvSpPr txBox="1"/>
+            <p:nvPr/>
+          </p:nvSpPr>
+          <p:spPr>
+            <a:xfrm>
+              <a:off x="3581400" y="1524000"/>
+              <a:ext cx="1781257" cy="369332"/>
+            </a:xfrm>
+            <a:prstGeom prst="rect">
+              <a:avLst/>
+            </a:prstGeom>
+            <a:noFill/>
+          </p:spPr>
+          <p:txBody>
+            <a:bodyPr wrap="none" rtlCol="0">
+              <a:spAutoFit/>
+            </a:bodyPr>
+            <a:lstStyle>
+              <a:defPPr>
+                <a:defRPr lang="en-US"/>
+              </a:defPPr>
+              <a:lvl1pPr marL="0" algn="l" defTabSz="914400" rtl="0" eaLnBrk="1" latinLnBrk="0" hangingPunct="1">
+                <a:defRPr sz="1800" kern="1200">
+                  <a:solidFill>
+                    <a:schemeClr val="tx1"/>
+                  </a:solidFill>
+                  <a:latin typeface="+mn-lt"/>
+                  <a:ea typeface="+mn-ea"/>
+                  <a:cs typeface="+mn-cs"/>
+                </a:defRPr>
+              </a:lvl1pPr>
+              <a:lvl2pPr marL="457200" algn="l" defTabSz="914400" rtl="0" eaLnBrk="1" latinLnBrk="0" hangingPunct="1">
+                <a:defRPr sz="1800" kern="1200">
+                  <a:solidFill>
+                    <a:schemeClr val="tx1"/>
+                  </a:solidFill>
+                  <a:latin typeface="+mn-lt"/>
+                  <a:ea typeface="+mn-ea"/>
+                  <a:cs typeface="+mn-cs"/>
+                </a:defRPr>
+              </a:lvl2pPr>
+              <a:lvl3pPr marL="914400" algn="l" defTabSz="914400" rtl="0" eaLnBrk="1" latinLnBrk="0" hangingPunct="1">
+                <a:defRPr sz="1800" kern="1200">
+                  <a:solidFill>
+                    <a:schemeClr val="tx1"/>
+                  </a:solidFill>
+                  <a:latin typeface="+mn-lt"/>
+                  <a:ea typeface="+mn-ea"/>
+                  <a:cs typeface="+mn-cs"/>
+                </a:defRPr>
+              </a:lvl3pPr>
+              <a:lvl4pPr marL="1371600" algn="l" defTabSz="914400" rtl="0" eaLnBrk="1" latinLnBrk="0" hangingPunct="1">
+                <a:defRPr sz="1800" kern="1200">
+                  <a:solidFill>
+                    <a:schemeClr val="tx1"/>
+                  </a:solidFill>
+                  <a:latin typeface="+mn-lt"/>
+                  <a:ea typeface="+mn-ea"/>
+                  <a:cs typeface="+mn-cs"/>
+                </a:defRPr>
+              </a:lvl4pPr>
+              <a:lvl5pPr marL="1828800" algn="l" defTabSz="914400" rtl="0" eaLnBrk="1" latinLnBrk="0" hangingPunct="1">
+                <a:defRPr sz="1800" kern="1200">
+                  <a:solidFill>
+                    <a:schemeClr val="tx1"/>
+                  </a:solidFill>
+                  <a:latin typeface="+mn-lt"/>
+                  <a:ea typeface="+mn-ea"/>
+                  <a:cs typeface="+mn-cs"/>
+                </a:defRPr>
+              </a:lvl5pPr>
+              <a:lvl6pPr marL="2286000" algn="l" defTabSz="914400" rtl="0" eaLnBrk="1" latinLnBrk="0" hangingPunct="1">
+                <a:defRPr sz="1800" kern="1200">
+                  <a:solidFill>
+                    <a:schemeClr val="tx1"/>
+                  </a:solidFill>
+                  <a:latin typeface="+mn-lt"/>
+                  <a:ea typeface="+mn-ea"/>
+                  <a:cs typeface="+mn-cs"/>
+                </a:defRPr>
+              </a:lvl6pPr>
+              <a:lvl7pPr marL="2743200" algn="l" defTabSz="914400" rtl="0" eaLnBrk="1" latinLnBrk="0" hangingPunct="1">
+                <a:defRPr sz="1800" kern="1200">
+                  <a:solidFill>
+                    <a:schemeClr val="tx1"/>
+                  </a:solidFill>
+                  <a:latin typeface="+mn-lt"/>
+                  <a:ea typeface="+mn-ea"/>
+                  <a:cs typeface="+mn-cs"/>
+                </a:defRPr>
+              </a:lvl7pPr>
+              <a:lvl8pPr marL="3200400" algn="l" defTabSz="914400" rtl="0" eaLnBrk="1" latinLnBrk="0" hangingPunct="1">
+                <a:defRPr sz="1800" kern="1200">
+                  <a:solidFill>
+                    <a:schemeClr val="tx1"/>
+                  </a:solidFill>
+                  <a:latin typeface="+mn-lt"/>
+                  <a:ea typeface="+mn-ea"/>
+                  <a:cs typeface="+mn-cs"/>
+                </a:defRPr>
+              </a:lvl8pPr>
+              <a:lvl9pPr marL="3657600" algn="l" defTabSz="914400" rtl="0" eaLnBrk="1" latinLnBrk="0" hangingPunct="1">
+                <a:defRPr sz="1800" kern="1200">
+                  <a:solidFill>
+                    <a:schemeClr val="tx1"/>
+                  </a:solidFill>
+                  <a:latin typeface="+mn-lt"/>
+                  <a:ea typeface="+mn-ea"/>
+                  <a:cs typeface="+mn-cs"/>
+                </a:defRPr>
+              </a:lvl9pPr>
+            </a:lstStyle>
+            <a:p>
+              <a:r>
+                <a:rPr lang="en-US" b="1" dirty="0" smtClean="0">
+                  <a:solidFill>
+                    <a:srgbClr val="00B050"/>
+                  </a:solidFill>
+                </a:rPr>
+                <a:t>NEWS DIRECTOR</a:t>
+              </a:r>
+              <a:endParaRPr lang="en-US" b="1" dirty="0">
+                <a:solidFill>
+                  <a:srgbClr val="00B050"/>
+                </a:solidFill>
+              </a:endParaRPr>
+            </a:p>
+          </p:txBody>
+        </p:sp>
+        <p:cxnSp>
+          <p:nvCxnSpPr>
+            <p:cNvPr id="20" name="Straight Connector 19"/>
+            <p:cNvCxnSpPr/>
+            <p:nvPr/>
+          </p:nvCxnSpPr>
+          <p:spPr>
+            <a:xfrm rot="5400000">
+              <a:off x="4185961" y="2062440"/>
+              <a:ext cx="468867" cy="1588"/>
+            </a:xfrm>
+            <a:prstGeom prst="line">
+              <a:avLst/>
+            </a:prstGeom>
+            <a:ln w="76200">
+              <a:solidFill>
+                <a:srgbClr val="FF0000"/>
+              </a:solidFill>
+              <a:headEnd type="none" w="med" len="med"/>
+              <a:tailEnd type="triangle" w="med" len="med"/>
+            </a:ln>
+          </p:spPr>
+          <p:style>
+            <a:lnRef idx="1">
+              <a:schemeClr val="accent1"/>
+            </a:lnRef>
+            <a:fillRef idx="0">
+              <a:schemeClr val="accent1"/>
+            </a:fillRef>
+            <a:effectRef idx="0">
+              <a:schemeClr val="accent1"/>
+            </a:effectRef>
+            <a:fontRef idx="minor">
+              <a:schemeClr val="tx1"/>
+            </a:fontRef>
+          </p:style>
+        </p:cxnSp>
+        <p:cxnSp>
+          <p:nvCxnSpPr>
+            <p:cNvPr id="21" name="Straight Connector 20"/>
+            <p:cNvCxnSpPr/>
+            <p:nvPr/>
+          </p:nvCxnSpPr>
+          <p:spPr>
+            <a:xfrm>
+              <a:off x="685800" y="4648200"/>
+              <a:ext cx="3733800" cy="1588"/>
+            </a:xfrm>
+            <a:prstGeom prst="line">
+              <a:avLst/>
+            </a:prstGeom>
+            <a:ln w="76200">
+              <a:solidFill>
+                <a:srgbClr val="FF0000"/>
+              </a:solidFill>
+            </a:ln>
+          </p:spPr>
+          <p:style>
+            <a:lnRef idx="1">
+              <a:schemeClr val="accent1"/>
+            </a:lnRef>
+            <a:fillRef idx="0">
+              <a:schemeClr val="accent1"/>
+            </a:fillRef>
+            <a:effectRef idx="0">
+              <a:schemeClr val="accent1"/>
+            </a:effectRef>
+            <a:fontRef idx="minor">
+              <a:schemeClr val="tx1"/>
+            </a:fontRef>
+          </p:style>
+        </p:cxnSp>
+        <p:cxnSp>
+          <p:nvCxnSpPr>
+            <p:cNvPr id="22" name="Straight Connector 21"/>
+            <p:cNvCxnSpPr/>
+            <p:nvPr/>
+          </p:nvCxnSpPr>
+          <p:spPr>
+            <a:xfrm rot="5400000">
+              <a:off x="7773194" y="4876006"/>
+              <a:ext cx="457200" cy="1588"/>
+            </a:xfrm>
+            <a:prstGeom prst="line">
+              <a:avLst/>
+            </a:prstGeom>
+            <a:ln w="76200">
+              <a:solidFill>
+                <a:srgbClr val="FF0000"/>
+              </a:solidFill>
+              <a:headEnd type="none" w="med" len="med"/>
+              <a:tailEnd type="triangle" w="med" len="med"/>
+            </a:ln>
+          </p:spPr>
+          <p:style>
+            <a:lnRef idx="1">
+              <a:schemeClr val="accent1"/>
+            </a:lnRef>
+            <a:fillRef idx="0">
+              <a:schemeClr val="accent1"/>
+            </a:fillRef>
+            <a:effectRef idx="0">
+              <a:schemeClr val="accent1"/>
+            </a:effectRef>
+            <a:fontRef idx="minor">
+              <a:schemeClr val="tx1"/>
+            </a:fontRef>
+          </p:style>
+        </p:cxnSp>
+        <p:cxnSp>
+          <p:nvCxnSpPr>
+            <p:cNvPr id="23" name="Straight Connector 22"/>
+            <p:cNvCxnSpPr/>
+            <p:nvPr/>
+          </p:nvCxnSpPr>
+          <p:spPr>
+            <a:xfrm rot="5400000">
+              <a:off x="3048794" y="4876006"/>
+              <a:ext cx="457200" cy="1588"/>
+            </a:xfrm>
+            <a:prstGeom prst="line">
+              <a:avLst/>
+            </a:prstGeom>
+            <a:ln w="76200">
+              <a:solidFill>
+                <a:srgbClr val="FF0000"/>
+              </a:solidFill>
+              <a:headEnd type="none" w="med" len="med"/>
+              <a:tailEnd type="triangle" w="med" len="med"/>
+            </a:ln>
+          </p:spPr>
+          <p:style>
+            <a:lnRef idx="1">
+              <a:schemeClr val="accent1"/>
+            </a:lnRef>
+            <a:fillRef idx="0">
+              <a:schemeClr val="accent1"/>
+            </a:fillRef>
+            <a:effectRef idx="0">
+              <a:schemeClr val="accent1"/>
+            </a:effectRef>
+            <a:fontRef idx="minor">
+              <a:schemeClr val="tx1"/>
+            </a:fontRef>
+          </p:style>
+        </p:cxnSp>
+        <p:cxnSp>
+          <p:nvCxnSpPr>
+            <p:cNvPr id="24" name="Straight Connector 23"/>
+            <p:cNvCxnSpPr/>
+            <p:nvPr/>
+          </p:nvCxnSpPr>
+          <p:spPr>
+            <a:xfrm rot="5400000">
+              <a:off x="534194" y="4876006"/>
+              <a:ext cx="457200" cy="1588"/>
+            </a:xfrm>
+            <a:prstGeom prst="line">
+              <a:avLst/>
+            </a:prstGeom>
+            <a:ln w="76200">
+              <a:solidFill>
+                <a:srgbClr val="FF0000"/>
+              </a:solidFill>
+              <a:headEnd type="none" w="med" len="med"/>
+              <a:tailEnd type="triangle" w="med" len="med"/>
+            </a:ln>
+          </p:spPr>
+          <p:style>
+            <a:lnRef idx="1">
+              <a:schemeClr val="accent1"/>
+            </a:lnRef>
+            <a:fillRef idx="0">
+              <a:schemeClr val="accent1"/>
+            </a:fillRef>
+            <a:effectRef idx="0">
+              <a:schemeClr val="accent1"/>
+            </a:effectRef>
+            <a:fontRef idx="minor">
+              <a:schemeClr val="tx1"/>
+            </a:fontRef>
+          </p:style>
+        </p:cxnSp>
+        <p:cxnSp>
+          <p:nvCxnSpPr>
+            <p:cNvPr id="25" name="Straight Connector 24"/>
+            <p:cNvCxnSpPr/>
+            <p:nvPr/>
+          </p:nvCxnSpPr>
+          <p:spPr>
+            <a:xfrm rot="5400000">
+              <a:off x="5487194" y="4876006"/>
+              <a:ext cx="457200" cy="1588"/>
+            </a:xfrm>
+            <a:prstGeom prst="line">
+              <a:avLst/>
+            </a:prstGeom>
+            <a:ln w="76200">
+              <a:solidFill>
+                <a:srgbClr val="FF0000"/>
+              </a:solidFill>
+              <a:headEnd type="none" w="med" len="med"/>
+              <a:tailEnd type="triangle" w="med" len="med"/>
+            </a:ln>
+          </p:spPr>
+          <p:style>
+            <a:lnRef idx="1">
+              <a:schemeClr val="accent1"/>
+            </a:lnRef>
+            <a:fillRef idx="0">
+              <a:schemeClr val="accent1"/>
+            </a:fillRef>
+            <a:effectRef idx="0">
+              <a:schemeClr val="accent1"/>
+            </a:effectRef>
+            <a:fontRef idx="minor">
+              <a:schemeClr val="tx1"/>
+            </a:fontRef>
+          </p:style>
+        </p:cxnSp>
+      </p:grpSp>
     </p:spTree>
     <p:extLst>
       <p:ext uri="{BB962C8B-B14F-4D97-AF65-F5344CB8AC3E}">
@@ -10021,6 +12599,15 @@
 </file>
 
 <file path=customXml/item1.xml><?xml version="1.0" encoding="utf-8"?>
+<?mso-contentType ?>
+<FormTemplates xmlns="http://schemas.microsoft.com/sharepoint/v3/contenttype/forms">
+  <Display>DocumentLibraryForm</Display>
+  <Edit>DocumentLibraryForm</Edit>
+  <New>DocumentLibraryForm</New>
+</FormTemplates>
+</file>
+
+<file path=customXml/item2.xml><?xml version="1.0" encoding="utf-8"?>
 <p:properties xmlns:p="http://schemas.microsoft.com/office/2006/metadata/properties" xmlns:xsi="http://www.w3.org/2001/XMLSchema-instance" xmlns:pc="http://schemas.microsoft.com/office/infopath/2007/PartnerControls">
   <documentManagement>
     <VSO_x0020_item_x0020_id xmlns="40262f94-9f35-4ac3-9a90-690165a166b7" xsi:nil="true"/>
@@ -10029,15 +12616,6 @@
     <Template_x0020_details xmlns="40262f94-9f35-4ac3-9a90-690165a166b7" xsi:nil="true"/>
   </documentManagement>
 </p:properties>
-</file>
-
-<file path=customXml/item2.xml><?xml version="1.0" encoding="utf-8"?>
-<?mso-contentType ?>
-<FormTemplates xmlns="http://schemas.microsoft.com/sharepoint/v3/contenttype/forms">
-  <Display>DocumentLibraryForm</Display>
-  <Edit>DocumentLibraryForm</Edit>
-  <New>DocumentLibraryForm</New>
-</FormTemplates>
 </file>
 
 <file path=customXml/item3.xml><?xml version="1.0" encoding="utf-8"?>
@@ -10222,6 +12800,14 @@
 </file>
 
 <file path=customXml/itemProps1.xml><?xml version="1.0" encoding="utf-8"?>
+<ds:datastoreItem xmlns:ds="http://schemas.openxmlformats.org/officeDocument/2006/customXml" ds:itemID="{653E1689-1E09-4ADC-A5E7-6718BF79A8A6}">
+  <ds:schemaRefs>
+    <ds:schemaRef ds:uri="http://schemas.microsoft.com/sharepoint/v3/contenttype/forms"/>
+  </ds:schemaRefs>
+</ds:datastoreItem>
+</file>
+
+<file path=customXml/itemProps2.xml><?xml version="1.0" encoding="utf-8"?>
 <ds:datastoreItem xmlns:ds="http://schemas.openxmlformats.org/officeDocument/2006/customXml" ds:itemID="{3FFF1070-8794-47AC-90B7-1F2E078096FF}">
   <ds:schemaRefs>
     <ds:schemaRef ds:uri="40262f94-9f35-4ac3-9a90-690165a166b7"/>
@@ -10234,14 +12820,6 @@
     <ds:schemaRef ds:uri="http://purl.org/dc/terms/"/>
     <ds:schemaRef ds:uri="http://schemas.microsoft.com/office/infopath/2007/PartnerControls"/>
     <ds:schemaRef ds:uri="http://schemas.openxmlformats.org/package/2006/metadata/core-properties"/>
-  </ds:schemaRefs>
-</ds:datastoreItem>
-</file>
-
-<file path=customXml/itemProps2.xml><?xml version="1.0" encoding="utf-8"?>
-<ds:datastoreItem xmlns:ds="http://schemas.openxmlformats.org/officeDocument/2006/customXml" ds:itemID="{653E1689-1E09-4ADC-A5E7-6718BF79A8A6}">
-  <ds:schemaRefs>
-    <ds:schemaRef ds:uri="http://schemas.microsoft.com/sharepoint/v3/contenttype/forms"/>
   </ds:schemaRefs>
 </ds:datastoreItem>
 </file>

--- a/presentation/GROUP 13.pptx
+++ b/presentation/GROUP 13.pptx
@@ -301,7 +301,7 @@
           <a:p>
             <a:fld id="{24CE221E-83ED-4F6C-BA5F-3F9E6FDB6953}" type="datetimeFigureOut">
               <a:rPr lang="en-US"/>
-              <a:t>4/1/2017</a:t>
+              <a:t>8/19/2017</a:t>
             </a:fld>
             <a:endParaRPr dirty="0"/>
           </a:p>
@@ -466,7 +466,7 @@
           <a:p>
             <a:fld id="{97853E5F-CE67-483C-A264-F17AC70E9CA2}" type="datetimeFigureOut">
               <a:rPr lang="en-US"/>
-              <a:t>4/1/2017</a:t>
+              <a:t>8/19/2017</a:t>
             </a:fld>
             <a:endParaRPr dirty="0"/>
           </a:p>
@@ -1063,7 +1063,7 @@
           <a:p>
             <a:fld id="{3E0FA9E5-6744-4841-888F-9E7CC0C2B7EC}" type="datetimeFigureOut">
               <a:rPr lang="en-US" smtClean="0"/>
-              <a:t>4/1/2017</a:t>
+              <a:t>8/19/2017</a:t>
             </a:fld>
             <a:endParaRPr lang="en-US" dirty="0"/>
           </a:p>
@@ -1253,7 +1253,7 @@
           <a:p>
             <a:fld id="{3E0FA9E5-6744-4841-888F-9E7CC0C2B7EC}" type="datetimeFigureOut">
               <a:rPr lang="en-US" smtClean="0"/>
-              <a:t>4/1/2017</a:t>
+              <a:t>8/19/2017</a:t>
             </a:fld>
             <a:endParaRPr lang="en-US" dirty="0"/>
           </a:p>
@@ -1448,7 +1448,7 @@
           <a:p>
             <a:fld id="{3E0FA9E5-6744-4841-888F-9E7CC0C2B7EC}" type="datetimeFigureOut">
               <a:rPr lang="en-US" smtClean="0"/>
-              <a:t>4/1/2017</a:t>
+              <a:t>8/19/2017</a:t>
             </a:fld>
             <a:endParaRPr lang="en-US" dirty="0"/>
           </a:p>
@@ -1633,7 +1633,7 @@
           <a:p>
             <a:fld id="{3E0FA9E5-6744-4841-888F-9E7CC0C2B7EC}" type="datetimeFigureOut">
               <a:rPr lang="en-US" smtClean="0"/>
-              <a:t>4/1/2017</a:t>
+              <a:t>8/19/2017</a:t>
             </a:fld>
             <a:endParaRPr lang="en-US" dirty="0"/>
           </a:p>
@@ -1902,7 +1902,7 @@
           <a:p>
             <a:fld id="{3E0FA9E5-6744-4841-888F-9E7CC0C2B7EC}" type="datetimeFigureOut">
               <a:rPr lang="en-US" smtClean="0"/>
-              <a:t>4/1/2017</a:t>
+              <a:t>8/19/2017</a:t>
             </a:fld>
             <a:endParaRPr lang="en-US" dirty="0"/>
           </a:p>
@@ -2209,7 +2209,7 @@
           <a:p>
             <a:fld id="{3E0FA9E5-6744-4841-888F-9E7CC0C2B7EC}" type="datetimeFigureOut">
               <a:rPr lang="en-US" smtClean="0"/>
-              <a:t>4/1/2017</a:t>
+              <a:t>8/19/2017</a:t>
             </a:fld>
             <a:endParaRPr lang="en-US" dirty="0"/>
           </a:p>
@@ -2665,7 +2665,7 @@
           <a:p>
             <a:fld id="{3E0FA9E5-6744-4841-888F-9E7CC0C2B7EC}" type="datetimeFigureOut">
               <a:rPr lang="en-US" smtClean="0"/>
-              <a:t>4/1/2017</a:t>
+              <a:t>8/19/2017</a:t>
             </a:fld>
             <a:endParaRPr lang="en-US" dirty="0"/>
           </a:p>
@@ -2798,7 +2798,7 @@
           <a:p>
             <a:fld id="{3E0FA9E5-6744-4841-888F-9E7CC0C2B7EC}" type="datetimeFigureOut">
               <a:rPr lang="en-US" smtClean="0"/>
-              <a:t>4/1/2017</a:t>
+              <a:t>8/19/2017</a:t>
             </a:fld>
             <a:endParaRPr lang="en-US" dirty="0"/>
           </a:p>
@@ -2908,7 +2908,7 @@
           <a:p>
             <a:fld id="{3E0FA9E5-6744-4841-888F-9E7CC0C2B7EC}" type="datetimeFigureOut">
               <a:rPr lang="en-US" smtClean="0"/>
-              <a:t>4/1/2017</a:t>
+              <a:t>8/19/2017</a:t>
             </a:fld>
             <a:endParaRPr lang="en-US" dirty="0"/>
           </a:p>
@@ -3219,7 +3219,7 @@
           <a:p>
             <a:fld id="{3E0FA9E5-6744-4841-888F-9E7CC0C2B7EC}" type="datetimeFigureOut">
               <a:rPr lang="en-US" smtClean="0"/>
-              <a:t>4/1/2017</a:t>
+              <a:t>8/19/2017</a:t>
             </a:fld>
             <a:endParaRPr lang="en-US" dirty="0"/>
           </a:p>
@@ -3696,7 +3696,7 @@
             <a:fld id="{3E0FA9E5-6744-4841-888F-9E7CC0C2B7EC}" type="datetimeFigureOut">
               <a:rPr lang="en-US" smtClean="0"/>
               <a:pPr/>
-              <a:t>4/1/2017</a:t>
+              <a:t>8/19/2017</a:t>
             </a:fld>
             <a:endParaRPr lang="en-US" dirty="0"/>
           </a:p>
@@ -4162,7 +4162,7 @@
         </p:spPr>
         <p:txBody>
           <a:bodyPr>
-            <a:normAutofit/>
+            <a:normAutofit fontScale="92500"/>
           </a:bodyPr>
           <a:lstStyle/>
           <a:p>
@@ -5803,10 +5803,18 @@
           <a:p>
             <a:pPr algn="ctr"/>
             <a:r>
-              <a:rPr lang="en-US" sz="6000" dirty="0" smtClean="0"/>
+              <a:rPr lang="en-US" sz="6000" dirty="0" smtClean="0">
+                <a:solidFill>
+                  <a:srgbClr val="C00000"/>
+                </a:solidFill>
+              </a:rPr>
               <a:t>ANALYSIS</a:t>
             </a:r>
-            <a:endParaRPr lang="en-US" sz="6000" dirty="0"/>
+            <a:endParaRPr lang="en-US" sz="6000" dirty="0">
+              <a:solidFill>
+                <a:srgbClr val="C00000"/>
+              </a:solidFill>
+            </a:endParaRPr>
           </a:p>
         </p:txBody>
       </p:sp>
@@ -6096,7 +6104,6 @@
               <a:rPr lang="en-US" sz="2800" dirty="0"/>
               <a:t>Contract problems, so this system is ideal.</a:t>
             </a:r>
-            <a:endParaRPr lang="en-US" sz="2800" dirty="0"/>
           </a:p>
         </p:txBody>
       </p:sp>
@@ -6240,13 +6247,13 @@
   <p:clrMapOvr>
     <a:masterClrMapping/>
   </p:clrMapOvr>
-  <mc:AlternateContent xmlns:mc="http://schemas.openxmlformats.org/markup-compatibility/2006">
-    <mc:Choice xmlns:p14="http://schemas.microsoft.com/office/powerpoint/2010/main" Requires="p14">
+  <mc:AlternateContent xmlns:mc="http://schemas.openxmlformats.org/markup-compatibility/2006" xmlns:p14="http://schemas.microsoft.com/office/powerpoint/2010/main">
+    <mc:Choice Requires="p14">
       <p:transition spd="med" p14:dur="700">
         <p:fade/>
       </p:transition>
     </mc:Choice>
-    <mc:Fallback>
+    <mc:Fallback xmlns="">
       <p:transition spd="med">
         <p:fade/>
       </p:transition>
@@ -10418,13 +10425,13 @@
   <p:clrMapOvr>
     <a:masterClrMapping/>
   </p:clrMapOvr>
-  <mc:AlternateContent xmlns:mc="http://schemas.openxmlformats.org/markup-compatibility/2006">
-    <mc:Choice xmlns:p14="http://schemas.microsoft.com/office/powerpoint/2010/main" Requires="p14">
+  <mc:AlternateContent xmlns:mc="http://schemas.openxmlformats.org/markup-compatibility/2006" xmlns:p14="http://schemas.microsoft.com/office/powerpoint/2010/main">
+    <mc:Choice Requires="p14">
       <p:transition spd="med" p14:dur="700">
         <p:fade/>
       </p:transition>
     </mc:Choice>
-    <mc:Fallback>
+    <mc:Fallback xmlns="">
       <p:transition spd="med">
         <p:fade/>
       </p:transition>
@@ -12608,17 +12615,6 @@
 </file>
 
 <file path=customXml/item2.xml><?xml version="1.0" encoding="utf-8"?>
-<p:properties xmlns:p="http://schemas.microsoft.com/office/2006/metadata/properties" xmlns:xsi="http://www.w3.org/2001/XMLSchema-instance" xmlns:pc="http://schemas.microsoft.com/office/infopath/2007/PartnerControls">
-  <documentManagement>
-    <VSO_x0020_item_x0020_id xmlns="40262f94-9f35-4ac3-9a90-690165a166b7" xsi:nil="true"/>
-    <Assetid_x0020_ xmlns="40262f94-9f35-4ac3-9a90-690165a166b7" xsi:nil="true"/>
-    <Item_x0020_Details xmlns="40262f94-9f35-4ac3-9a90-690165a166b7" xsi:nil="true"/>
-    <Template_x0020_details xmlns="40262f94-9f35-4ac3-9a90-690165a166b7" xsi:nil="true"/>
-  </documentManagement>
-</p:properties>
-</file>
-
-<file path=customXml/item3.xml><?xml version="1.0" encoding="utf-8"?>
 <ct:contentTypeSchema xmlns:ct="http://schemas.microsoft.com/office/2006/metadata/contentType" xmlns:ma="http://schemas.microsoft.com/office/2006/metadata/properties/metaAttributes" ct:_="" ma:_="" ma:contentTypeName="Document" ma:contentTypeID="0x010100AA3F7D94069FF64A86F7DFF56D60E3BE" ma:contentTypeVersion="6" ma:contentTypeDescription="Create a new document." ma:contentTypeScope="" ma:versionID="c32302c77d4085ecf495bdddb7f5e889">
   <xsd:schema xmlns:xsd="http://www.w3.org/2001/XMLSchema" xmlns:xs="http://www.w3.org/2001/XMLSchema" xmlns:p="http://schemas.microsoft.com/office/2006/metadata/properties" xmlns:ns2="a4f35948-e619-41b3-aa29-22878b09cfd2" xmlns:ns3="40262f94-9f35-4ac3-9a90-690165a166b7" targetNamespace="http://schemas.microsoft.com/office/2006/metadata/properties" ma:root="true" ma:fieldsID="4ab5ae46be95f9d0be6107e8200be7a2" ns2:_="" ns3:_="">
     <xsd:import namespace="a4f35948-e619-41b3-aa29-22878b09cfd2"/>
@@ -12799,6 +12795,17 @@
 </ct:contentTypeSchema>
 </file>
 
+<file path=customXml/item3.xml><?xml version="1.0" encoding="utf-8"?>
+<p:properties xmlns:p="http://schemas.microsoft.com/office/2006/metadata/properties" xmlns:xsi="http://www.w3.org/2001/XMLSchema-instance" xmlns:pc="http://schemas.microsoft.com/office/infopath/2007/PartnerControls">
+  <documentManagement>
+    <VSO_x0020_item_x0020_id xmlns="40262f94-9f35-4ac3-9a90-690165a166b7" xsi:nil="true"/>
+    <Assetid_x0020_ xmlns="40262f94-9f35-4ac3-9a90-690165a166b7" xsi:nil="true"/>
+    <Item_x0020_Details xmlns="40262f94-9f35-4ac3-9a90-690165a166b7" xsi:nil="true"/>
+    <Template_x0020_details xmlns="40262f94-9f35-4ac3-9a90-690165a166b7" xsi:nil="true"/>
+  </documentManagement>
+</p:properties>
+</file>
+
 <file path=customXml/itemProps1.xml><?xml version="1.0" encoding="utf-8"?>
 <ds:datastoreItem xmlns:ds="http://schemas.openxmlformats.org/officeDocument/2006/customXml" ds:itemID="{653E1689-1E09-4ADC-A5E7-6718BF79A8A6}">
   <ds:schemaRefs>
@@ -12808,23 +12815,6 @@
 </file>
 
 <file path=customXml/itemProps2.xml><?xml version="1.0" encoding="utf-8"?>
-<ds:datastoreItem xmlns:ds="http://schemas.openxmlformats.org/officeDocument/2006/customXml" ds:itemID="{3FFF1070-8794-47AC-90B7-1F2E078096FF}">
-  <ds:schemaRefs>
-    <ds:schemaRef ds:uri="40262f94-9f35-4ac3-9a90-690165a166b7"/>
-    <ds:schemaRef ds:uri="a4f35948-e619-41b3-aa29-22878b09cfd2"/>
-    <ds:schemaRef ds:uri="http://www.w3.org/XML/1998/namespace"/>
-    <ds:schemaRef ds:uri="http://purl.org/dc/elements/1.1/"/>
-    <ds:schemaRef ds:uri="http://schemas.microsoft.com/office/2006/documentManagement/types"/>
-    <ds:schemaRef ds:uri="http://schemas.microsoft.com/office/2006/metadata/properties"/>
-    <ds:schemaRef ds:uri="http://purl.org/dc/dcmitype/"/>
-    <ds:schemaRef ds:uri="http://purl.org/dc/terms/"/>
-    <ds:schemaRef ds:uri="http://schemas.microsoft.com/office/infopath/2007/PartnerControls"/>
-    <ds:schemaRef ds:uri="http://schemas.openxmlformats.org/package/2006/metadata/core-properties"/>
-  </ds:schemaRefs>
-</ds:datastoreItem>
-</file>
-
-<file path=customXml/itemProps3.xml><?xml version="1.0" encoding="utf-8"?>
 <ds:datastoreItem xmlns:ds="http://schemas.openxmlformats.org/officeDocument/2006/customXml" ds:itemID="{7CB30B94-6D3B-4C91-947C-5EB8E8EFFE4F}">
   <ds:schemaRefs>
     <ds:schemaRef ds:uri="http://schemas.microsoft.com/office/2006/metadata/contentType"/>
@@ -12841,4 +12831,21 @@
     <ds:schemaRef ds:uri="http://schemas.microsoft.com/internal/obd"/>
   </ds:schemaRefs>
 </ds:datastoreItem>
+</file>
+
+<file path=customXml/itemProps3.xml><?xml version="1.0" encoding="utf-8"?>
+<ds:datastoreItem xmlns:ds="http://schemas.openxmlformats.org/officeDocument/2006/customXml" ds:itemID="{3FFF1070-8794-47AC-90B7-1F2E078096FF}">
+  <ds:schemaRefs>
+    <ds:schemaRef ds:uri="40262f94-9f35-4ac3-9a90-690165a166b7"/>
+    <ds:schemaRef ds:uri="a4f35948-e619-41b3-aa29-22878b09cfd2"/>
+    <ds:schemaRef ds:uri="http://www.w3.org/XML/1998/namespace"/>
+    <ds:schemaRef ds:uri="http://purl.org/dc/elements/1.1/"/>
+    <ds:schemaRef ds:uri="http://schemas.microsoft.com/office/2006/documentManagement/types"/>
+    <ds:schemaRef ds:uri="http://schemas.microsoft.com/office/2006/metadata/properties"/>
+    <ds:schemaRef ds:uri="http://purl.org/dc/dcmitype/"/>
+    <ds:schemaRef ds:uri="http://purl.org/dc/terms/"/>
+    <ds:schemaRef ds:uri="http://schemas.microsoft.com/office/infopath/2007/PartnerControls"/>
+    <ds:schemaRef ds:uri="http://schemas.openxmlformats.org/package/2006/metadata/core-properties"/>
+  </ds:schemaRefs>
+</ds:datastoreItem>
 </file>